--- a/presentation/evol_2023.pptx
+++ b/presentation/evol_2023.pptx
@@ -4,21 +4,34 @@
   <p:sldMasterIdLst>
     <p:sldMasterId id="2147483648" r:id="rId1"/>
   </p:sldMasterIdLst>
+  <p:notesMasterIdLst>
+    <p:notesMasterId r:id="rId26"/>
+  </p:notesMasterIdLst>
   <p:sldIdLst>
     <p:sldId id="256" r:id="rId2"/>
     <p:sldId id="258" r:id="rId3"/>
     <p:sldId id="259" r:id="rId4"/>
     <p:sldId id="260" r:id="rId5"/>
-    <p:sldId id="261" r:id="rId6"/>
-    <p:sldId id="262" r:id="rId7"/>
-    <p:sldId id="263" r:id="rId8"/>
-    <p:sldId id="264" r:id="rId9"/>
-    <p:sldId id="265" r:id="rId10"/>
-    <p:sldId id="266" r:id="rId11"/>
-    <p:sldId id="267" r:id="rId12"/>
-    <p:sldId id="270" r:id="rId13"/>
-    <p:sldId id="268" r:id="rId14"/>
-    <p:sldId id="269" r:id="rId15"/>
+    <p:sldId id="262" r:id="rId6"/>
+    <p:sldId id="264" r:id="rId7"/>
+    <p:sldId id="265" r:id="rId8"/>
+    <p:sldId id="271" r:id="rId9"/>
+    <p:sldId id="272" r:id="rId10"/>
+    <p:sldId id="274" r:id="rId11"/>
+    <p:sldId id="273" r:id="rId12"/>
+    <p:sldId id="267" r:id="rId13"/>
+    <p:sldId id="275" r:id="rId14"/>
+    <p:sldId id="276" r:id="rId15"/>
+    <p:sldId id="277" r:id="rId16"/>
+    <p:sldId id="278" r:id="rId17"/>
+    <p:sldId id="268" r:id="rId18"/>
+    <p:sldId id="279" r:id="rId19"/>
+    <p:sldId id="269" r:id="rId20"/>
+    <p:sldId id="280" r:id="rId21"/>
+    <p:sldId id="282" r:id="rId22"/>
+    <p:sldId id="283" r:id="rId23"/>
+    <p:sldId id="284" r:id="rId24"/>
+    <p:sldId id="281" r:id="rId25"/>
   </p:sldIdLst>
   <p:sldSz cx="12192000" cy="6858000"/>
   <p:notesSz cx="6858000" cy="9144000"/>
@@ -125,6 +138,875 @@
 </p:presentation>
 </file>
 
+<file path=ppt/notesMasters/notesMaster1.xml><?xml version="1.0" encoding="utf-8"?>
+<p:notesMaster xmlns:a="http://schemas.openxmlformats.org/drawingml/2006/main" xmlns:r="http://schemas.openxmlformats.org/officeDocument/2006/relationships" xmlns:p="http://schemas.openxmlformats.org/presentationml/2006/main">
+  <p:cSld>
+    <p:bg>
+      <p:bgRef idx="1001">
+        <a:schemeClr val="bg1"/>
+      </p:bgRef>
+    </p:bg>
+    <p:spTree>
+      <p:nvGrpSpPr>
+        <p:cNvPr id="1" name=""/>
+        <p:cNvGrpSpPr/>
+        <p:nvPr/>
+      </p:nvGrpSpPr>
+      <p:grpSpPr>
+        <a:xfrm>
+          <a:off x="0" y="0"/>
+          <a:ext cx="0" cy="0"/>
+          <a:chOff x="0" y="0"/>
+          <a:chExt cx="0" cy="0"/>
+        </a:xfrm>
+      </p:grpSpPr>
+      <p:sp>
+        <p:nvSpPr>
+          <p:cNvPr id="2" name="Header Placeholder 1"/>
+          <p:cNvSpPr>
+            <a:spLocks noGrp="1"/>
+          </p:cNvSpPr>
+          <p:nvPr>
+            <p:ph type="hdr" sz="quarter"/>
+          </p:nvPr>
+        </p:nvSpPr>
+        <p:spPr>
+          <a:xfrm>
+            <a:off x="0" y="0"/>
+            <a:ext cx="2971800" cy="458788"/>
+          </a:xfrm>
+          <a:prstGeom prst="rect">
+            <a:avLst/>
+          </a:prstGeom>
+        </p:spPr>
+        <p:txBody>
+          <a:bodyPr vert="horz" lIns="91440" tIns="45720" rIns="91440" bIns="45720" rtlCol="0"/>
+          <a:lstStyle>
+            <a:lvl1pPr algn="l">
+              <a:defRPr sz="1200"/>
+            </a:lvl1pPr>
+          </a:lstStyle>
+          <a:p>
+            <a:endParaRPr lang="en-US"/>
+          </a:p>
+        </p:txBody>
+      </p:sp>
+      <p:sp>
+        <p:nvSpPr>
+          <p:cNvPr id="3" name="Date Placeholder 2"/>
+          <p:cNvSpPr>
+            <a:spLocks noGrp="1"/>
+          </p:cNvSpPr>
+          <p:nvPr>
+            <p:ph type="dt" idx="1"/>
+          </p:nvPr>
+        </p:nvSpPr>
+        <p:spPr>
+          <a:xfrm>
+            <a:off x="3884613" y="0"/>
+            <a:ext cx="2971800" cy="458788"/>
+          </a:xfrm>
+          <a:prstGeom prst="rect">
+            <a:avLst/>
+          </a:prstGeom>
+        </p:spPr>
+        <p:txBody>
+          <a:bodyPr vert="horz" lIns="91440" tIns="45720" rIns="91440" bIns="45720" rtlCol="0"/>
+          <a:lstStyle>
+            <a:lvl1pPr algn="r">
+              <a:defRPr sz="1200"/>
+            </a:lvl1pPr>
+          </a:lstStyle>
+          <a:p>
+            <a:fld id="{066586F0-53BD-ED40-94F7-8AF71D2B7384}" type="datetimeFigureOut">
+              <a:rPr lang="en-US" smtClean="0"/>
+              <a:t>5/30/23</a:t>
+            </a:fld>
+            <a:endParaRPr lang="en-US"/>
+          </a:p>
+        </p:txBody>
+      </p:sp>
+      <p:sp>
+        <p:nvSpPr>
+          <p:cNvPr id="4" name="Slide Image Placeholder 3"/>
+          <p:cNvSpPr>
+            <a:spLocks noGrp="1" noRot="1" noChangeAspect="1"/>
+          </p:cNvSpPr>
+          <p:nvPr>
+            <p:ph type="sldImg" idx="2"/>
+          </p:nvPr>
+        </p:nvSpPr>
+        <p:spPr>
+          <a:xfrm>
+            <a:off x="685800" y="1143000"/>
+            <a:ext cx="5486400" cy="3086100"/>
+          </a:xfrm>
+          <a:prstGeom prst="rect">
+            <a:avLst/>
+          </a:prstGeom>
+          <a:noFill/>
+          <a:ln w="12700">
+            <a:solidFill>
+              <a:prstClr val="black"/>
+            </a:solidFill>
+          </a:ln>
+        </p:spPr>
+        <p:txBody>
+          <a:bodyPr vert="horz" lIns="91440" tIns="45720" rIns="91440" bIns="45720" rtlCol="0" anchor="ctr"/>
+          <a:lstStyle/>
+          <a:p>
+            <a:endParaRPr lang="en-US"/>
+          </a:p>
+        </p:txBody>
+      </p:sp>
+      <p:sp>
+        <p:nvSpPr>
+          <p:cNvPr id="5" name="Notes Placeholder 4"/>
+          <p:cNvSpPr>
+            <a:spLocks noGrp="1"/>
+          </p:cNvSpPr>
+          <p:nvPr>
+            <p:ph type="body" sz="quarter" idx="3"/>
+          </p:nvPr>
+        </p:nvSpPr>
+        <p:spPr>
+          <a:xfrm>
+            <a:off x="685800" y="4400550"/>
+            <a:ext cx="5486400" cy="3600450"/>
+          </a:xfrm>
+          <a:prstGeom prst="rect">
+            <a:avLst/>
+          </a:prstGeom>
+        </p:spPr>
+        <p:txBody>
+          <a:bodyPr vert="horz" lIns="91440" tIns="45720" rIns="91440" bIns="45720" rtlCol="0"/>
+          <a:lstStyle/>
+          <a:p>
+            <a:pPr lvl="0"/>
+            <a:r>
+              <a:rPr lang="en-US"/>
+              <a:t>Click to edit Master text styles</a:t>
+            </a:r>
+          </a:p>
+          <a:p>
+            <a:pPr lvl="1"/>
+            <a:r>
+              <a:rPr lang="en-US"/>
+              <a:t>Second level</a:t>
+            </a:r>
+          </a:p>
+          <a:p>
+            <a:pPr lvl="2"/>
+            <a:r>
+              <a:rPr lang="en-US"/>
+              <a:t>Third level</a:t>
+            </a:r>
+          </a:p>
+          <a:p>
+            <a:pPr lvl="3"/>
+            <a:r>
+              <a:rPr lang="en-US"/>
+              <a:t>Fourth level</a:t>
+            </a:r>
+          </a:p>
+          <a:p>
+            <a:pPr lvl="4"/>
+            <a:r>
+              <a:rPr lang="en-US"/>
+              <a:t>Fifth level</a:t>
+            </a:r>
+          </a:p>
+        </p:txBody>
+      </p:sp>
+      <p:sp>
+        <p:nvSpPr>
+          <p:cNvPr id="6" name="Footer Placeholder 5"/>
+          <p:cNvSpPr>
+            <a:spLocks noGrp="1"/>
+          </p:cNvSpPr>
+          <p:nvPr>
+            <p:ph type="ftr" sz="quarter" idx="4"/>
+          </p:nvPr>
+        </p:nvSpPr>
+        <p:spPr>
+          <a:xfrm>
+            <a:off x="0" y="8685213"/>
+            <a:ext cx="2971800" cy="458787"/>
+          </a:xfrm>
+          <a:prstGeom prst="rect">
+            <a:avLst/>
+          </a:prstGeom>
+        </p:spPr>
+        <p:txBody>
+          <a:bodyPr vert="horz" lIns="91440" tIns="45720" rIns="91440" bIns="45720" rtlCol="0" anchor="b"/>
+          <a:lstStyle>
+            <a:lvl1pPr algn="l">
+              <a:defRPr sz="1200"/>
+            </a:lvl1pPr>
+          </a:lstStyle>
+          <a:p>
+            <a:endParaRPr lang="en-US"/>
+          </a:p>
+        </p:txBody>
+      </p:sp>
+      <p:sp>
+        <p:nvSpPr>
+          <p:cNvPr id="7" name="Slide Number Placeholder 6"/>
+          <p:cNvSpPr>
+            <a:spLocks noGrp="1"/>
+          </p:cNvSpPr>
+          <p:nvPr>
+            <p:ph type="sldNum" sz="quarter" idx="5"/>
+          </p:nvPr>
+        </p:nvSpPr>
+        <p:spPr>
+          <a:xfrm>
+            <a:off x="3884613" y="8685213"/>
+            <a:ext cx="2971800" cy="458787"/>
+          </a:xfrm>
+          <a:prstGeom prst="rect">
+            <a:avLst/>
+          </a:prstGeom>
+        </p:spPr>
+        <p:txBody>
+          <a:bodyPr vert="horz" lIns="91440" tIns="45720" rIns="91440" bIns="45720" rtlCol="0" anchor="b"/>
+          <a:lstStyle>
+            <a:lvl1pPr algn="r">
+              <a:defRPr sz="1200"/>
+            </a:lvl1pPr>
+          </a:lstStyle>
+          <a:p>
+            <a:fld id="{D2CA4A2D-8EA0-354D-901D-B8F078532B0E}" type="slidenum">
+              <a:rPr lang="en-US" smtClean="0"/>
+              <a:t>‹#›</a:t>
+            </a:fld>
+            <a:endParaRPr lang="en-US"/>
+          </a:p>
+        </p:txBody>
+      </p:sp>
+    </p:spTree>
+    <p:extLst>
+      <p:ext uri="{BB962C8B-B14F-4D97-AF65-F5344CB8AC3E}">
+        <p14:creationId xmlns:p14="http://schemas.microsoft.com/office/powerpoint/2010/main" val="1752141062"/>
+      </p:ext>
+    </p:extLst>
+  </p:cSld>
+  <p:clrMap bg1="lt1" tx1="dk1" bg2="lt2" tx2="dk2" accent1="accent1" accent2="accent2" accent3="accent3" accent4="accent4" accent5="accent5" accent6="accent6" hlink="hlink" folHlink="folHlink"/>
+  <p:notesStyle>
+    <a:lvl1pPr marL="0" algn="l" defTabSz="914400" rtl="0" eaLnBrk="1" latinLnBrk="0" hangingPunct="1">
+      <a:defRPr sz="1200" kern="1200">
+        <a:solidFill>
+          <a:schemeClr val="tx1"/>
+        </a:solidFill>
+        <a:latin typeface="+mn-lt"/>
+        <a:ea typeface="+mn-ea"/>
+        <a:cs typeface="+mn-cs"/>
+      </a:defRPr>
+    </a:lvl1pPr>
+    <a:lvl2pPr marL="457200" algn="l" defTabSz="914400" rtl="0" eaLnBrk="1" latinLnBrk="0" hangingPunct="1">
+      <a:defRPr sz="1200" kern="1200">
+        <a:solidFill>
+          <a:schemeClr val="tx1"/>
+        </a:solidFill>
+        <a:latin typeface="+mn-lt"/>
+        <a:ea typeface="+mn-ea"/>
+        <a:cs typeface="+mn-cs"/>
+      </a:defRPr>
+    </a:lvl2pPr>
+    <a:lvl3pPr marL="914400" algn="l" defTabSz="914400" rtl="0" eaLnBrk="1" latinLnBrk="0" hangingPunct="1">
+      <a:defRPr sz="1200" kern="1200">
+        <a:solidFill>
+          <a:schemeClr val="tx1"/>
+        </a:solidFill>
+        <a:latin typeface="+mn-lt"/>
+        <a:ea typeface="+mn-ea"/>
+        <a:cs typeface="+mn-cs"/>
+      </a:defRPr>
+    </a:lvl3pPr>
+    <a:lvl4pPr marL="1371600" algn="l" defTabSz="914400" rtl="0" eaLnBrk="1" latinLnBrk="0" hangingPunct="1">
+      <a:defRPr sz="1200" kern="1200">
+        <a:solidFill>
+          <a:schemeClr val="tx1"/>
+        </a:solidFill>
+        <a:latin typeface="+mn-lt"/>
+        <a:ea typeface="+mn-ea"/>
+        <a:cs typeface="+mn-cs"/>
+      </a:defRPr>
+    </a:lvl4pPr>
+    <a:lvl5pPr marL="1828800" algn="l" defTabSz="914400" rtl="0" eaLnBrk="1" latinLnBrk="0" hangingPunct="1">
+      <a:defRPr sz="1200" kern="1200">
+        <a:solidFill>
+          <a:schemeClr val="tx1"/>
+        </a:solidFill>
+        <a:latin typeface="+mn-lt"/>
+        <a:ea typeface="+mn-ea"/>
+        <a:cs typeface="+mn-cs"/>
+      </a:defRPr>
+    </a:lvl5pPr>
+    <a:lvl6pPr marL="2286000" algn="l" defTabSz="914400" rtl="0" eaLnBrk="1" latinLnBrk="0" hangingPunct="1">
+      <a:defRPr sz="1200" kern="1200">
+        <a:solidFill>
+          <a:schemeClr val="tx1"/>
+        </a:solidFill>
+        <a:latin typeface="+mn-lt"/>
+        <a:ea typeface="+mn-ea"/>
+        <a:cs typeface="+mn-cs"/>
+      </a:defRPr>
+    </a:lvl6pPr>
+    <a:lvl7pPr marL="2743200" algn="l" defTabSz="914400" rtl="0" eaLnBrk="1" latinLnBrk="0" hangingPunct="1">
+      <a:defRPr sz="1200" kern="1200">
+        <a:solidFill>
+          <a:schemeClr val="tx1"/>
+        </a:solidFill>
+        <a:latin typeface="+mn-lt"/>
+        <a:ea typeface="+mn-ea"/>
+        <a:cs typeface="+mn-cs"/>
+      </a:defRPr>
+    </a:lvl7pPr>
+    <a:lvl8pPr marL="3200400" algn="l" defTabSz="914400" rtl="0" eaLnBrk="1" latinLnBrk="0" hangingPunct="1">
+      <a:defRPr sz="1200" kern="1200">
+        <a:solidFill>
+          <a:schemeClr val="tx1"/>
+        </a:solidFill>
+        <a:latin typeface="+mn-lt"/>
+        <a:ea typeface="+mn-ea"/>
+        <a:cs typeface="+mn-cs"/>
+      </a:defRPr>
+    </a:lvl8pPr>
+    <a:lvl9pPr marL="3657600" algn="l" defTabSz="914400" rtl="0" eaLnBrk="1" latinLnBrk="0" hangingPunct="1">
+      <a:defRPr sz="1200" kern="1200">
+        <a:solidFill>
+          <a:schemeClr val="tx1"/>
+        </a:solidFill>
+        <a:latin typeface="+mn-lt"/>
+        <a:ea typeface="+mn-ea"/>
+        <a:cs typeface="+mn-cs"/>
+      </a:defRPr>
+    </a:lvl9pPr>
+  </p:notesStyle>
+</p:notesMaster>
+</file>
+
+<file path=ppt/notesSlides/notesSlide1.xml><?xml version="1.0" encoding="utf-8"?>
+<p:notes xmlns:a="http://schemas.openxmlformats.org/drawingml/2006/main" xmlns:r="http://schemas.openxmlformats.org/officeDocument/2006/relationships" xmlns:p="http://schemas.openxmlformats.org/presentationml/2006/main">
+  <p:cSld>
+    <p:spTree>
+      <p:nvGrpSpPr>
+        <p:cNvPr id="1" name=""/>
+        <p:cNvGrpSpPr/>
+        <p:nvPr/>
+      </p:nvGrpSpPr>
+      <p:grpSpPr>
+        <a:xfrm>
+          <a:off x="0" y="0"/>
+          <a:ext cx="0" cy="0"/>
+          <a:chOff x="0" y="0"/>
+          <a:chExt cx="0" cy="0"/>
+        </a:xfrm>
+      </p:grpSpPr>
+      <p:sp>
+        <p:nvSpPr>
+          <p:cNvPr id="2" name="Slide Image Placeholder 1"/>
+          <p:cNvSpPr>
+            <a:spLocks noGrp="1" noRot="1" noChangeAspect="1"/>
+          </p:cNvSpPr>
+          <p:nvPr>
+            <p:ph type="sldImg"/>
+          </p:nvPr>
+        </p:nvSpPr>
+        <p:spPr/>
+      </p:sp>
+      <p:sp>
+        <p:nvSpPr>
+          <p:cNvPr id="3" name="Notes Placeholder 2"/>
+          <p:cNvSpPr>
+            <a:spLocks noGrp="1"/>
+          </p:cNvSpPr>
+          <p:nvPr>
+            <p:ph type="body" idx="1"/>
+          </p:nvPr>
+        </p:nvSpPr>
+        <p:spPr/>
+        <p:txBody>
+          <a:bodyPr/>
+          <a:lstStyle/>
+          <a:p>
+            <a:r>
+              <a:rPr lang="en-US" dirty="0"/>
+              <a:t>There have been extensions to include the possibility of multiple traits, or hidden traits, or quantitative traits</a:t>
+            </a:r>
+          </a:p>
+          <a:p>
+            <a:endParaRPr lang="en-US" dirty="0"/>
+          </a:p>
+          <a:p>
+            <a:r>
+              <a:rPr lang="en-US" dirty="0"/>
+              <a:t>This presentation will deal only with </a:t>
+            </a:r>
+            <a:r>
+              <a:rPr lang="en-US" dirty="0" err="1"/>
+              <a:t>BiSSE</a:t>
+            </a:r>
+            <a:r>
+              <a:rPr lang="en-US" dirty="0"/>
+              <a:t> but in the future this work could be extended to other models</a:t>
+            </a:r>
+          </a:p>
+        </p:txBody>
+      </p:sp>
+      <p:sp>
+        <p:nvSpPr>
+          <p:cNvPr id="4" name="Slide Number Placeholder 3"/>
+          <p:cNvSpPr>
+            <a:spLocks noGrp="1"/>
+          </p:cNvSpPr>
+          <p:nvPr>
+            <p:ph type="sldNum" sz="quarter" idx="5"/>
+          </p:nvPr>
+        </p:nvSpPr>
+        <p:spPr/>
+        <p:txBody>
+          <a:bodyPr/>
+          <a:lstStyle/>
+          <a:p>
+            <a:fld id="{D2CA4A2D-8EA0-354D-901D-B8F078532B0E}" type="slidenum">
+              <a:rPr lang="en-US" smtClean="0"/>
+              <a:t>3</a:t>
+            </a:fld>
+            <a:endParaRPr lang="en-US"/>
+          </a:p>
+        </p:txBody>
+      </p:sp>
+    </p:spTree>
+    <p:extLst>
+      <p:ext uri="{BB962C8B-B14F-4D97-AF65-F5344CB8AC3E}">
+        <p14:creationId xmlns:p14="http://schemas.microsoft.com/office/powerpoint/2010/main" val="630584421"/>
+      </p:ext>
+    </p:extLst>
+  </p:cSld>
+  <p:clrMapOvr>
+    <a:masterClrMapping/>
+  </p:clrMapOvr>
+</p:notes>
+</file>
+
+<file path=ppt/notesSlides/notesSlide2.xml><?xml version="1.0" encoding="utf-8"?>
+<p:notes xmlns:a="http://schemas.openxmlformats.org/drawingml/2006/main" xmlns:r="http://schemas.openxmlformats.org/officeDocument/2006/relationships" xmlns:p="http://schemas.openxmlformats.org/presentationml/2006/main">
+  <p:cSld>
+    <p:spTree>
+      <p:nvGrpSpPr>
+        <p:cNvPr id="1" name=""/>
+        <p:cNvGrpSpPr/>
+        <p:nvPr/>
+      </p:nvGrpSpPr>
+      <p:grpSpPr>
+        <a:xfrm>
+          <a:off x="0" y="0"/>
+          <a:ext cx="0" cy="0"/>
+          <a:chOff x="0" y="0"/>
+          <a:chExt cx="0" cy="0"/>
+        </a:xfrm>
+      </p:grpSpPr>
+      <p:sp>
+        <p:nvSpPr>
+          <p:cNvPr id="2" name="Slide Image Placeholder 1"/>
+          <p:cNvSpPr>
+            <a:spLocks noGrp="1" noRot="1" noChangeAspect="1"/>
+          </p:cNvSpPr>
+          <p:nvPr>
+            <p:ph type="sldImg"/>
+          </p:nvPr>
+        </p:nvSpPr>
+        <p:spPr/>
+      </p:sp>
+      <p:sp>
+        <p:nvSpPr>
+          <p:cNvPr id="3" name="Notes Placeholder 2"/>
+          <p:cNvSpPr>
+            <a:spLocks noGrp="1"/>
+          </p:cNvSpPr>
+          <p:nvPr>
+            <p:ph type="body" idx="1"/>
+          </p:nvPr>
+        </p:nvSpPr>
+        <p:spPr/>
+        <p:txBody>
+          <a:bodyPr/>
+          <a:lstStyle/>
+          <a:p>
+            <a:r>
+              <a:rPr lang="en-US" dirty="0"/>
+              <a:t>Same tests as in Maddison 2007 for accuracy for better comparison</a:t>
+            </a:r>
+          </a:p>
+          <a:p>
+            <a:endParaRPr lang="en-US" dirty="0"/>
+          </a:p>
+        </p:txBody>
+      </p:sp>
+      <p:sp>
+        <p:nvSpPr>
+          <p:cNvPr id="4" name="Slide Number Placeholder 3"/>
+          <p:cNvSpPr>
+            <a:spLocks noGrp="1"/>
+          </p:cNvSpPr>
+          <p:nvPr>
+            <p:ph type="sldNum" sz="quarter" idx="5"/>
+          </p:nvPr>
+        </p:nvSpPr>
+        <p:spPr/>
+        <p:txBody>
+          <a:bodyPr/>
+          <a:lstStyle/>
+          <a:p>
+            <a:fld id="{D2CA4A2D-8EA0-354D-901D-B8F078532B0E}" type="slidenum">
+              <a:rPr lang="en-US" smtClean="0"/>
+              <a:t>4</a:t>
+            </a:fld>
+            <a:endParaRPr lang="en-US"/>
+          </a:p>
+        </p:txBody>
+      </p:sp>
+    </p:spTree>
+    <p:extLst>
+      <p:ext uri="{BB962C8B-B14F-4D97-AF65-F5344CB8AC3E}">
+        <p14:creationId xmlns:p14="http://schemas.microsoft.com/office/powerpoint/2010/main" val="3008966980"/>
+      </p:ext>
+    </p:extLst>
+  </p:cSld>
+  <p:clrMapOvr>
+    <a:masterClrMapping/>
+  </p:clrMapOvr>
+</p:notes>
+</file>
+
+<file path=ppt/notesSlides/notesSlide3.xml><?xml version="1.0" encoding="utf-8"?>
+<p:notes xmlns:a="http://schemas.openxmlformats.org/drawingml/2006/main" xmlns:r="http://schemas.openxmlformats.org/officeDocument/2006/relationships" xmlns:p="http://schemas.openxmlformats.org/presentationml/2006/main">
+  <p:cSld>
+    <p:spTree>
+      <p:nvGrpSpPr>
+        <p:cNvPr id="1" name=""/>
+        <p:cNvGrpSpPr/>
+        <p:nvPr/>
+      </p:nvGrpSpPr>
+      <p:grpSpPr>
+        <a:xfrm>
+          <a:off x="0" y="0"/>
+          <a:ext cx="0" cy="0"/>
+          <a:chOff x="0" y="0"/>
+          <a:chExt cx="0" cy="0"/>
+        </a:xfrm>
+      </p:grpSpPr>
+      <p:sp>
+        <p:nvSpPr>
+          <p:cNvPr id="2" name="Slide Image Placeholder 1"/>
+          <p:cNvSpPr>
+            <a:spLocks noGrp="1" noRot="1" noChangeAspect="1"/>
+          </p:cNvSpPr>
+          <p:nvPr>
+            <p:ph type="sldImg"/>
+          </p:nvPr>
+        </p:nvSpPr>
+        <p:spPr/>
+      </p:sp>
+      <p:sp>
+        <p:nvSpPr>
+          <p:cNvPr id="3" name="Notes Placeholder 2"/>
+          <p:cNvSpPr>
+            <a:spLocks noGrp="1"/>
+          </p:cNvSpPr>
+          <p:nvPr>
+            <p:ph type="body" idx="1"/>
+          </p:nvPr>
+        </p:nvSpPr>
+        <p:spPr/>
+        <p:txBody>
+          <a:bodyPr/>
+          <a:lstStyle/>
+          <a:p>
+            <a:r>
+              <a:rPr lang="en-US" dirty="0"/>
+              <a:t>Scenarios are the same as in the original Maddison 2007 paper</a:t>
+            </a:r>
+          </a:p>
+          <a:p>
+            <a:endParaRPr lang="en-US" dirty="0"/>
+          </a:p>
+          <a:p>
+            <a:r>
+              <a:rPr lang="en-US" dirty="0"/>
+              <a:t>To compare with false positives in </a:t>
+            </a:r>
+            <a:r>
+              <a:rPr lang="en-US" dirty="0" err="1"/>
+              <a:t>Rabosky</a:t>
+            </a:r>
+            <a:r>
+              <a:rPr lang="en-US" dirty="0"/>
+              <a:t> &amp; Goldberg 2015, just simulate neutral traits at different transition rates</a:t>
+            </a:r>
+          </a:p>
+        </p:txBody>
+      </p:sp>
+      <p:sp>
+        <p:nvSpPr>
+          <p:cNvPr id="4" name="Slide Number Placeholder 3"/>
+          <p:cNvSpPr>
+            <a:spLocks noGrp="1"/>
+          </p:cNvSpPr>
+          <p:nvPr>
+            <p:ph type="sldNum" sz="quarter" idx="5"/>
+          </p:nvPr>
+        </p:nvSpPr>
+        <p:spPr/>
+        <p:txBody>
+          <a:bodyPr/>
+          <a:lstStyle/>
+          <a:p>
+            <a:fld id="{D2CA4A2D-8EA0-354D-901D-B8F078532B0E}" type="slidenum">
+              <a:rPr lang="en-US" smtClean="0"/>
+              <a:t>5</a:t>
+            </a:fld>
+            <a:endParaRPr lang="en-US"/>
+          </a:p>
+        </p:txBody>
+      </p:sp>
+    </p:spTree>
+    <p:extLst>
+      <p:ext uri="{BB962C8B-B14F-4D97-AF65-F5344CB8AC3E}">
+        <p14:creationId xmlns:p14="http://schemas.microsoft.com/office/powerpoint/2010/main" val="3613469749"/>
+      </p:ext>
+    </p:extLst>
+  </p:cSld>
+  <p:clrMapOvr>
+    <a:masterClrMapping/>
+  </p:clrMapOvr>
+</p:notes>
+</file>
+
+<file path=ppt/notesSlides/notesSlide4.xml><?xml version="1.0" encoding="utf-8"?>
+<p:notes xmlns:a="http://schemas.openxmlformats.org/drawingml/2006/main" xmlns:r="http://schemas.openxmlformats.org/officeDocument/2006/relationships" xmlns:p="http://schemas.openxmlformats.org/presentationml/2006/main">
+  <p:cSld>
+    <p:spTree>
+      <p:nvGrpSpPr>
+        <p:cNvPr id="1" name=""/>
+        <p:cNvGrpSpPr/>
+        <p:nvPr/>
+      </p:nvGrpSpPr>
+      <p:grpSpPr>
+        <a:xfrm>
+          <a:off x="0" y="0"/>
+          <a:ext cx="0" cy="0"/>
+          <a:chOff x="0" y="0"/>
+          <a:chExt cx="0" cy="0"/>
+        </a:xfrm>
+      </p:grpSpPr>
+      <p:sp>
+        <p:nvSpPr>
+          <p:cNvPr id="2" name="Slide Image Placeholder 1"/>
+          <p:cNvSpPr>
+            <a:spLocks noGrp="1" noRot="1" noChangeAspect="1"/>
+          </p:cNvSpPr>
+          <p:nvPr>
+            <p:ph type="sldImg"/>
+          </p:nvPr>
+        </p:nvSpPr>
+        <p:spPr/>
+      </p:sp>
+      <p:sp>
+        <p:nvSpPr>
+          <p:cNvPr id="3" name="Notes Placeholder 2"/>
+          <p:cNvSpPr>
+            <a:spLocks noGrp="1"/>
+          </p:cNvSpPr>
+          <p:nvPr>
+            <p:ph type="body" idx="1"/>
+          </p:nvPr>
+        </p:nvSpPr>
+        <p:spPr/>
+        <p:txBody>
+          <a:bodyPr/>
+          <a:lstStyle/>
+          <a:p>
+            <a:r>
+              <a:rPr lang="en-US" dirty="0"/>
+              <a:t>Not all parameter combinations need to be considered, e.g. fossil sampling doesn’t matter for </a:t>
+            </a:r>
+            <a:r>
+              <a:rPr lang="en-US" dirty="0" err="1"/>
+              <a:t>bisse</a:t>
+            </a:r>
+            <a:r>
+              <a:rPr lang="en-US" dirty="0"/>
+              <a:t>, or traits for </a:t>
+            </a:r>
+            <a:r>
+              <a:rPr lang="en-US" dirty="0" err="1"/>
+              <a:t>fbd</a:t>
+            </a:r>
+            <a:endParaRPr lang="en-US" dirty="0"/>
+          </a:p>
+          <a:p>
+            <a:endParaRPr lang="en-US" dirty="0"/>
+          </a:p>
+          <a:p>
+            <a:r>
+              <a:rPr lang="en-US" dirty="0"/>
+              <a:t>100k gens, record every 100, 25% </a:t>
+            </a:r>
+            <a:r>
+              <a:rPr lang="en-US" dirty="0" err="1"/>
+              <a:t>burnin</a:t>
+            </a:r>
+            <a:r>
+              <a:rPr lang="en-US" dirty="0"/>
+              <a:t>, convergence looked pretty good (all under 200 ESS on coda were above 200 on Tracer)</a:t>
+            </a:r>
+          </a:p>
+        </p:txBody>
+      </p:sp>
+      <p:sp>
+        <p:nvSpPr>
+          <p:cNvPr id="4" name="Slide Number Placeholder 3"/>
+          <p:cNvSpPr>
+            <a:spLocks noGrp="1"/>
+          </p:cNvSpPr>
+          <p:nvPr>
+            <p:ph type="sldNum" sz="quarter" idx="5"/>
+          </p:nvPr>
+        </p:nvSpPr>
+        <p:spPr/>
+        <p:txBody>
+          <a:bodyPr/>
+          <a:lstStyle/>
+          <a:p>
+            <a:fld id="{D2CA4A2D-8EA0-354D-901D-B8F078532B0E}" type="slidenum">
+              <a:rPr lang="en-US" smtClean="0"/>
+              <a:t>6</a:t>
+            </a:fld>
+            <a:endParaRPr lang="en-US"/>
+          </a:p>
+        </p:txBody>
+      </p:sp>
+    </p:spTree>
+    <p:extLst>
+      <p:ext uri="{BB962C8B-B14F-4D97-AF65-F5344CB8AC3E}">
+        <p14:creationId xmlns:p14="http://schemas.microsoft.com/office/powerpoint/2010/main" val="1748045791"/>
+      </p:ext>
+    </p:extLst>
+  </p:cSld>
+  <p:clrMapOvr>
+    <a:masterClrMapping/>
+  </p:clrMapOvr>
+</p:notes>
+</file>
+
+<file path=ppt/notesSlides/notesSlide5.xml><?xml version="1.0" encoding="utf-8"?>
+<p:notes xmlns:a="http://schemas.openxmlformats.org/drawingml/2006/main" xmlns:r="http://schemas.openxmlformats.org/officeDocument/2006/relationships" xmlns:p="http://schemas.openxmlformats.org/presentationml/2006/main">
+  <p:cSld>
+    <p:spTree>
+      <p:nvGrpSpPr>
+        <p:cNvPr id="1" name=""/>
+        <p:cNvGrpSpPr/>
+        <p:nvPr/>
+      </p:nvGrpSpPr>
+      <p:grpSpPr>
+        <a:xfrm>
+          <a:off x="0" y="0"/>
+          <a:ext cx="0" cy="0"/>
+          <a:chOff x="0" y="0"/>
+          <a:chExt cx="0" cy="0"/>
+        </a:xfrm>
+      </p:grpSpPr>
+      <p:sp>
+        <p:nvSpPr>
+          <p:cNvPr id="2" name="Slide Image Placeholder 1"/>
+          <p:cNvSpPr>
+            <a:spLocks noGrp="1" noRot="1" noChangeAspect="1"/>
+          </p:cNvSpPr>
+          <p:nvPr>
+            <p:ph type="sldImg"/>
+          </p:nvPr>
+        </p:nvSpPr>
+        <p:spPr/>
+      </p:sp>
+      <p:sp>
+        <p:nvSpPr>
+          <p:cNvPr id="3" name="Notes Placeholder 2"/>
+          <p:cNvSpPr>
+            <a:spLocks noGrp="1"/>
+          </p:cNvSpPr>
+          <p:nvPr>
+            <p:ph type="body" idx="1"/>
+          </p:nvPr>
+        </p:nvSpPr>
+        <p:spPr/>
+        <p:txBody>
+          <a:bodyPr/>
+          <a:lstStyle/>
+          <a:p>
+            <a:r>
+              <a:rPr lang="en-US" dirty="0"/>
+              <a:t>There is clear clustering, and it would probably get better with bigger trees</a:t>
+            </a:r>
+          </a:p>
+          <a:p>
+            <a:endParaRPr lang="en-US" dirty="0"/>
+          </a:p>
+          <a:p>
+            <a:r>
+              <a:rPr lang="en-US" dirty="0"/>
+              <a:t>Still the clusters are clearly really close, might have to do with how extinction’s really low but still, problem with identifiability (see next slides)</a:t>
+            </a:r>
+          </a:p>
+          <a:p>
+            <a:endParaRPr lang="en-US" dirty="0"/>
+          </a:p>
+          <a:p>
+            <a:r>
+              <a:rPr lang="en-US" dirty="0"/>
+              <a:t>Spread probably because 0 is ancestral to the whole clade and q is low</a:t>
+            </a:r>
+          </a:p>
+        </p:txBody>
+      </p:sp>
+      <p:sp>
+        <p:nvSpPr>
+          <p:cNvPr id="4" name="Slide Number Placeholder 3"/>
+          <p:cNvSpPr>
+            <a:spLocks noGrp="1"/>
+          </p:cNvSpPr>
+          <p:nvPr>
+            <p:ph type="sldNum" sz="quarter" idx="5"/>
+          </p:nvPr>
+        </p:nvSpPr>
+        <p:spPr/>
+        <p:txBody>
+          <a:bodyPr/>
+          <a:lstStyle/>
+          <a:p>
+            <a:fld id="{D2CA4A2D-8EA0-354D-901D-B8F078532B0E}" type="slidenum">
+              <a:rPr lang="en-US" smtClean="0"/>
+              <a:t>11</a:t>
+            </a:fld>
+            <a:endParaRPr lang="en-US"/>
+          </a:p>
+        </p:txBody>
+      </p:sp>
+    </p:spTree>
+    <p:extLst>
+      <p:ext uri="{BB962C8B-B14F-4D97-AF65-F5344CB8AC3E}">
+        <p14:creationId xmlns:p14="http://schemas.microsoft.com/office/powerpoint/2010/main" val="1377247248"/>
+      </p:ext>
+    </p:extLst>
+  </p:cSld>
+  <p:clrMapOvr>
+    <a:masterClrMapping/>
+  </p:clrMapOvr>
+</p:notes>
+</file>
+
 <file path=ppt/slideLayouts/slideLayout1.xml><?xml version="1.0" encoding="utf-8"?>
 <p:sldLayout xmlns:a="http://schemas.openxmlformats.org/drawingml/2006/main" xmlns:r="http://schemas.openxmlformats.org/officeDocument/2006/relationships" xmlns:p="http://schemas.openxmlformats.org/presentationml/2006/main" type="title" preserve="1">
   <p:cSld name="Title Slide">
@@ -272,7 +1154,7 @@
           <a:p>
             <a:fld id="{2A250DFA-A00A-1D48-81A0-D09D207EAEAB}" type="datetimeFigureOut">
               <a:rPr lang="en-US" smtClean="0"/>
-              <a:t>5/25/23</a:t>
+              <a:t>5/30/23</a:t>
             </a:fld>
             <a:endParaRPr lang="en-US"/>
           </a:p>
@@ -470,7 +1352,7 @@
           <a:p>
             <a:fld id="{2A250DFA-A00A-1D48-81A0-D09D207EAEAB}" type="datetimeFigureOut">
               <a:rPr lang="en-US" smtClean="0"/>
-              <a:t>5/25/23</a:t>
+              <a:t>5/30/23</a:t>
             </a:fld>
             <a:endParaRPr lang="en-US"/>
           </a:p>
@@ -678,7 +1560,7 @@
           <a:p>
             <a:fld id="{2A250DFA-A00A-1D48-81A0-D09D207EAEAB}" type="datetimeFigureOut">
               <a:rPr lang="en-US" smtClean="0"/>
-              <a:t>5/25/23</a:t>
+              <a:t>5/30/23</a:t>
             </a:fld>
             <a:endParaRPr lang="en-US"/>
           </a:p>
@@ -876,7 +1758,7 @@
           <a:p>
             <a:fld id="{2A250DFA-A00A-1D48-81A0-D09D207EAEAB}" type="datetimeFigureOut">
               <a:rPr lang="en-US" smtClean="0"/>
-              <a:t>5/25/23</a:t>
+              <a:t>5/30/23</a:t>
             </a:fld>
             <a:endParaRPr lang="en-US"/>
           </a:p>
@@ -1151,7 +2033,7 @@
           <a:p>
             <a:fld id="{2A250DFA-A00A-1D48-81A0-D09D207EAEAB}" type="datetimeFigureOut">
               <a:rPr lang="en-US" smtClean="0"/>
-              <a:t>5/25/23</a:t>
+              <a:t>5/30/23</a:t>
             </a:fld>
             <a:endParaRPr lang="en-US"/>
           </a:p>
@@ -1416,7 +2298,7 @@
           <a:p>
             <a:fld id="{2A250DFA-A00A-1D48-81A0-D09D207EAEAB}" type="datetimeFigureOut">
               <a:rPr lang="en-US" smtClean="0"/>
-              <a:t>5/25/23</a:t>
+              <a:t>5/30/23</a:t>
             </a:fld>
             <a:endParaRPr lang="en-US"/>
           </a:p>
@@ -1828,7 +2710,7 @@
           <a:p>
             <a:fld id="{2A250DFA-A00A-1D48-81A0-D09D207EAEAB}" type="datetimeFigureOut">
               <a:rPr lang="en-US" smtClean="0"/>
-              <a:t>5/25/23</a:t>
+              <a:t>5/30/23</a:t>
             </a:fld>
             <a:endParaRPr lang="en-US"/>
           </a:p>
@@ -1969,7 +2851,7 @@
           <a:p>
             <a:fld id="{2A250DFA-A00A-1D48-81A0-D09D207EAEAB}" type="datetimeFigureOut">
               <a:rPr lang="en-US" smtClean="0"/>
-              <a:t>5/25/23</a:t>
+              <a:t>5/30/23</a:t>
             </a:fld>
             <a:endParaRPr lang="en-US"/>
           </a:p>
@@ -2082,7 +2964,7 @@
           <a:p>
             <a:fld id="{2A250DFA-A00A-1D48-81A0-D09D207EAEAB}" type="datetimeFigureOut">
               <a:rPr lang="en-US" smtClean="0"/>
-              <a:t>5/25/23</a:t>
+              <a:t>5/30/23</a:t>
             </a:fld>
             <a:endParaRPr lang="en-US"/>
           </a:p>
@@ -2393,7 +3275,7 @@
           <a:p>
             <a:fld id="{2A250DFA-A00A-1D48-81A0-D09D207EAEAB}" type="datetimeFigureOut">
               <a:rPr lang="en-US" smtClean="0"/>
-              <a:t>5/25/23</a:t>
+              <a:t>5/30/23</a:t>
             </a:fld>
             <a:endParaRPr lang="en-US"/>
           </a:p>
@@ -2681,7 +3563,7 @@
           <a:p>
             <a:fld id="{2A250DFA-A00A-1D48-81A0-D09D207EAEAB}" type="datetimeFigureOut">
               <a:rPr lang="en-US" smtClean="0"/>
-              <a:t>5/25/23</a:t>
+              <a:t>5/30/23</a:t>
             </a:fld>
             <a:endParaRPr lang="en-US"/>
           </a:p>
@@ -2922,7 +3804,7 @@
           <a:p>
             <a:fld id="{2A250DFA-A00A-1D48-81A0-D09D207EAEAB}" type="datetimeFigureOut">
               <a:rPr lang="en-US" smtClean="0"/>
-              <a:t>5/25/23</a:t>
+              <a:t>5/30/23</a:t>
             </a:fld>
             <a:endParaRPr lang="en-US"/>
           </a:p>
@@ -3463,40 +4345,75 @@
           <a:p>
             <a:r>
               <a:rPr lang="en-US" dirty="0"/>
-              <a:t>Results: accuracy of extinction estimates</a:t>
-            </a:r>
-          </a:p>
-        </p:txBody>
-      </p:sp>
-      <p:sp>
-        <p:nvSpPr>
-          <p:cNvPr id="3" name="Content Placeholder 2">
-            <a:extLst>
-              <a:ext uri="{FF2B5EF4-FFF2-40B4-BE49-F238E27FC236}">
-                <a16:creationId xmlns:a16="http://schemas.microsoft.com/office/drawing/2014/main" id="{A64374D1-B428-85EA-E864-21C773B6E6AC}"/>
-              </a:ext>
-            </a:extLst>
-          </p:cNvPr>
-          <p:cNvSpPr>
-            <a:spLocks noGrp="1"/>
-          </p:cNvSpPr>
-          <p:nvPr>
-            <p:ph idx="1"/>
-          </p:nvPr>
-        </p:nvSpPr>
-        <p:spPr/>
-        <p:txBody>
-          <a:bodyPr/>
-          <a:lstStyle/>
-          <a:p>
-            <a:endParaRPr lang="en-US"/>
-          </a:p>
-        </p:txBody>
-      </p:sp>
+              <a:t>Results: adding fossils</a:t>
+            </a:r>
+          </a:p>
+        </p:txBody>
+      </p:sp>
+      <p:pic>
+        <p:nvPicPr>
+          <p:cNvPr id="5" name="Picture 4">
+            <a:extLst>
+              <a:ext uri="{FF2B5EF4-FFF2-40B4-BE49-F238E27FC236}">
+                <a16:creationId xmlns:a16="http://schemas.microsoft.com/office/drawing/2014/main" id="{48ECE35E-D07D-F10A-4BC1-8F29C41F7BE7}"/>
+              </a:ext>
+            </a:extLst>
+          </p:cNvPr>
+          <p:cNvPicPr>
+            <a:picLocks noChangeAspect="1"/>
+          </p:cNvPicPr>
+          <p:nvPr/>
+        </p:nvPicPr>
+        <p:blipFill>
+          <a:blip r:embed="rId2"/>
+          <a:stretch>
+            <a:fillRect/>
+          </a:stretch>
+        </p:blipFill>
+        <p:spPr>
+          <a:xfrm>
+            <a:off x="339271" y="1690688"/>
+            <a:ext cx="5588285" cy="4467679"/>
+          </a:xfrm>
+          <a:prstGeom prst="rect">
+            <a:avLst/>
+          </a:prstGeom>
+        </p:spPr>
+      </p:pic>
+      <p:pic>
+        <p:nvPicPr>
+          <p:cNvPr id="9" name="Picture 8">
+            <a:extLst>
+              <a:ext uri="{FF2B5EF4-FFF2-40B4-BE49-F238E27FC236}">
+                <a16:creationId xmlns:a16="http://schemas.microsoft.com/office/drawing/2014/main" id="{042C7A07-E5DF-239D-A076-4BA0D25BCE63}"/>
+              </a:ext>
+            </a:extLst>
+          </p:cNvPr>
+          <p:cNvPicPr>
+            <a:picLocks noChangeAspect="1"/>
+          </p:cNvPicPr>
+          <p:nvPr/>
+        </p:nvPicPr>
+        <p:blipFill>
+          <a:blip r:embed="rId3"/>
+          <a:stretch>
+            <a:fillRect/>
+          </a:stretch>
+        </p:blipFill>
+        <p:spPr>
+          <a:xfrm>
+            <a:off x="6096000" y="1623354"/>
+            <a:ext cx="5756729" cy="4602345"/>
+          </a:xfrm>
+          <a:prstGeom prst="rect">
+            <a:avLst/>
+          </a:prstGeom>
+        </p:spPr>
+      </p:pic>
     </p:spTree>
     <p:extLst>
       <p:ext uri="{BB962C8B-B14F-4D97-AF65-F5344CB8AC3E}">
-        <p14:creationId xmlns:p14="http://schemas.microsoft.com/office/powerpoint/2010/main" val="3696951915"/>
+        <p14:creationId xmlns:p14="http://schemas.microsoft.com/office/powerpoint/2010/main" val="2030324522"/>
       </p:ext>
     </p:extLst>
   </p:cSld>
@@ -3528,7 +4445,7 @@
           <p:cNvPr id="2" name="Title 1">
             <a:extLst>
               <a:ext uri="{FF2B5EF4-FFF2-40B4-BE49-F238E27FC236}">
-                <a16:creationId xmlns:a16="http://schemas.microsoft.com/office/drawing/2014/main" id="{74F9125D-70FE-2EAC-CDA1-83AB96D822C0}"/>
+                <a16:creationId xmlns:a16="http://schemas.microsoft.com/office/drawing/2014/main" id="{C2D0CB6C-CF46-9E3C-9E87-A0540596604C}"/>
               </a:ext>
             </a:extLst>
           </p:cNvPr>
@@ -3539,71 +4456,224 @@
             <p:ph type="title"/>
           </p:nvPr>
         </p:nvSpPr>
+        <p:spPr/>
+        <p:txBody>
+          <a:bodyPr/>
+          <a:lstStyle/>
+          <a:p>
+            <a:r>
+              <a:rPr lang="en-US" dirty="0"/>
+              <a:t>Results: adding fossils</a:t>
+            </a:r>
+          </a:p>
+        </p:txBody>
+      </p:sp>
+      <p:pic>
+        <p:nvPicPr>
+          <p:cNvPr id="7" name="Picture 6">
+            <a:extLst>
+              <a:ext uri="{FF2B5EF4-FFF2-40B4-BE49-F238E27FC236}">
+                <a16:creationId xmlns:a16="http://schemas.microsoft.com/office/drawing/2014/main" id="{B9993868-BD94-4C75-E66A-E6AF18DFB0D1}"/>
+              </a:ext>
+            </a:extLst>
+          </p:cNvPr>
+          <p:cNvPicPr>
+            <a:picLocks noChangeAspect="1"/>
+          </p:cNvPicPr>
+          <p:nvPr/>
+        </p:nvPicPr>
+        <p:blipFill>
+          <a:blip r:embed="rId3"/>
+          <a:stretch>
+            <a:fillRect/>
+          </a:stretch>
+        </p:blipFill>
         <p:spPr>
           <a:xfrm>
-            <a:off x="838200" y="365125"/>
-            <a:ext cx="10775868" cy="1325563"/>
+            <a:off x="362857" y="1479559"/>
+            <a:ext cx="6545942" cy="5233299"/>
           </a:xfrm>
+          <a:prstGeom prst="rect">
+            <a:avLst/>
+          </a:prstGeom>
         </p:spPr>
-        <p:txBody>
-          <a:bodyPr/>
-          <a:lstStyle/>
-          <a:p>
-            <a:r>
-              <a:rPr lang="en-US" dirty="0"/>
-              <a:t>Results: replicating </a:t>
-            </a:r>
-            <a:r>
-              <a:rPr lang="en-US" dirty="0" err="1"/>
-              <a:t>Rabosky</a:t>
-            </a:r>
-            <a:r>
-              <a:rPr lang="en-US" dirty="0"/>
-              <a:t> &amp; Goldberg (2015)</a:t>
-            </a:r>
-          </a:p>
-        </p:txBody>
-      </p:sp>
-      <p:sp>
-        <p:nvSpPr>
-          <p:cNvPr id="3" name="Content Placeholder 2">
-            <a:extLst>
-              <a:ext uri="{FF2B5EF4-FFF2-40B4-BE49-F238E27FC236}">
-                <a16:creationId xmlns:a16="http://schemas.microsoft.com/office/drawing/2014/main" id="{2575FB42-2C5F-51E4-B5FB-8DD40C587638}"/>
-              </a:ext>
-            </a:extLst>
-          </p:cNvPr>
-          <p:cNvSpPr>
-            <a:spLocks noGrp="1"/>
-          </p:cNvSpPr>
-          <p:nvPr>
-            <p:ph idx="1"/>
-          </p:nvPr>
-        </p:nvSpPr>
-        <p:spPr/>
-        <p:txBody>
-          <a:bodyPr/>
-          <a:lstStyle/>
-          <a:p>
-            <a:r>
-              <a:rPr lang="en-US" dirty="0"/>
-              <a:t>Talk to </a:t>
-            </a:r>
-            <a:r>
-              <a:rPr lang="en-US" dirty="0" err="1"/>
-              <a:t>tracy</a:t>
-            </a:r>
-            <a:r>
-              <a:rPr lang="en-US" dirty="0"/>
-              <a:t> about weird pattern: more sampling = more concentration on 0 for no shifts, high q neutral traits (bottom row of figures). Weird, it should be more likely to be spread out since there shouldn’t be a difference (maybe because it’s underestimating the q, so it overestimates speciation for the more common trait, which is 0 just cause it starts there)</a:t>
-            </a:r>
-          </a:p>
-        </p:txBody>
-      </p:sp>
+      </p:pic>
+      <mc:AlternateContent xmlns:mc="http://schemas.openxmlformats.org/markup-compatibility/2006">
+        <mc:Choice xmlns:a14="http://schemas.microsoft.com/office/drawing/2010/main" Requires="a14">
+          <p:sp>
+            <p:nvSpPr>
+              <p:cNvPr id="3" name="Content Placeholder 2">
+                <a:extLst>
+                  <a:ext uri="{FF2B5EF4-FFF2-40B4-BE49-F238E27FC236}">
+                    <a16:creationId xmlns:a16="http://schemas.microsoft.com/office/drawing/2014/main" id="{80DAA8AD-0190-E428-6C35-0716BA055F7F}"/>
+                  </a:ext>
+                </a:extLst>
+              </p:cNvPr>
+              <p:cNvSpPr>
+                <a:spLocks noGrp="1"/>
+              </p:cNvSpPr>
+              <p:nvPr>
+                <p:ph idx="1"/>
+              </p:nvPr>
+            </p:nvSpPr>
+            <p:spPr>
+              <a:xfrm>
+                <a:off x="6908799" y="1825625"/>
+                <a:ext cx="4445000" cy="4351338"/>
+              </a:xfrm>
+            </p:spPr>
+            <p:txBody>
+              <a:bodyPr>
+                <a:normAutofit/>
+              </a:bodyPr>
+              <a:lstStyle/>
+              <a:p>
+                <a:pPr marL="0" indent="0">
+                  <a:buNone/>
+                </a:pPr>
+                <a:r>
+                  <a:rPr lang="en-US" dirty="0"/>
+                  <a:t>Takeaway points:</a:t>
+                </a:r>
+              </a:p>
+              <a:p>
+                <a:pPr marL="0" indent="0">
+                  <a:buNone/>
+                </a:pPr>
+                <a:endParaRPr lang="en-US" dirty="0"/>
+              </a:p>
+              <a:p>
+                <a:r>
+                  <a:rPr lang="en-US" dirty="0"/>
+                  <a:t>Estimates get better as fossil sampling increases, as expected</a:t>
+                </a:r>
+              </a:p>
+              <a:p>
+                <a:endParaRPr lang="en-US" dirty="0"/>
+              </a:p>
+              <a:p>
+                <a:r>
+                  <a:rPr lang="en-US" dirty="0"/>
+                  <a:t>Spread of </a:t>
+                </a:r>
+                <a14:m>
+                  <m:oMath xmlns:m="http://schemas.openxmlformats.org/officeDocument/2006/math">
+                    <m:sSub>
+                      <m:sSubPr>
+                        <m:ctrlPr>
+                          <a:rPr lang="en-US" i="1" smtClean="0">
+                            <a:latin typeface="Cambria Math" panose="02040503050406030204" pitchFamily="18" charset="0"/>
+                          </a:rPr>
+                        </m:ctrlPr>
+                      </m:sSubPr>
+                      <m:e>
+                        <m:r>
+                          <a:rPr lang="en-US" i="1" smtClean="0">
+                            <a:latin typeface="Cambria Math" panose="02040503050406030204" pitchFamily="18" charset="0"/>
+                            <a:ea typeface="Cambria Math" panose="02040503050406030204" pitchFamily="18" charset="0"/>
+                          </a:rPr>
+                          <m:t>𝜇</m:t>
+                        </m:r>
+                      </m:e>
+                      <m:sub>
+                        <m:r>
+                          <a:rPr lang="en-US" b="0" i="1" smtClean="0">
+                            <a:latin typeface="Cambria Math" panose="02040503050406030204" pitchFamily="18" charset="0"/>
+                          </a:rPr>
+                          <m:t>1</m:t>
+                        </m:r>
+                      </m:sub>
+                    </m:sSub>
+                  </m:oMath>
+                </a14:m>
+                <a:r>
+                  <a:rPr lang="en-US" dirty="0"/>
+                  <a:t> is noticeably higher than that of </a:t>
+                </a:r>
+                <a14:m>
+                  <m:oMath xmlns:m="http://schemas.openxmlformats.org/officeDocument/2006/math">
+                    <m:sSub>
+                      <m:sSubPr>
+                        <m:ctrlPr>
+                          <a:rPr lang="en-US" i="1">
+                            <a:latin typeface="Cambria Math" panose="02040503050406030204" pitchFamily="18" charset="0"/>
+                          </a:rPr>
+                        </m:ctrlPr>
+                      </m:sSubPr>
+                      <m:e>
+                        <m:r>
+                          <a:rPr lang="en-US" i="1">
+                            <a:latin typeface="Cambria Math" panose="02040503050406030204" pitchFamily="18" charset="0"/>
+                            <a:ea typeface="Cambria Math" panose="02040503050406030204" pitchFamily="18" charset="0"/>
+                          </a:rPr>
+                          <m:t>𝜇</m:t>
+                        </m:r>
+                      </m:e>
+                      <m:sub>
+                        <m:r>
+                          <a:rPr lang="en-US" b="0" i="1" smtClean="0">
+                            <a:latin typeface="Cambria Math" panose="02040503050406030204" pitchFamily="18" charset="0"/>
+                            <a:ea typeface="Cambria Math" panose="02040503050406030204" pitchFamily="18" charset="0"/>
+                          </a:rPr>
+                          <m:t>0</m:t>
+                        </m:r>
+                      </m:sub>
+                    </m:sSub>
+                  </m:oMath>
+                </a14:m>
+                <a:endParaRPr lang="en-US" dirty="0"/>
+              </a:p>
+            </p:txBody>
+          </p:sp>
+        </mc:Choice>
+        <mc:Fallback>
+          <p:sp>
+            <p:nvSpPr>
+              <p:cNvPr id="3" name="Content Placeholder 2">
+                <a:extLst>
+                  <a:ext uri="{FF2B5EF4-FFF2-40B4-BE49-F238E27FC236}">
+                    <a16:creationId xmlns:a16="http://schemas.microsoft.com/office/drawing/2014/main" id="{80DAA8AD-0190-E428-6C35-0716BA055F7F}"/>
+                  </a:ext>
+                </a:extLst>
+              </p:cNvPr>
+              <p:cNvSpPr>
+                <a:spLocks noGrp="1" noRot="1" noChangeAspect="1" noMove="1" noResize="1" noEditPoints="1" noAdjustHandles="1" noChangeArrowheads="1" noChangeShapeType="1" noTextEdit="1"/>
+              </p:cNvSpPr>
+              <p:nvPr>
+                <p:ph idx="1"/>
+              </p:nvPr>
+            </p:nvSpPr>
+            <p:spPr>
+              <a:xfrm>
+                <a:off x="6908799" y="1825625"/>
+                <a:ext cx="4445000" cy="4351338"/>
+              </a:xfrm>
+              <a:blipFill>
+                <a:blip r:embed="rId4"/>
+                <a:stretch>
+                  <a:fillRect l="-2849" t="-2326" r="-4274"/>
+                </a:stretch>
+              </a:blipFill>
+            </p:spPr>
+            <p:txBody>
+              <a:bodyPr/>
+              <a:lstStyle/>
+              <a:p>
+                <a:r>
+                  <a:rPr lang="en-US">
+                    <a:noFill/>
+                  </a:rPr>
+                  <a:t> </a:t>
+                </a:r>
+              </a:p>
+            </p:txBody>
+          </p:sp>
+        </mc:Fallback>
+      </mc:AlternateContent>
     </p:spTree>
     <p:extLst>
       <p:ext uri="{BB962C8B-B14F-4D97-AF65-F5344CB8AC3E}">
-        <p14:creationId xmlns:p14="http://schemas.microsoft.com/office/powerpoint/2010/main" val="55626507"/>
+        <p14:creationId xmlns:p14="http://schemas.microsoft.com/office/powerpoint/2010/main" val="2316199425"/>
       </p:ext>
     </p:extLst>
   </p:cSld>
@@ -3635,7 +4705,7 @@
           <p:cNvPr id="2" name="Title 1">
             <a:extLst>
               <a:ext uri="{FF2B5EF4-FFF2-40B4-BE49-F238E27FC236}">
-                <a16:creationId xmlns:a16="http://schemas.microsoft.com/office/drawing/2014/main" id="{81323746-E59C-7492-3522-866FC3172A88}"/>
+                <a16:creationId xmlns:a16="http://schemas.microsoft.com/office/drawing/2014/main" id="{74F9125D-70FE-2EAC-CDA1-83AB96D822C0}"/>
               </a:ext>
             </a:extLst>
           </p:cNvPr>
@@ -3646,6 +4716,47 @@
             <p:ph type="title"/>
           </p:nvPr>
         </p:nvSpPr>
+        <p:spPr>
+          <a:xfrm>
+            <a:off x="838200" y="365125"/>
+            <a:ext cx="10775868" cy="1325563"/>
+          </a:xfrm>
+        </p:spPr>
+        <p:txBody>
+          <a:bodyPr/>
+          <a:lstStyle/>
+          <a:p>
+            <a:r>
+              <a:rPr lang="en-US" dirty="0"/>
+              <a:t>Results: replicating </a:t>
+            </a:r>
+            <a:r>
+              <a:rPr lang="en-US" dirty="0" err="1"/>
+              <a:t>Rabosky</a:t>
+            </a:r>
+            <a:r>
+              <a:rPr lang="en-US" dirty="0"/>
+              <a:t> &amp; Goldberg (2015)</a:t>
+            </a:r>
+          </a:p>
+        </p:txBody>
+      </p:sp>
+      <p:sp>
+        <p:nvSpPr>
+          <p:cNvPr id="3" name="Content Placeholder 2">
+            <a:extLst>
+              <a:ext uri="{FF2B5EF4-FFF2-40B4-BE49-F238E27FC236}">
+                <a16:creationId xmlns:a16="http://schemas.microsoft.com/office/drawing/2014/main" id="{2575FB42-2C5F-51E4-B5FB-8DD40C587638}"/>
+              </a:ext>
+            </a:extLst>
+          </p:cNvPr>
+          <p:cNvSpPr>
+            <a:spLocks noGrp="1"/>
+          </p:cNvSpPr>
+          <p:nvPr>
+            <p:ph idx="1"/>
+          </p:nvPr>
+        </p:nvSpPr>
         <p:spPr/>
         <p:txBody>
           <a:bodyPr/>
@@ -3653,40 +4764,23 @@
           <a:p>
             <a:r>
               <a:rPr lang="en-US" dirty="0"/>
-              <a:t>Results: a Bayesian view</a:t>
-            </a:r>
-          </a:p>
-        </p:txBody>
-      </p:sp>
-      <p:sp>
-        <p:nvSpPr>
-          <p:cNvPr id="3" name="Content Placeholder 2">
-            <a:extLst>
-              <a:ext uri="{FF2B5EF4-FFF2-40B4-BE49-F238E27FC236}">
-                <a16:creationId xmlns:a16="http://schemas.microsoft.com/office/drawing/2014/main" id="{CEC12D64-ADF6-8D5B-0B08-16D5F12A558B}"/>
-              </a:ext>
-            </a:extLst>
-          </p:cNvPr>
-          <p:cNvSpPr>
-            <a:spLocks noGrp="1"/>
-          </p:cNvSpPr>
-          <p:nvPr>
-            <p:ph idx="1"/>
-          </p:nvPr>
-        </p:nvSpPr>
-        <p:spPr/>
-        <p:txBody>
-          <a:bodyPr/>
-          <a:lstStyle/>
-          <a:p>
-            <a:endParaRPr lang="en-US"/>
+              <a:t>Talk to </a:t>
+            </a:r>
+            <a:r>
+              <a:rPr lang="en-US" dirty="0" err="1"/>
+              <a:t>tracy</a:t>
+            </a:r>
+            <a:r>
+              <a:rPr lang="en-US" dirty="0"/>
+              <a:t> about weird pattern: more sampling = more concentration on 0 for no shifts, high q neutral traits (bottom row of figures). Weird, it should be more likely to be spread out since there shouldn’t be a difference (maybe because it’s underestimating the q, so it overestimates speciation for the more common trait, which is 0 just cause it starts there)</a:t>
+            </a:r>
           </a:p>
         </p:txBody>
       </p:sp>
     </p:spTree>
     <p:extLst>
       <p:ext uri="{BB962C8B-B14F-4D97-AF65-F5344CB8AC3E}">
-        <p14:creationId xmlns:p14="http://schemas.microsoft.com/office/powerpoint/2010/main" val="495664190"/>
+        <p14:creationId xmlns:p14="http://schemas.microsoft.com/office/powerpoint/2010/main" val="55626507"/>
       </p:ext>
     </p:extLst>
   </p:cSld>
@@ -3718,7 +4812,7 @@
           <p:cNvPr id="2" name="Title 1">
             <a:extLst>
               <a:ext uri="{FF2B5EF4-FFF2-40B4-BE49-F238E27FC236}">
-                <a16:creationId xmlns:a16="http://schemas.microsoft.com/office/drawing/2014/main" id="{C01F5A06-3613-33B8-E3D4-035911473E89}"/>
+                <a16:creationId xmlns:a16="http://schemas.microsoft.com/office/drawing/2014/main" id="{74F9125D-70FE-2EAC-CDA1-83AB96D822C0}"/>
               </a:ext>
             </a:extLst>
           </p:cNvPr>
@@ -3729,39 +4823,332 @@
             <p:ph type="title"/>
           </p:nvPr>
         </p:nvSpPr>
-        <p:spPr/>
+        <p:spPr>
+          <a:xfrm>
+            <a:off x="838200" y="365125"/>
+            <a:ext cx="10775868" cy="1325563"/>
+          </a:xfrm>
+        </p:spPr>
         <p:txBody>
           <a:bodyPr/>
           <a:lstStyle/>
           <a:p>
             <a:r>
               <a:rPr lang="en-US" dirty="0"/>
-              <a:t>Future work</a:t>
-            </a:r>
-          </a:p>
-        </p:txBody>
-      </p:sp>
-      <p:sp>
-        <p:nvSpPr>
-          <p:cNvPr id="3" name="Content Placeholder 2">
-            <a:extLst>
-              <a:ext uri="{FF2B5EF4-FFF2-40B4-BE49-F238E27FC236}">
-                <a16:creationId xmlns:a16="http://schemas.microsoft.com/office/drawing/2014/main" id="{9ABFA1C6-AAA8-71F7-6D65-97A2ACC6896C}"/>
-              </a:ext>
-            </a:extLst>
-          </p:cNvPr>
-          <p:cNvSpPr>
-            <a:spLocks noGrp="1"/>
-          </p:cNvSpPr>
-          <p:nvPr>
-            <p:ph idx="1"/>
-          </p:nvPr>
-        </p:nvSpPr>
-        <p:spPr/>
-        <p:txBody>
-          <a:bodyPr/>
-          <a:lstStyle/>
-          <a:p>
+              <a:t>Results: replicating </a:t>
+            </a:r>
+            <a:r>
+              <a:rPr lang="en-US" dirty="0" err="1"/>
+              <a:t>Rabosky</a:t>
+            </a:r>
+            <a:r>
+              <a:rPr lang="en-US" dirty="0"/>
+              <a:t> &amp; Goldberg (2015)</a:t>
+            </a:r>
+          </a:p>
+        </p:txBody>
+      </p:sp>
+      <p:pic>
+        <p:nvPicPr>
+          <p:cNvPr id="11266" name="Picture 2" descr="Significance tests for state-dependent speciation conducted on neutral characters simulated on trees with speciation rate shifts. Trees in the top two rows were generated with the procedure described in Figure 3B and C, respectively, but were more than double the size in those illustrations. Shown are histograms of P values from a LRT of a model with state-dependent speciation (λ0, λ1, μ, q01, q10) against a model without (λ0=λ1, μ, q01, q10). Each panel summarizes results from 1000 trees, each with 200 tips and at least 10% of each character state, and scaled to a root age of 1. All panels in the first row use the same set of trees, on which shifts in diversification rate are rare (simulated with a slowly evolving character influencing speciation, Fig. 3B). All panels in the second row use a different set of trees, on which shifts in diversification rate are common (cf. Fig. 3C). The first column shows analysis of the trait that truly affects speciation, for which the equal-speciation model is consistently and correctly rejected. The subsequent columns show analyses of neutral characters, simulated with the transition rate shown, q. When the neutral character evolves slowly (q=0.01 or 0.1), the statistical test frequently but incorrectly concludes the trait is associated with speciation rate differences (Type I error rate of 18–45%). There are many fewer false positives when the neutral trait evolves more rapidly and when shifts in diversification are common on the tree, because these processes help to decouple the neutral trait from the causal one. The third row shows results for a “control” set of simulations, in which there are no diversification shifts on the trees. The distribution of P values here is approximately uniform, as expected.">
+            <a:extLst>
+              <a:ext uri="{FF2B5EF4-FFF2-40B4-BE49-F238E27FC236}">
+                <a16:creationId xmlns:a16="http://schemas.microsoft.com/office/drawing/2014/main" id="{46506E72-D9E5-19C3-E3A5-17BBBB291B37}"/>
+              </a:ext>
+            </a:extLst>
+          </p:cNvPr>
+          <p:cNvPicPr>
+            <a:picLocks noChangeAspect="1" noChangeArrowheads="1"/>
+          </p:cNvPicPr>
+          <p:nvPr/>
+        </p:nvPicPr>
+        <p:blipFill>
+          <a:blip r:embed="rId2">
+            <a:extLst>
+              <a:ext uri="{28A0092B-C50C-407E-A947-70E740481C1C}">
+                <a14:useLocalDpi xmlns:a14="http://schemas.microsoft.com/office/drawing/2010/main" val="0"/>
+              </a:ext>
+            </a:extLst>
+          </a:blip>
+          <a:srcRect/>
+          <a:stretch>
+            <a:fillRect/>
+          </a:stretch>
+        </p:blipFill>
+        <p:spPr bwMode="auto">
+          <a:xfrm>
+            <a:off x="209825" y="2026792"/>
+            <a:ext cx="8059531" cy="4014266"/>
+          </a:xfrm>
+          <a:prstGeom prst="rect">
+            <a:avLst/>
+          </a:prstGeom>
+          <a:noFill/>
+          <a:extLst>
+            <a:ext uri="{909E8E84-426E-40DD-AFC4-6F175D3DCCD1}">
+              <a14:hiddenFill xmlns:a14="http://schemas.microsoft.com/office/drawing/2010/main">
+                <a:solidFill>
+                  <a:srgbClr val="FFFFFF"/>
+                </a:solidFill>
+              </a14:hiddenFill>
+            </a:ext>
+          </a:extLst>
+        </p:spPr>
+      </p:pic>
+      <p:cxnSp>
+        <p:nvCxnSpPr>
+          <p:cNvPr id="7" name="Straight Arrow Connector 6">
+            <a:extLst>
+              <a:ext uri="{FF2B5EF4-FFF2-40B4-BE49-F238E27FC236}">
+                <a16:creationId xmlns:a16="http://schemas.microsoft.com/office/drawing/2014/main" id="{858BFF06-AA68-0812-4DE0-9CF37F48461C}"/>
+              </a:ext>
+            </a:extLst>
+          </p:cNvPr>
+          <p:cNvCxnSpPr/>
+          <p:nvPr/>
+        </p:nvCxnSpPr>
+        <p:spPr>
+          <a:xfrm>
+            <a:off x="8401878" y="2796209"/>
+            <a:ext cx="1378226" cy="0"/>
+          </a:xfrm>
+          <a:prstGeom prst="straightConnector1">
+            <a:avLst/>
+          </a:prstGeom>
+          <a:ln w="57150">
+            <a:solidFill>
+              <a:schemeClr val="accent2"/>
+            </a:solidFill>
+            <a:tailEnd type="triangle"/>
+          </a:ln>
+        </p:spPr>
+        <p:style>
+          <a:lnRef idx="1">
+            <a:schemeClr val="accent1"/>
+          </a:lnRef>
+          <a:fillRef idx="0">
+            <a:schemeClr val="accent1"/>
+          </a:fillRef>
+          <a:effectRef idx="0">
+            <a:schemeClr val="accent1"/>
+          </a:effectRef>
+          <a:fontRef idx="minor">
+            <a:schemeClr val="tx1"/>
+          </a:fontRef>
+        </p:style>
+      </p:cxnSp>
+      <p:sp>
+        <p:nvSpPr>
+          <p:cNvPr id="8" name="TextBox 7">
+            <a:extLst>
+              <a:ext uri="{FF2B5EF4-FFF2-40B4-BE49-F238E27FC236}">
+                <a16:creationId xmlns:a16="http://schemas.microsoft.com/office/drawing/2014/main" id="{25F48F8A-2941-2474-CE0E-DB5AD2C3D542}"/>
+              </a:ext>
+            </a:extLst>
+          </p:cNvPr>
+          <p:cNvSpPr txBox="1"/>
+          <p:nvPr/>
+        </p:nvSpPr>
+        <p:spPr>
+          <a:xfrm>
+            <a:off x="9780104" y="2534599"/>
+            <a:ext cx="1356462" cy="523220"/>
+          </a:xfrm>
+          <a:prstGeom prst="rect">
+            <a:avLst/>
+          </a:prstGeom>
+          <a:noFill/>
+        </p:spPr>
+        <p:txBody>
+          <a:bodyPr wrap="none" rtlCol="0">
+            <a:spAutoFit/>
+          </a:bodyPr>
+          <a:lstStyle/>
+          <a:p>
+            <a:r>
+              <a:rPr lang="en-US" sz="2800" dirty="0"/>
+              <a:t>q = 0.01</a:t>
+            </a:r>
+          </a:p>
+        </p:txBody>
+      </p:sp>
+      <p:cxnSp>
+        <p:nvCxnSpPr>
+          <p:cNvPr id="9" name="Straight Arrow Connector 8">
+            <a:extLst>
+              <a:ext uri="{FF2B5EF4-FFF2-40B4-BE49-F238E27FC236}">
+                <a16:creationId xmlns:a16="http://schemas.microsoft.com/office/drawing/2014/main" id="{68382720-6511-BF8B-0F77-52F069733CA6}"/>
+              </a:ext>
+            </a:extLst>
+          </p:cNvPr>
+          <p:cNvCxnSpPr/>
+          <p:nvPr/>
+        </p:nvCxnSpPr>
+        <p:spPr>
+          <a:xfrm>
+            <a:off x="8401878" y="4061792"/>
+            <a:ext cx="1378226" cy="0"/>
+          </a:xfrm>
+          <a:prstGeom prst="straightConnector1">
+            <a:avLst/>
+          </a:prstGeom>
+          <a:ln w="57150">
+            <a:solidFill>
+              <a:schemeClr val="accent2"/>
+            </a:solidFill>
+            <a:tailEnd type="triangle"/>
+          </a:ln>
+        </p:spPr>
+        <p:style>
+          <a:lnRef idx="1">
+            <a:schemeClr val="accent1"/>
+          </a:lnRef>
+          <a:fillRef idx="0">
+            <a:schemeClr val="accent1"/>
+          </a:fillRef>
+          <a:effectRef idx="0">
+            <a:schemeClr val="accent1"/>
+          </a:effectRef>
+          <a:fontRef idx="minor">
+            <a:schemeClr val="tx1"/>
+          </a:fontRef>
+        </p:style>
+      </p:cxnSp>
+      <p:sp>
+        <p:nvSpPr>
+          <p:cNvPr id="10" name="TextBox 9">
+            <a:extLst>
+              <a:ext uri="{FF2B5EF4-FFF2-40B4-BE49-F238E27FC236}">
+                <a16:creationId xmlns:a16="http://schemas.microsoft.com/office/drawing/2014/main" id="{05C249F1-B97B-7069-9069-4336BC35F8DF}"/>
+              </a:ext>
+            </a:extLst>
+          </p:cNvPr>
+          <p:cNvSpPr txBox="1"/>
+          <p:nvPr/>
+        </p:nvSpPr>
+        <p:spPr>
+          <a:xfrm>
+            <a:off x="9780104" y="3800182"/>
+            <a:ext cx="1173719" cy="523220"/>
+          </a:xfrm>
+          <a:prstGeom prst="rect">
+            <a:avLst/>
+          </a:prstGeom>
+          <a:noFill/>
+        </p:spPr>
+        <p:txBody>
+          <a:bodyPr wrap="none" rtlCol="0">
+            <a:spAutoFit/>
+          </a:bodyPr>
+          <a:lstStyle/>
+          <a:p>
+            <a:r>
+              <a:rPr lang="en-US" sz="2800" dirty="0"/>
+              <a:t>q = 0.1</a:t>
+            </a:r>
+          </a:p>
+        </p:txBody>
+      </p:sp>
+      <p:sp>
+        <p:nvSpPr>
+          <p:cNvPr id="11" name="Rectangle 10">
+            <a:extLst>
+              <a:ext uri="{FF2B5EF4-FFF2-40B4-BE49-F238E27FC236}">
+                <a16:creationId xmlns:a16="http://schemas.microsoft.com/office/drawing/2014/main" id="{5000DEAA-ABA7-A274-9741-5CDEBDDE33C5}"/>
+              </a:ext>
+            </a:extLst>
+          </p:cNvPr>
+          <p:cNvSpPr/>
+          <p:nvPr/>
+        </p:nvSpPr>
+        <p:spPr>
+          <a:xfrm>
+            <a:off x="77302" y="2237960"/>
+            <a:ext cx="6535532" cy="1191040"/>
+          </a:xfrm>
+          <a:prstGeom prst="rect">
+            <a:avLst/>
+          </a:prstGeom>
+          <a:noFill/>
+          <a:ln w="76200">
+            <a:solidFill>
+              <a:srgbClr val="FF0000"/>
+            </a:solidFill>
+          </a:ln>
+        </p:spPr>
+        <p:style>
+          <a:lnRef idx="2">
+            <a:schemeClr val="accent1">
+              <a:shade val="50000"/>
+            </a:schemeClr>
+          </a:lnRef>
+          <a:fillRef idx="1">
+            <a:schemeClr val="accent1"/>
+          </a:fillRef>
+          <a:effectRef idx="0">
+            <a:schemeClr val="accent1"/>
+          </a:effectRef>
+          <a:fontRef idx="minor">
+            <a:schemeClr val="lt1"/>
+          </a:fontRef>
+        </p:style>
+        <p:txBody>
+          <a:bodyPr rtlCol="0" anchor="ctr"/>
+          <a:lstStyle/>
+          <a:p>
+            <a:pPr algn="ctr"/>
+            <a:endParaRPr lang="en-US"/>
+          </a:p>
+        </p:txBody>
+      </p:sp>
+      <p:sp>
+        <p:nvSpPr>
+          <p:cNvPr id="13" name="Rectangle 12">
+            <a:extLst>
+              <a:ext uri="{FF2B5EF4-FFF2-40B4-BE49-F238E27FC236}">
+                <a16:creationId xmlns:a16="http://schemas.microsoft.com/office/drawing/2014/main" id="{422B6BEC-60ED-731E-3D32-BA5D09039548}"/>
+              </a:ext>
+            </a:extLst>
+          </p:cNvPr>
+          <p:cNvSpPr/>
+          <p:nvPr/>
+        </p:nvSpPr>
+        <p:spPr>
+          <a:xfrm>
+            <a:off x="77302" y="4570343"/>
+            <a:ext cx="6535533" cy="1191040"/>
+          </a:xfrm>
+          <a:prstGeom prst="rect">
+            <a:avLst/>
+          </a:prstGeom>
+          <a:noFill/>
+          <a:ln w="76200">
+            <a:solidFill>
+              <a:srgbClr val="FF0000"/>
+            </a:solidFill>
+          </a:ln>
+        </p:spPr>
+        <p:style>
+          <a:lnRef idx="2">
+            <a:schemeClr val="accent1">
+              <a:shade val="50000"/>
+            </a:schemeClr>
+          </a:lnRef>
+          <a:fillRef idx="1">
+            <a:schemeClr val="accent1"/>
+          </a:fillRef>
+          <a:effectRef idx="0">
+            <a:schemeClr val="accent1"/>
+          </a:effectRef>
+          <a:fontRef idx="minor">
+            <a:schemeClr val="lt1"/>
+          </a:fontRef>
+        </p:style>
+        <p:txBody>
+          <a:bodyPr rtlCol="0" anchor="ctr"/>
+          <a:lstStyle/>
+          <a:p>
+            <a:pPr algn="ctr"/>
             <a:endParaRPr lang="en-US"/>
           </a:p>
         </p:txBody>
@@ -3769,13 +5156,247 @@
     </p:spTree>
     <p:extLst>
       <p:ext uri="{BB962C8B-B14F-4D97-AF65-F5344CB8AC3E}">
-        <p14:creationId xmlns:p14="http://schemas.microsoft.com/office/powerpoint/2010/main" val="2554422131"/>
+        <p14:creationId xmlns:p14="http://schemas.microsoft.com/office/powerpoint/2010/main" val="2403984110"/>
       </p:ext>
     </p:extLst>
   </p:cSld>
   <p:clrMapOvr>
     <a:masterClrMapping/>
   </p:clrMapOvr>
+  <p:timing>
+    <p:tnLst>
+      <p:par>
+        <p:cTn id="1" dur="indefinite" restart="never" nodeType="tmRoot">
+          <p:childTnLst>
+            <p:seq concurrent="1" nextAc="seek">
+              <p:cTn id="2" dur="indefinite" nodeType="mainSeq">
+                <p:childTnLst>
+                  <p:par>
+                    <p:cTn id="3" fill="hold">
+                      <p:stCondLst>
+                        <p:cond delay="indefinite"/>
+                      </p:stCondLst>
+                      <p:childTnLst>
+                        <p:par>
+                          <p:cTn id="4" fill="hold">
+                            <p:stCondLst>
+                              <p:cond delay="0"/>
+                            </p:stCondLst>
+                            <p:childTnLst>
+                              <p:par>
+                                <p:cTn id="5" presetID="1" presetClass="entr" presetSubtype="0" fill="hold" nodeType="clickEffect">
+                                  <p:stCondLst>
+                                    <p:cond delay="0"/>
+                                  </p:stCondLst>
+                                  <p:childTnLst>
+                                    <p:set>
+                                      <p:cBhvr>
+                                        <p:cTn id="6" dur="1" fill="hold">
+                                          <p:stCondLst>
+                                            <p:cond delay="0"/>
+                                          </p:stCondLst>
+                                        </p:cTn>
+                                        <p:tgtEl>
+                                          <p:spTgt spid="7"/>
+                                        </p:tgtEl>
+                                        <p:attrNameLst>
+                                          <p:attrName>style.visibility</p:attrName>
+                                        </p:attrNameLst>
+                                      </p:cBhvr>
+                                      <p:to>
+                                        <p:strVal val="visible"/>
+                                      </p:to>
+                                    </p:set>
+                                  </p:childTnLst>
+                                </p:cTn>
+                              </p:par>
+                              <p:par>
+                                <p:cTn id="7" presetID="1" presetClass="entr" presetSubtype="0" fill="hold" grpId="0" nodeType="withEffect">
+                                  <p:stCondLst>
+                                    <p:cond delay="0"/>
+                                  </p:stCondLst>
+                                  <p:childTnLst>
+                                    <p:set>
+                                      <p:cBhvr>
+                                        <p:cTn id="8" dur="1" fill="hold">
+                                          <p:stCondLst>
+                                            <p:cond delay="0"/>
+                                          </p:stCondLst>
+                                        </p:cTn>
+                                        <p:tgtEl>
+                                          <p:spTgt spid="8"/>
+                                        </p:tgtEl>
+                                        <p:attrNameLst>
+                                          <p:attrName>style.visibility</p:attrName>
+                                        </p:attrNameLst>
+                                      </p:cBhvr>
+                                      <p:to>
+                                        <p:strVal val="visible"/>
+                                      </p:to>
+                                    </p:set>
+                                  </p:childTnLst>
+                                </p:cTn>
+                              </p:par>
+                              <p:par>
+                                <p:cTn id="9" presetID="1" presetClass="entr" presetSubtype="0" fill="hold" nodeType="withEffect">
+                                  <p:stCondLst>
+                                    <p:cond delay="0"/>
+                                  </p:stCondLst>
+                                  <p:childTnLst>
+                                    <p:set>
+                                      <p:cBhvr>
+                                        <p:cTn id="10" dur="1" fill="hold">
+                                          <p:stCondLst>
+                                            <p:cond delay="0"/>
+                                          </p:stCondLst>
+                                        </p:cTn>
+                                        <p:tgtEl>
+                                          <p:spTgt spid="9"/>
+                                        </p:tgtEl>
+                                        <p:attrNameLst>
+                                          <p:attrName>style.visibility</p:attrName>
+                                        </p:attrNameLst>
+                                      </p:cBhvr>
+                                      <p:to>
+                                        <p:strVal val="visible"/>
+                                      </p:to>
+                                    </p:set>
+                                  </p:childTnLst>
+                                </p:cTn>
+                              </p:par>
+                              <p:par>
+                                <p:cTn id="11" presetID="1" presetClass="entr" presetSubtype="0" fill="hold" grpId="0" nodeType="withEffect">
+                                  <p:stCondLst>
+                                    <p:cond delay="0"/>
+                                  </p:stCondLst>
+                                  <p:childTnLst>
+                                    <p:set>
+                                      <p:cBhvr>
+                                        <p:cTn id="12" dur="1" fill="hold">
+                                          <p:stCondLst>
+                                            <p:cond delay="0"/>
+                                          </p:stCondLst>
+                                        </p:cTn>
+                                        <p:tgtEl>
+                                          <p:spTgt spid="10"/>
+                                        </p:tgtEl>
+                                        <p:attrNameLst>
+                                          <p:attrName>style.visibility</p:attrName>
+                                        </p:attrNameLst>
+                                      </p:cBhvr>
+                                      <p:to>
+                                        <p:strVal val="visible"/>
+                                      </p:to>
+                                    </p:set>
+                                  </p:childTnLst>
+                                </p:cTn>
+                              </p:par>
+                            </p:childTnLst>
+                          </p:cTn>
+                        </p:par>
+                      </p:childTnLst>
+                    </p:cTn>
+                  </p:par>
+                  <p:par>
+                    <p:cTn id="13" fill="hold">
+                      <p:stCondLst>
+                        <p:cond delay="indefinite"/>
+                      </p:stCondLst>
+                      <p:childTnLst>
+                        <p:par>
+                          <p:cTn id="14" fill="hold">
+                            <p:stCondLst>
+                              <p:cond delay="0"/>
+                            </p:stCondLst>
+                            <p:childTnLst>
+                              <p:par>
+                                <p:cTn id="15" presetID="1" presetClass="entr" presetSubtype="0" fill="hold" grpId="0" nodeType="clickEffect">
+                                  <p:stCondLst>
+                                    <p:cond delay="0"/>
+                                  </p:stCondLst>
+                                  <p:childTnLst>
+                                    <p:set>
+                                      <p:cBhvr>
+                                        <p:cTn id="16" dur="1" fill="hold">
+                                          <p:stCondLst>
+                                            <p:cond delay="0"/>
+                                          </p:stCondLst>
+                                        </p:cTn>
+                                        <p:tgtEl>
+                                          <p:spTgt spid="13"/>
+                                        </p:tgtEl>
+                                        <p:attrNameLst>
+                                          <p:attrName>style.visibility</p:attrName>
+                                        </p:attrNameLst>
+                                      </p:cBhvr>
+                                      <p:to>
+                                        <p:strVal val="visible"/>
+                                      </p:to>
+                                    </p:set>
+                                  </p:childTnLst>
+                                </p:cTn>
+                              </p:par>
+                              <p:par>
+                                <p:cTn id="17" presetID="1" presetClass="entr" presetSubtype="0" fill="hold" grpId="0" nodeType="withEffect">
+                                  <p:stCondLst>
+                                    <p:cond delay="0"/>
+                                  </p:stCondLst>
+                                  <p:childTnLst>
+                                    <p:set>
+                                      <p:cBhvr>
+                                        <p:cTn id="18" dur="1" fill="hold">
+                                          <p:stCondLst>
+                                            <p:cond delay="0"/>
+                                          </p:stCondLst>
+                                        </p:cTn>
+                                        <p:tgtEl>
+                                          <p:spTgt spid="11"/>
+                                        </p:tgtEl>
+                                        <p:attrNameLst>
+                                          <p:attrName>style.visibility</p:attrName>
+                                        </p:attrNameLst>
+                                      </p:cBhvr>
+                                      <p:to>
+                                        <p:strVal val="visible"/>
+                                      </p:to>
+                                    </p:set>
+                                  </p:childTnLst>
+                                </p:cTn>
+                              </p:par>
+                            </p:childTnLst>
+                          </p:cTn>
+                        </p:par>
+                      </p:childTnLst>
+                    </p:cTn>
+                  </p:par>
+                </p:childTnLst>
+              </p:cTn>
+              <p:prevCondLst>
+                <p:cond evt="onPrev" delay="0">
+                  <p:tgtEl>
+                    <p:sldTgt/>
+                  </p:tgtEl>
+                </p:cond>
+              </p:prevCondLst>
+              <p:nextCondLst>
+                <p:cond evt="onNext" delay="0">
+                  <p:tgtEl>
+                    <p:sldTgt/>
+                  </p:tgtEl>
+                </p:cond>
+              </p:nextCondLst>
+            </p:seq>
+          </p:childTnLst>
+        </p:cTn>
+      </p:par>
+    </p:tnLst>
+    <p:bldLst>
+      <p:bldP spid="8" grpId="0"/>
+      <p:bldP spid="10" grpId="0"/>
+      <p:bldP spid="11" grpId="0" animBg="1"/>
+      <p:bldP spid="13" grpId="0" animBg="1"/>
+    </p:bldLst>
+  </p:timing>
 </p:sld>
 </file>
 
@@ -3801,6 +5422,524 @@
           <p:cNvPr id="2" name="Title 1">
             <a:extLst>
               <a:ext uri="{FF2B5EF4-FFF2-40B4-BE49-F238E27FC236}">
+                <a16:creationId xmlns:a16="http://schemas.microsoft.com/office/drawing/2014/main" id="{74F9125D-70FE-2EAC-CDA1-83AB96D822C0}"/>
+              </a:ext>
+            </a:extLst>
+          </p:cNvPr>
+          <p:cNvSpPr>
+            <a:spLocks noGrp="1"/>
+          </p:cNvSpPr>
+          <p:nvPr>
+            <p:ph type="title"/>
+          </p:nvPr>
+        </p:nvSpPr>
+        <p:spPr>
+          <a:xfrm>
+            <a:off x="838200" y="365125"/>
+            <a:ext cx="10775868" cy="1325563"/>
+          </a:xfrm>
+        </p:spPr>
+        <p:txBody>
+          <a:bodyPr/>
+          <a:lstStyle/>
+          <a:p>
+            <a:r>
+              <a:rPr lang="en-US" dirty="0"/>
+              <a:t>Results: replicating </a:t>
+            </a:r>
+            <a:r>
+              <a:rPr lang="en-US" dirty="0" err="1"/>
+              <a:t>Rabosky</a:t>
+            </a:r>
+            <a:r>
+              <a:rPr lang="en-US" dirty="0"/>
+              <a:t> &amp; Goldberg (2015)</a:t>
+            </a:r>
+          </a:p>
+        </p:txBody>
+      </p:sp>
+      <p:pic>
+        <p:nvPicPr>
+          <p:cNvPr id="14" name="Picture 13">
+            <a:extLst>
+              <a:ext uri="{FF2B5EF4-FFF2-40B4-BE49-F238E27FC236}">
+                <a16:creationId xmlns:a16="http://schemas.microsoft.com/office/drawing/2014/main" id="{D57540AD-F017-0F77-982D-DC954F7B7A0F}"/>
+              </a:ext>
+            </a:extLst>
+          </p:cNvPr>
+          <p:cNvPicPr>
+            <a:picLocks noChangeAspect="1"/>
+          </p:cNvPicPr>
+          <p:nvPr/>
+        </p:nvPicPr>
+        <p:blipFill>
+          <a:blip r:embed="rId2"/>
+          <a:stretch>
+            <a:fillRect/>
+          </a:stretch>
+        </p:blipFill>
+        <p:spPr>
+          <a:xfrm>
+            <a:off x="2144229" y="1439962"/>
+            <a:ext cx="7903541" cy="5418038"/>
+          </a:xfrm>
+          <a:prstGeom prst="rect">
+            <a:avLst/>
+          </a:prstGeom>
+        </p:spPr>
+      </p:pic>
+    </p:spTree>
+    <p:extLst>
+      <p:ext uri="{BB962C8B-B14F-4D97-AF65-F5344CB8AC3E}">
+        <p14:creationId xmlns:p14="http://schemas.microsoft.com/office/powerpoint/2010/main" val="3817584796"/>
+      </p:ext>
+    </p:extLst>
+  </p:cSld>
+  <p:clrMapOvr>
+    <a:masterClrMapping/>
+  </p:clrMapOvr>
+</p:sld>
+</file>
+
+<file path=ppt/slides/slide15.xml><?xml version="1.0" encoding="utf-8"?>
+<p:sld xmlns:a="http://schemas.openxmlformats.org/drawingml/2006/main" xmlns:r="http://schemas.openxmlformats.org/officeDocument/2006/relationships" xmlns:p="http://schemas.openxmlformats.org/presentationml/2006/main">
+  <p:cSld>
+    <p:spTree>
+      <p:nvGrpSpPr>
+        <p:cNvPr id="1" name=""/>
+        <p:cNvGrpSpPr/>
+        <p:nvPr/>
+      </p:nvGrpSpPr>
+      <p:grpSpPr>
+        <a:xfrm>
+          <a:off x="0" y="0"/>
+          <a:ext cx="0" cy="0"/>
+          <a:chOff x="0" y="0"/>
+          <a:chExt cx="0" cy="0"/>
+        </a:xfrm>
+      </p:grpSpPr>
+      <p:sp>
+        <p:nvSpPr>
+          <p:cNvPr id="2" name="Title 1">
+            <a:extLst>
+              <a:ext uri="{FF2B5EF4-FFF2-40B4-BE49-F238E27FC236}">
+                <a16:creationId xmlns:a16="http://schemas.microsoft.com/office/drawing/2014/main" id="{74F9125D-70FE-2EAC-CDA1-83AB96D822C0}"/>
+              </a:ext>
+            </a:extLst>
+          </p:cNvPr>
+          <p:cNvSpPr>
+            <a:spLocks noGrp="1"/>
+          </p:cNvSpPr>
+          <p:nvPr>
+            <p:ph type="title"/>
+          </p:nvPr>
+        </p:nvSpPr>
+        <p:spPr>
+          <a:xfrm>
+            <a:off x="838200" y="365125"/>
+            <a:ext cx="10775868" cy="1325563"/>
+          </a:xfrm>
+        </p:spPr>
+        <p:txBody>
+          <a:bodyPr/>
+          <a:lstStyle/>
+          <a:p>
+            <a:r>
+              <a:rPr lang="en-US" dirty="0"/>
+              <a:t>Results: adding fossils</a:t>
+            </a:r>
+          </a:p>
+        </p:txBody>
+      </p:sp>
+      <p:pic>
+        <p:nvPicPr>
+          <p:cNvPr id="5" name="Picture 4">
+            <a:extLst>
+              <a:ext uri="{FF2B5EF4-FFF2-40B4-BE49-F238E27FC236}">
+                <a16:creationId xmlns:a16="http://schemas.microsoft.com/office/drawing/2014/main" id="{050711E7-6210-9ADD-727C-D9022333B729}"/>
+              </a:ext>
+            </a:extLst>
+          </p:cNvPr>
+          <p:cNvPicPr>
+            <a:picLocks noChangeAspect="1"/>
+          </p:cNvPicPr>
+          <p:nvPr/>
+        </p:nvPicPr>
+        <p:blipFill>
+          <a:blip r:embed="rId2"/>
+          <a:stretch>
+            <a:fillRect/>
+          </a:stretch>
+        </p:blipFill>
+        <p:spPr>
+          <a:xfrm>
+            <a:off x="2144229" y="1439962"/>
+            <a:ext cx="7903541" cy="5418038"/>
+          </a:xfrm>
+          <a:prstGeom prst="rect">
+            <a:avLst/>
+          </a:prstGeom>
+        </p:spPr>
+      </p:pic>
+    </p:spTree>
+    <p:extLst>
+      <p:ext uri="{BB962C8B-B14F-4D97-AF65-F5344CB8AC3E}">
+        <p14:creationId xmlns:p14="http://schemas.microsoft.com/office/powerpoint/2010/main" val="597083728"/>
+      </p:ext>
+    </p:extLst>
+  </p:cSld>
+  <p:clrMapOvr>
+    <a:masterClrMapping/>
+  </p:clrMapOvr>
+</p:sld>
+</file>
+
+<file path=ppt/slides/slide16.xml><?xml version="1.0" encoding="utf-8"?>
+<p:sld xmlns:a="http://schemas.openxmlformats.org/drawingml/2006/main" xmlns:r="http://schemas.openxmlformats.org/officeDocument/2006/relationships" xmlns:p="http://schemas.openxmlformats.org/presentationml/2006/main">
+  <p:cSld>
+    <p:spTree>
+      <p:nvGrpSpPr>
+        <p:cNvPr id="1" name=""/>
+        <p:cNvGrpSpPr/>
+        <p:nvPr/>
+      </p:nvGrpSpPr>
+      <p:grpSpPr>
+        <a:xfrm>
+          <a:off x="0" y="0"/>
+          <a:ext cx="0" cy="0"/>
+          <a:chOff x="0" y="0"/>
+          <a:chExt cx="0" cy="0"/>
+        </a:xfrm>
+      </p:grpSpPr>
+      <p:sp>
+        <p:nvSpPr>
+          <p:cNvPr id="2" name="Title 1">
+            <a:extLst>
+              <a:ext uri="{FF2B5EF4-FFF2-40B4-BE49-F238E27FC236}">
+                <a16:creationId xmlns:a16="http://schemas.microsoft.com/office/drawing/2014/main" id="{74F9125D-70FE-2EAC-CDA1-83AB96D822C0}"/>
+              </a:ext>
+            </a:extLst>
+          </p:cNvPr>
+          <p:cNvSpPr>
+            <a:spLocks noGrp="1"/>
+          </p:cNvSpPr>
+          <p:nvPr>
+            <p:ph type="title"/>
+          </p:nvPr>
+        </p:nvSpPr>
+        <p:spPr>
+          <a:xfrm>
+            <a:off x="838200" y="365125"/>
+            <a:ext cx="10775868" cy="1325563"/>
+          </a:xfrm>
+        </p:spPr>
+        <p:txBody>
+          <a:bodyPr/>
+          <a:lstStyle/>
+          <a:p>
+            <a:r>
+              <a:rPr lang="en-US" dirty="0"/>
+              <a:t>Results: adding fossils</a:t>
+            </a:r>
+          </a:p>
+        </p:txBody>
+      </p:sp>
+      <p:pic>
+        <p:nvPicPr>
+          <p:cNvPr id="4" name="Picture 3">
+            <a:extLst>
+              <a:ext uri="{FF2B5EF4-FFF2-40B4-BE49-F238E27FC236}">
+                <a16:creationId xmlns:a16="http://schemas.microsoft.com/office/drawing/2014/main" id="{B6A3E3AE-F383-D61B-75D1-AFC464EE126D}"/>
+              </a:ext>
+            </a:extLst>
+          </p:cNvPr>
+          <p:cNvPicPr>
+            <a:picLocks noChangeAspect="1"/>
+          </p:cNvPicPr>
+          <p:nvPr/>
+        </p:nvPicPr>
+        <p:blipFill>
+          <a:blip r:embed="rId2"/>
+          <a:stretch>
+            <a:fillRect/>
+          </a:stretch>
+        </p:blipFill>
+        <p:spPr>
+          <a:xfrm>
+            <a:off x="2144230" y="1439962"/>
+            <a:ext cx="7903540" cy="5418038"/>
+          </a:xfrm>
+          <a:prstGeom prst="rect">
+            <a:avLst/>
+          </a:prstGeom>
+        </p:spPr>
+      </p:pic>
+    </p:spTree>
+    <p:extLst>
+      <p:ext uri="{BB962C8B-B14F-4D97-AF65-F5344CB8AC3E}">
+        <p14:creationId xmlns:p14="http://schemas.microsoft.com/office/powerpoint/2010/main" val="2539893384"/>
+      </p:ext>
+    </p:extLst>
+  </p:cSld>
+  <p:clrMapOvr>
+    <a:masterClrMapping/>
+  </p:clrMapOvr>
+</p:sld>
+</file>
+
+<file path=ppt/slides/slide17.xml><?xml version="1.0" encoding="utf-8"?>
+<p:sld xmlns:a="http://schemas.openxmlformats.org/drawingml/2006/main" xmlns:r="http://schemas.openxmlformats.org/officeDocument/2006/relationships" xmlns:p="http://schemas.openxmlformats.org/presentationml/2006/main">
+  <p:cSld>
+    <p:spTree>
+      <p:nvGrpSpPr>
+        <p:cNvPr id="1" name=""/>
+        <p:cNvGrpSpPr/>
+        <p:nvPr/>
+      </p:nvGrpSpPr>
+      <p:grpSpPr>
+        <a:xfrm>
+          <a:off x="0" y="0"/>
+          <a:ext cx="0" cy="0"/>
+          <a:chOff x="0" y="0"/>
+          <a:chExt cx="0" cy="0"/>
+        </a:xfrm>
+      </p:grpSpPr>
+      <p:sp>
+        <p:nvSpPr>
+          <p:cNvPr id="2" name="Title 1">
+            <a:extLst>
+              <a:ext uri="{FF2B5EF4-FFF2-40B4-BE49-F238E27FC236}">
+                <a16:creationId xmlns:a16="http://schemas.microsoft.com/office/drawing/2014/main" id="{C01F5A06-3613-33B8-E3D4-035911473E89}"/>
+              </a:ext>
+            </a:extLst>
+          </p:cNvPr>
+          <p:cNvSpPr>
+            <a:spLocks noGrp="1"/>
+          </p:cNvSpPr>
+          <p:nvPr>
+            <p:ph type="title"/>
+          </p:nvPr>
+        </p:nvSpPr>
+        <p:spPr/>
+        <p:txBody>
+          <a:bodyPr/>
+          <a:lstStyle/>
+          <a:p>
+            <a:r>
+              <a:rPr lang="en-US" dirty="0"/>
+              <a:t>Conclusions</a:t>
+            </a:r>
+          </a:p>
+        </p:txBody>
+      </p:sp>
+      <p:sp>
+        <p:nvSpPr>
+          <p:cNvPr id="3" name="Content Placeholder 2">
+            <a:extLst>
+              <a:ext uri="{FF2B5EF4-FFF2-40B4-BE49-F238E27FC236}">
+                <a16:creationId xmlns:a16="http://schemas.microsoft.com/office/drawing/2014/main" id="{9ABFA1C6-AAA8-71F7-6D65-97A2ACC6896C}"/>
+              </a:ext>
+            </a:extLst>
+          </p:cNvPr>
+          <p:cNvSpPr>
+            <a:spLocks noGrp="1"/>
+          </p:cNvSpPr>
+          <p:nvPr>
+            <p:ph idx="1"/>
+          </p:nvPr>
+        </p:nvSpPr>
+        <p:spPr/>
+        <p:txBody>
+          <a:bodyPr/>
+          <a:lstStyle/>
+          <a:p>
+            <a:r>
+              <a:rPr lang="en-US" dirty="0"/>
+              <a:t>Adding fossil data allows for more accurate extinction estimates, but does not affect the false positive rates</a:t>
+            </a:r>
+          </a:p>
+          <a:p>
+            <a:endParaRPr lang="en-US" dirty="0"/>
+          </a:p>
+          <a:p>
+            <a:r>
+              <a:rPr lang="en-US" dirty="0"/>
+              <a:t>Extinction estimates show large variance for the least common trait</a:t>
+            </a:r>
+          </a:p>
+          <a:p>
+            <a:endParaRPr lang="en-US" dirty="0"/>
+          </a:p>
+          <a:p>
+            <a:r>
+              <a:rPr lang="en-US" dirty="0"/>
+              <a:t>Accuracy increases with increasing fossil sampling, as expected</a:t>
+            </a:r>
+          </a:p>
+        </p:txBody>
+      </p:sp>
+    </p:spTree>
+    <p:extLst>
+      <p:ext uri="{BB962C8B-B14F-4D97-AF65-F5344CB8AC3E}">
+        <p14:creationId xmlns:p14="http://schemas.microsoft.com/office/powerpoint/2010/main" val="2554422131"/>
+      </p:ext>
+    </p:extLst>
+  </p:cSld>
+  <p:clrMapOvr>
+    <a:masterClrMapping/>
+  </p:clrMapOvr>
+</p:sld>
+</file>
+
+<file path=ppt/slides/slide18.xml><?xml version="1.0" encoding="utf-8"?>
+<p:sld xmlns:a="http://schemas.openxmlformats.org/drawingml/2006/main" xmlns:r="http://schemas.openxmlformats.org/officeDocument/2006/relationships" xmlns:p="http://schemas.openxmlformats.org/presentationml/2006/main">
+  <p:cSld>
+    <p:spTree>
+      <p:nvGrpSpPr>
+        <p:cNvPr id="1" name=""/>
+        <p:cNvGrpSpPr/>
+        <p:nvPr/>
+      </p:nvGrpSpPr>
+      <p:grpSpPr>
+        <a:xfrm>
+          <a:off x="0" y="0"/>
+          <a:ext cx="0" cy="0"/>
+          <a:chOff x="0" y="0"/>
+          <a:chExt cx="0" cy="0"/>
+        </a:xfrm>
+      </p:grpSpPr>
+      <p:sp>
+        <p:nvSpPr>
+          <p:cNvPr id="2" name="Title 1">
+            <a:extLst>
+              <a:ext uri="{FF2B5EF4-FFF2-40B4-BE49-F238E27FC236}">
+                <a16:creationId xmlns:a16="http://schemas.microsoft.com/office/drawing/2014/main" id="{C01F5A06-3613-33B8-E3D4-035911473E89}"/>
+              </a:ext>
+            </a:extLst>
+          </p:cNvPr>
+          <p:cNvSpPr>
+            <a:spLocks noGrp="1"/>
+          </p:cNvSpPr>
+          <p:nvPr>
+            <p:ph type="title"/>
+          </p:nvPr>
+        </p:nvSpPr>
+        <p:spPr/>
+        <p:txBody>
+          <a:bodyPr/>
+          <a:lstStyle/>
+          <a:p>
+            <a:r>
+              <a:rPr lang="en-US" dirty="0"/>
+              <a:t>Future work</a:t>
+            </a:r>
+          </a:p>
+        </p:txBody>
+      </p:sp>
+      <p:sp>
+        <p:nvSpPr>
+          <p:cNvPr id="3" name="Content Placeholder 2">
+            <a:extLst>
+              <a:ext uri="{FF2B5EF4-FFF2-40B4-BE49-F238E27FC236}">
+                <a16:creationId xmlns:a16="http://schemas.microsoft.com/office/drawing/2014/main" id="{9ABFA1C6-AAA8-71F7-6D65-97A2ACC6896C}"/>
+              </a:ext>
+            </a:extLst>
+          </p:cNvPr>
+          <p:cNvSpPr>
+            <a:spLocks noGrp="1"/>
+          </p:cNvSpPr>
+          <p:nvPr>
+            <p:ph idx="1"/>
+          </p:nvPr>
+        </p:nvSpPr>
+        <p:spPr/>
+        <p:txBody>
+          <a:bodyPr/>
+          <a:lstStyle/>
+          <a:p>
+            <a:r>
+              <a:rPr lang="en-US" dirty="0"/>
+              <a:t>Consider bigger (and possibly more) trees for better precision</a:t>
+            </a:r>
+          </a:p>
+          <a:p>
+            <a:endParaRPr lang="en-US" dirty="0"/>
+          </a:p>
+          <a:p>
+            <a:r>
+              <a:rPr lang="en-US" dirty="0"/>
+              <a:t>Test how these results change with different proportions of sampled ancestors to fossil tips (re: Beaulieu &amp; O’Meara 2022)</a:t>
+            </a:r>
+          </a:p>
+          <a:p>
+            <a:endParaRPr lang="en-US" dirty="0"/>
+          </a:p>
+          <a:p>
+            <a:r>
+              <a:rPr lang="en-US" dirty="0"/>
+              <a:t>Investigate variance of extinction estimates, e.g. by increasing real trait transition rates</a:t>
+            </a:r>
+          </a:p>
+          <a:p>
+            <a:endParaRPr lang="en-US" dirty="0"/>
+          </a:p>
+          <a:p>
+            <a:r>
+              <a:rPr lang="en-US" dirty="0"/>
+              <a:t>Extend this entire pipeline to test </a:t>
+            </a:r>
+            <a:r>
+              <a:rPr lang="en-US" dirty="0" err="1"/>
+              <a:t>HiSSE</a:t>
+            </a:r>
+            <a:r>
+              <a:rPr lang="en-US" dirty="0"/>
+              <a:t> (currently running)</a:t>
+            </a:r>
+          </a:p>
+          <a:p>
+            <a:endParaRPr lang="en-US" dirty="0"/>
+          </a:p>
+          <a:p>
+            <a:endParaRPr lang="en-US" dirty="0"/>
+          </a:p>
+        </p:txBody>
+      </p:sp>
+    </p:spTree>
+    <p:extLst>
+      <p:ext uri="{BB962C8B-B14F-4D97-AF65-F5344CB8AC3E}">
+        <p14:creationId xmlns:p14="http://schemas.microsoft.com/office/powerpoint/2010/main" val="1846718757"/>
+      </p:ext>
+    </p:extLst>
+  </p:cSld>
+  <p:clrMapOvr>
+    <a:masterClrMapping/>
+  </p:clrMapOvr>
+</p:sld>
+</file>
+
+<file path=ppt/slides/slide19.xml><?xml version="1.0" encoding="utf-8"?>
+<p:sld xmlns:a="http://schemas.openxmlformats.org/drawingml/2006/main" xmlns:r="http://schemas.openxmlformats.org/officeDocument/2006/relationships" xmlns:p="http://schemas.openxmlformats.org/presentationml/2006/main">
+  <p:cSld>
+    <p:spTree>
+      <p:nvGrpSpPr>
+        <p:cNvPr id="1" name=""/>
+        <p:cNvGrpSpPr/>
+        <p:nvPr/>
+      </p:nvGrpSpPr>
+      <p:grpSpPr>
+        <a:xfrm>
+          <a:off x="0" y="0"/>
+          <a:ext cx="0" cy="0"/>
+          <a:chOff x="0" y="0"/>
+          <a:chExt cx="0" cy="0"/>
+        </a:xfrm>
+      </p:grpSpPr>
+      <p:sp>
+        <p:nvSpPr>
+          <p:cNvPr id="2" name="Title 1">
+            <a:extLst>
+              <a:ext uri="{FF2B5EF4-FFF2-40B4-BE49-F238E27FC236}">
                 <a16:creationId xmlns:a16="http://schemas.microsoft.com/office/drawing/2014/main" id="{C8FCF6F4-8A6B-0F1C-1073-988B0641D38E}"/>
               </a:ext>
             </a:extLst>
@@ -3824,28 +5963,471 @@
           </a:p>
         </p:txBody>
       </p:sp>
-      <p:sp>
-        <p:nvSpPr>
-          <p:cNvPr id="3" name="Content Placeholder 2">
-            <a:extLst>
-              <a:ext uri="{FF2B5EF4-FFF2-40B4-BE49-F238E27FC236}">
-                <a16:creationId xmlns:a16="http://schemas.microsoft.com/office/drawing/2014/main" id="{F2B8F804-CA7B-C97B-9791-306B823BEDBF}"/>
-              </a:ext>
-            </a:extLst>
-          </p:cNvPr>
-          <p:cNvSpPr>
-            <a:spLocks noGrp="1"/>
-          </p:cNvSpPr>
-          <p:nvPr>
-            <p:ph idx="1"/>
-          </p:nvPr>
-        </p:nvSpPr>
-        <p:spPr/>
-        <p:txBody>
-          <a:bodyPr/>
-          <a:lstStyle/>
-          <a:p>
-            <a:endParaRPr lang="en-US"/>
+      <p:pic>
+        <p:nvPicPr>
+          <p:cNvPr id="17410" name="Picture 2">
+            <a:extLst>
+              <a:ext uri="{FF2B5EF4-FFF2-40B4-BE49-F238E27FC236}">
+                <a16:creationId xmlns:a16="http://schemas.microsoft.com/office/drawing/2014/main" id="{7B814CEE-3B5B-F675-6728-664386A1EEF1}"/>
+              </a:ext>
+            </a:extLst>
+          </p:cNvPr>
+          <p:cNvPicPr>
+            <a:picLocks noChangeAspect="1" noChangeArrowheads="1"/>
+          </p:cNvPicPr>
+          <p:nvPr/>
+        </p:nvPicPr>
+        <p:blipFill>
+          <a:blip r:embed="rId2">
+            <a:extLst>
+              <a:ext uri="{28A0092B-C50C-407E-A947-70E740481C1C}">
+                <a14:useLocalDpi xmlns:a14="http://schemas.microsoft.com/office/drawing/2010/main" val="0"/>
+              </a:ext>
+            </a:extLst>
+          </a:blip>
+          <a:srcRect/>
+          <a:stretch>
+            <a:fillRect/>
+          </a:stretch>
+        </p:blipFill>
+        <p:spPr bwMode="auto">
+          <a:xfrm>
+            <a:off x="4158971" y="1690689"/>
+            <a:ext cx="1677504" cy="1677504"/>
+          </a:xfrm>
+          <a:prstGeom prst="rect">
+            <a:avLst/>
+          </a:prstGeom>
+          <a:noFill/>
+          <a:extLst>
+            <a:ext uri="{909E8E84-426E-40DD-AFC4-6F175D3DCCD1}">
+              <a14:hiddenFill xmlns:a14="http://schemas.microsoft.com/office/drawing/2010/main">
+                <a:solidFill>
+                  <a:srgbClr val="FFFFFF"/>
+                </a:solidFill>
+              </a14:hiddenFill>
+            </a:ext>
+          </a:extLst>
+        </p:spPr>
+      </p:pic>
+      <p:pic>
+        <p:nvPicPr>
+          <p:cNvPr id="17412" name="Picture 4">
+            <a:extLst>
+              <a:ext uri="{FF2B5EF4-FFF2-40B4-BE49-F238E27FC236}">
+                <a16:creationId xmlns:a16="http://schemas.microsoft.com/office/drawing/2014/main" id="{7B52C822-BD1E-7560-381C-702265EC8CAB}"/>
+              </a:ext>
+            </a:extLst>
+          </p:cNvPr>
+          <p:cNvPicPr>
+            <a:picLocks noChangeAspect="1" noChangeArrowheads="1"/>
+          </p:cNvPicPr>
+          <p:nvPr/>
+        </p:nvPicPr>
+        <p:blipFill>
+          <a:blip r:embed="rId3">
+            <a:extLst>
+              <a:ext uri="{28A0092B-C50C-407E-A947-70E740481C1C}">
+                <a14:useLocalDpi xmlns:a14="http://schemas.microsoft.com/office/drawing/2010/main" val="0"/>
+              </a:ext>
+            </a:extLst>
+          </a:blip>
+          <a:srcRect/>
+          <a:stretch>
+            <a:fillRect/>
+          </a:stretch>
+        </p:blipFill>
+        <p:spPr bwMode="auto">
+          <a:xfrm>
+            <a:off x="2234647" y="1739277"/>
+            <a:ext cx="1677504" cy="1677504"/>
+          </a:xfrm>
+          <a:prstGeom prst="rect">
+            <a:avLst/>
+          </a:prstGeom>
+          <a:noFill/>
+          <a:extLst>
+            <a:ext uri="{909E8E84-426E-40DD-AFC4-6F175D3DCCD1}">
+              <a14:hiddenFill xmlns:a14="http://schemas.microsoft.com/office/drawing/2010/main">
+                <a:solidFill>
+                  <a:srgbClr val="FFFFFF"/>
+                </a:solidFill>
+              </a14:hiddenFill>
+            </a:ext>
+          </a:extLst>
+        </p:spPr>
+      </p:pic>
+      <p:pic>
+        <p:nvPicPr>
+          <p:cNvPr id="17414" name="Picture 6">
+            <a:extLst>
+              <a:ext uri="{FF2B5EF4-FFF2-40B4-BE49-F238E27FC236}">
+                <a16:creationId xmlns:a16="http://schemas.microsoft.com/office/drawing/2014/main" id="{F2E36C9F-EB87-44C4-33D3-1B982E5D0AB0}"/>
+              </a:ext>
+            </a:extLst>
+          </p:cNvPr>
+          <p:cNvPicPr>
+            <a:picLocks noChangeAspect="1" noChangeArrowheads="1"/>
+          </p:cNvPicPr>
+          <p:nvPr/>
+        </p:nvPicPr>
+        <p:blipFill>
+          <a:blip r:embed="rId4">
+            <a:extLst>
+              <a:ext uri="{28A0092B-C50C-407E-A947-70E740481C1C}">
+                <a14:useLocalDpi xmlns:a14="http://schemas.microsoft.com/office/drawing/2010/main" val="0"/>
+              </a:ext>
+            </a:extLst>
+          </a:blip>
+          <a:srcRect/>
+          <a:stretch>
+            <a:fillRect/>
+          </a:stretch>
+        </p:blipFill>
+        <p:spPr bwMode="auto">
+          <a:xfrm>
+            <a:off x="310321" y="1751495"/>
+            <a:ext cx="1677505" cy="1677505"/>
+          </a:xfrm>
+          <a:prstGeom prst="rect">
+            <a:avLst/>
+          </a:prstGeom>
+          <a:noFill/>
+          <a:extLst>
+            <a:ext uri="{909E8E84-426E-40DD-AFC4-6F175D3DCCD1}">
+              <a14:hiddenFill xmlns:a14="http://schemas.microsoft.com/office/drawing/2010/main">
+                <a:solidFill>
+                  <a:srgbClr val="FFFFFF"/>
+                </a:solidFill>
+              </a14:hiddenFill>
+            </a:ext>
+          </a:extLst>
+        </p:spPr>
+      </p:pic>
+      <p:pic>
+        <p:nvPicPr>
+          <p:cNvPr id="17416" name="Picture 8">
+            <a:extLst>
+              <a:ext uri="{FF2B5EF4-FFF2-40B4-BE49-F238E27FC236}">
+                <a16:creationId xmlns:a16="http://schemas.microsoft.com/office/drawing/2014/main" id="{9A806A67-7500-3D26-7F00-B8EFF14FAC40}"/>
+              </a:ext>
+            </a:extLst>
+          </p:cNvPr>
+          <p:cNvPicPr>
+            <a:picLocks noChangeAspect="1" noChangeArrowheads="1"/>
+          </p:cNvPicPr>
+          <p:nvPr/>
+        </p:nvPicPr>
+        <p:blipFill>
+          <a:blip r:embed="rId5">
+            <a:extLst>
+              <a:ext uri="{28A0092B-C50C-407E-A947-70E740481C1C}">
+                <a14:useLocalDpi xmlns:a14="http://schemas.microsoft.com/office/drawing/2010/main" val="0"/>
+              </a:ext>
+            </a:extLst>
+          </a:blip>
+          <a:srcRect/>
+          <a:stretch>
+            <a:fillRect/>
+          </a:stretch>
+        </p:blipFill>
+        <p:spPr bwMode="auto">
+          <a:xfrm>
+            <a:off x="6083296" y="1690688"/>
+            <a:ext cx="1677505" cy="1677505"/>
+          </a:xfrm>
+          <a:prstGeom prst="rect">
+            <a:avLst/>
+          </a:prstGeom>
+          <a:noFill/>
+          <a:extLst>
+            <a:ext uri="{909E8E84-426E-40DD-AFC4-6F175D3DCCD1}">
+              <a14:hiddenFill xmlns:a14="http://schemas.microsoft.com/office/drawing/2010/main">
+                <a:solidFill>
+                  <a:srgbClr val="FFFFFF"/>
+                </a:solidFill>
+              </a14:hiddenFill>
+            </a:ext>
+          </a:extLst>
+        </p:spPr>
+      </p:pic>
+      <p:pic>
+        <p:nvPicPr>
+          <p:cNvPr id="17418" name="Picture 10">
+            <a:extLst>
+              <a:ext uri="{FF2B5EF4-FFF2-40B4-BE49-F238E27FC236}">
+                <a16:creationId xmlns:a16="http://schemas.microsoft.com/office/drawing/2014/main" id="{F2167BFA-18F1-3D11-0B14-502C9BC884E7}"/>
+              </a:ext>
+            </a:extLst>
+          </p:cNvPr>
+          <p:cNvPicPr>
+            <a:picLocks noChangeAspect="1" noChangeArrowheads="1"/>
+          </p:cNvPicPr>
+          <p:nvPr/>
+        </p:nvPicPr>
+        <p:blipFill>
+          <a:blip r:embed="rId6">
+            <a:extLst>
+              <a:ext uri="{28A0092B-C50C-407E-A947-70E740481C1C}">
+                <a14:useLocalDpi xmlns:a14="http://schemas.microsoft.com/office/drawing/2010/main" val="0"/>
+              </a:ext>
+            </a:extLst>
+          </a:blip>
+          <a:srcRect/>
+          <a:stretch>
+            <a:fillRect/>
+          </a:stretch>
+        </p:blipFill>
+        <p:spPr bwMode="auto">
+          <a:xfrm>
+            <a:off x="8007621" y="1690688"/>
+            <a:ext cx="1677505" cy="1677505"/>
+          </a:xfrm>
+          <a:prstGeom prst="rect">
+            <a:avLst/>
+          </a:prstGeom>
+          <a:noFill/>
+          <a:extLst>
+            <a:ext uri="{909E8E84-426E-40DD-AFC4-6F175D3DCCD1}">
+              <a14:hiddenFill xmlns:a14="http://schemas.microsoft.com/office/drawing/2010/main">
+                <a:solidFill>
+                  <a:srgbClr val="FFFFFF"/>
+                </a:solidFill>
+              </a14:hiddenFill>
+            </a:ext>
+          </a:extLst>
+        </p:spPr>
+      </p:pic>
+      <p:sp>
+        <p:nvSpPr>
+          <p:cNvPr id="4" name="TextBox 3">
+            <a:extLst>
+              <a:ext uri="{FF2B5EF4-FFF2-40B4-BE49-F238E27FC236}">
+                <a16:creationId xmlns:a16="http://schemas.microsoft.com/office/drawing/2014/main" id="{A01E072E-CCF6-8281-F93A-2FAD3192572A}"/>
+              </a:ext>
+            </a:extLst>
+          </p:cNvPr>
+          <p:cNvSpPr txBox="1"/>
+          <p:nvPr/>
+        </p:nvSpPr>
+        <p:spPr>
+          <a:xfrm>
+            <a:off x="215900" y="3434133"/>
+            <a:ext cx="3580275" cy="584775"/>
+          </a:xfrm>
+          <a:prstGeom prst="rect">
+            <a:avLst/>
+          </a:prstGeom>
+          <a:noFill/>
+        </p:spPr>
+        <p:txBody>
+          <a:bodyPr wrap="none" rtlCol="0">
+            <a:spAutoFit/>
+          </a:bodyPr>
+          <a:lstStyle/>
+          <a:p>
+            <a:r>
+              <a:rPr lang="en-US" sz="3200" dirty="0"/>
+              <a:t>The Heath lab at ISU</a:t>
+            </a:r>
+          </a:p>
+        </p:txBody>
+      </p:sp>
+      <p:pic>
+        <p:nvPicPr>
+          <p:cNvPr id="6" name="Picture 5">
+            <a:extLst>
+              <a:ext uri="{FF2B5EF4-FFF2-40B4-BE49-F238E27FC236}">
+                <a16:creationId xmlns:a16="http://schemas.microsoft.com/office/drawing/2014/main" id="{2D1BB8F5-518D-DF94-5A00-462F27A6C42F}"/>
+              </a:ext>
+            </a:extLst>
+          </p:cNvPr>
+          <p:cNvPicPr>
+            <a:picLocks noChangeAspect="1"/>
+          </p:cNvPicPr>
+          <p:nvPr/>
+        </p:nvPicPr>
+        <p:blipFill>
+          <a:blip r:embed="rId7"/>
+          <a:stretch>
+            <a:fillRect/>
+          </a:stretch>
+        </p:blipFill>
+        <p:spPr>
+          <a:xfrm>
+            <a:off x="253443" y="4256312"/>
+            <a:ext cx="5723287" cy="855325"/>
+          </a:xfrm>
+          <a:prstGeom prst="rect">
+            <a:avLst/>
+          </a:prstGeom>
+        </p:spPr>
+      </p:pic>
+      <p:sp>
+        <p:nvSpPr>
+          <p:cNvPr id="7" name="TextBox 6">
+            <a:extLst>
+              <a:ext uri="{FF2B5EF4-FFF2-40B4-BE49-F238E27FC236}">
+                <a16:creationId xmlns:a16="http://schemas.microsoft.com/office/drawing/2014/main" id="{48B8D263-00D5-D5E5-0502-5733DFDABE89}"/>
+              </a:ext>
+            </a:extLst>
+          </p:cNvPr>
+          <p:cNvSpPr txBox="1"/>
+          <p:nvPr/>
+        </p:nvSpPr>
+        <p:spPr>
+          <a:xfrm>
+            <a:off x="6096000" y="4187210"/>
+            <a:ext cx="2847619" cy="2308324"/>
+          </a:xfrm>
+          <a:prstGeom prst="rect">
+            <a:avLst/>
+          </a:prstGeom>
+          <a:noFill/>
+        </p:spPr>
+        <p:txBody>
+          <a:bodyPr wrap="square" rtlCol="0">
+            <a:spAutoFit/>
+          </a:bodyPr>
+          <a:lstStyle/>
+          <a:p>
+            <a:r>
+              <a:rPr lang="en-US" sz="2400" dirty="0"/>
+              <a:t>PhD committee:</a:t>
+            </a:r>
+          </a:p>
+          <a:p>
+            <a:r>
+              <a:rPr lang="en-US" sz="2400" dirty="0"/>
+              <a:t>Prof. Dean Adams</a:t>
+            </a:r>
+          </a:p>
+          <a:p>
+            <a:r>
+              <a:rPr lang="en-US" sz="2400" dirty="0"/>
+              <a:t>Prof. </a:t>
+            </a:r>
+            <a:r>
+              <a:rPr lang="en-US" sz="2400" dirty="0" err="1"/>
+              <a:t>Haldre</a:t>
+            </a:r>
+            <a:r>
+              <a:rPr lang="en-US" sz="2400" dirty="0"/>
+              <a:t> Rogers</a:t>
+            </a:r>
+          </a:p>
+          <a:p>
+            <a:r>
+              <a:rPr lang="en-US" sz="2400" dirty="0"/>
+              <a:t>Prof. Jeanne Serb</a:t>
+            </a:r>
+          </a:p>
+          <a:p>
+            <a:r>
+              <a:rPr lang="en-US" sz="2400" dirty="0"/>
+              <a:t>Prof. Graham Slater</a:t>
+            </a:r>
+          </a:p>
+          <a:p>
+            <a:endParaRPr lang="en-US" sz="2400" dirty="0"/>
+          </a:p>
+        </p:txBody>
+      </p:sp>
+      <p:sp>
+        <p:nvSpPr>
+          <p:cNvPr id="8" name="TextBox 7">
+            <a:extLst>
+              <a:ext uri="{FF2B5EF4-FFF2-40B4-BE49-F238E27FC236}">
+                <a16:creationId xmlns:a16="http://schemas.microsoft.com/office/drawing/2014/main" id="{37EF05DE-A64A-43C6-7714-79C190ED029C}"/>
+              </a:ext>
+            </a:extLst>
+          </p:cNvPr>
+          <p:cNvSpPr txBox="1"/>
+          <p:nvPr/>
+        </p:nvSpPr>
+        <p:spPr>
+          <a:xfrm>
+            <a:off x="9027992" y="4187210"/>
+            <a:ext cx="3164008" cy="2308324"/>
+          </a:xfrm>
+          <a:prstGeom prst="rect">
+            <a:avLst/>
+          </a:prstGeom>
+          <a:noFill/>
+        </p:spPr>
+        <p:txBody>
+          <a:bodyPr wrap="none" rtlCol="0">
+            <a:spAutoFit/>
+          </a:bodyPr>
+          <a:lstStyle/>
+          <a:p>
+            <a:r>
+              <a:rPr lang="en-US" sz="2400" dirty="0"/>
+              <a:t>Other collaborators:</a:t>
+            </a:r>
+          </a:p>
+          <a:p>
+            <a:r>
+              <a:rPr lang="en-US" sz="2400" dirty="0"/>
+              <a:t>Dr. </a:t>
+            </a:r>
+            <a:r>
+              <a:rPr lang="en-US" sz="2400" dirty="0" err="1"/>
+              <a:t>Joëlle</a:t>
+            </a:r>
+            <a:r>
+              <a:rPr lang="en-US" sz="2400" dirty="0"/>
+              <a:t> </a:t>
+            </a:r>
+            <a:r>
+              <a:rPr lang="en-US" sz="2400" dirty="0" err="1"/>
+              <a:t>Barido-Sottani</a:t>
+            </a:r>
+            <a:endParaRPr lang="en-US" sz="2400" dirty="0"/>
+          </a:p>
+          <a:p>
+            <a:r>
+              <a:rPr lang="en-US" sz="2400" dirty="0"/>
+              <a:t>Dr. Walker </a:t>
+            </a:r>
+            <a:r>
+              <a:rPr lang="en-US" sz="2400" dirty="0" err="1"/>
+              <a:t>Pett</a:t>
+            </a:r>
+            <a:endParaRPr lang="en-US" sz="2400" dirty="0"/>
+          </a:p>
+          <a:p>
+            <a:r>
+              <a:rPr lang="en-US" sz="2400" dirty="0"/>
+              <a:t>Dr. Jordan </a:t>
+            </a:r>
+            <a:r>
+              <a:rPr lang="en-US" sz="2400" dirty="0" err="1"/>
+              <a:t>Satler</a:t>
+            </a:r>
+            <a:endParaRPr lang="en-US" sz="2400" dirty="0"/>
+          </a:p>
+          <a:p>
+            <a:r>
+              <a:rPr lang="en-US" sz="2400" dirty="0"/>
+              <a:t>Prof. Tiago </a:t>
+            </a:r>
+            <a:r>
+              <a:rPr lang="en-US" sz="2400" dirty="0" err="1"/>
+              <a:t>Quental</a:t>
+            </a:r>
+            <a:endParaRPr lang="en-US" sz="2400" dirty="0"/>
+          </a:p>
+          <a:p>
+            <a:r>
+              <a:rPr lang="en-US" sz="2400" dirty="0"/>
+              <a:t>Matheus </a:t>
+            </a:r>
+            <a:r>
+              <a:rPr lang="en-US" sz="2400" dirty="0" err="1"/>
+              <a:t>Januário</a:t>
+            </a:r>
+            <a:endParaRPr lang="en-US" sz="2400" dirty="0"/>
           </a:p>
         </p:txBody>
       </p:sp>
@@ -3907,28 +6489,228 @@
           </a:p>
         </p:txBody>
       </p:sp>
-      <p:sp>
-        <p:nvSpPr>
-          <p:cNvPr id="3" name="Content Placeholder 2">
-            <a:extLst>
-              <a:ext uri="{FF2B5EF4-FFF2-40B4-BE49-F238E27FC236}">
-                <a16:creationId xmlns:a16="http://schemas.microsoft.com/office/drawing/2014/main" id="{E0431054-7882-407E-AF0D-8784BBD77B73}"/>
-              </a:ext>
-            </a:extLst>
-          </p:cNvPr>
-          <p:cNvSpPr>
-            <a:spLocks noGrp="1"/>
-          </p:cNvSpPr>
-          <p:nvPr>
-            <p:ph idx="1"/>
-          </p:nvPr>
-        </p:nvSpPr>
-        <p:spPr/>
-        <p:txBody>
-          <a:bodyPr/>
-          <a:lstStyle/>
-          <a:p>
-            <a:endParaRPr lang="en-US"/>
+      <mc:AlternateContent xmlns:mc="http://schemas.openxmlformats.org/markup-compatibility/2006">
+        <mc:Choice xmlns:a14="http://schemas.microsoft.com/office/drawing/2010/main" Requires="a14">
+          <p:sp>
+            <p:nvSpPr>
+              <p:cNvPr id="3" name="Content Placeholder 2">
+                <a:extLst>
+                  <a:ext uri="{FF2B5EF4-FFF2-40B4-BE49-F238E27FC236}">
+                    <a16:creationId xmlns:a16="http://schemas.microsoft.com/office/drawing/2014/main" id="{E0431054-7882-407E-AF0D-8784BBD77B73}"/>
+                  </a:ext>
+                </a:extLst>
+              </p:cNvPr>
+              <p:cNvSpPr>
+                <a:spLocks noGrp="1"/>
+              </p:cNvSpPr>
+              <p:nvPr>
+                <p:ph idx="1"/>
+              </p:nvPr>
+            </p:nvSpPr>
+            <p:spPr>
+              <a:xfrm>
+                <a:off x="838200" y="1825625"/>
+                <a:ext cx="5823857" cy="4351338"/>
+              </a:xfrm>
+            </p:spPr>
+            <p:txBody>
+              <a:bodyPr/>
+              <a:lstStyle/>
+              <a:p>
+                <a:r>
+                  <a:rPr lang="en-US" dirty="0"/>
+                  <a:t>Species are born with rate </a:t>
+                </a:r>
+                <a14:m>
+                  <m:oMath xmlns:m="http://schemas.openxmlformats.org/officeDocument/2006/math">
+                    <m:r>
+                      <a:rPr lang="en-US" i="1" smtClean="0">
+                        <a:latin typeface="Cambria Math" panose="02040503050406030204" pitchFamily="18" charset="0"/>
+                        <a:ea typeface="Cambria Math" panose="02040503050406030204" pitchFamily="18" charset="0"/>
+                      </a:rPr>
+                      <m:t>𝜆</m:t>
+                    </m:r>
+                  </m:oMath>
+                </a14:m>
+                <a:r>
+                  <a:rPr lang="en-US" dirty="0"/>
+                  <a:t>, die with rate </a:t>
+                </a:r>
+                <a14:m>
+                  <m:oMath xmlns:m="http://schemas.openxmlformats.org/officeDocument/2006/math">
+                    <m:r>
+                      <a:rPr lang="en-US" i="1" smtClean="0">
+                        <a:latin typeface="Cambria Math" panose="02040503050406030204" pitchFamily="18" charset="0"/>
+                        <a:ea typeface="Cambria Math" panose="02040503050406030204" pitchFamily="18" charset="0"/>
+                      </a:rPr>
+                      <m:t>𝜇</m:t>
+                    </m:r>
+                  </m:oMath>
+                </a14:m>
+                <a:r>
+                  <a:rPr lang="en-US" dirty="0"/>
+                  <a:t>, and fossilize with rate </a:t>
+                </a:r>
+                <a14:m>
+                  <m:oMath xmlns:m="http://schemas.openxmlformats.org/officeDocument/2006/math">
+                    <m:r>
+                      <a:rPr lang="en-US" i="1" smtClean="0">
+                        <a:latin typeface="Cambria Math" panose="02040503050406030204" pitchFamily="18" charset="0"/>
+                        <a:ea typeface="Cambria Math" panose="02040503050406030204" pitchFamily="18" charset="0"/>
+                      </a:rPr>
+                      <m:t>𝜓</m:t>
+                    </m:r>
+                  </m:oMath>
+                </a14:m>
+                <a:endParaRPr lang="en-US" dirty="0"/>
+              </a:p>
+              <a:p>
+                <a:endParaRPr lang="en-US" dirty="0"/>
+              </a:p>
+              <a:p>
+                <a:r>
+                  <a:rPr lang="en-US" dirty="0"/>
+                  <a:t>Including fossils improves estimates of extinction rates</a:t>
+                </a:r>
+              </a:p>
+              <a:p>
+                <a:endParaRPr lang="en-US" dirty="0"/>
+              </a:p>
+              <a:p>
+                <a:r>
+                  <a:rPr lang="en-US" dirty="0"/>
+                  <a:t>Doesn’t allow by itself for lineage-specific rates</a:t>
+                </a:r>
+              </a:p>
+            </p:txBody>
+          </p:sp>
+        </mc:Choice>
+        <mc:Fallback>
+          <p:sp>
+            <p:nvSpPr>
+              <p:cNvPr id="3" name="Content Placeholder 2">
+                <a:extLst>
+                  <a:ext uri="{FF2B5EF4-FFF2-40B4-BE49-F238E27FC236}">
+                    <a16:creationId xmlns:a16="http://schemas.microsoft.com/office/drawing/2014/main" id="{E0431054-7882-407E-AF0D-8784BBD77B73}"/>
+                  </a:ext>
+                </a:extLst>
+              </p:cNvPr>
+              <p:cNvSpPr>
+                <a:spLocks noGrp="1" noRot="1" noChangeAspect="1" noMove="1" noResize="1" noEditPoints="1" noAdjustHandles="1" noChangeArrowheads="1" noChangeShapeType="1" noTextEdit="1"/>
+              </p:cNvSpPr>
+              <p:nvPr>
+                <p:ph idx="1"/>
+              </p:nvPr>
+            </p:nvSpPr>
+            <p:spPr>
+              <a:xfrm>
+                <a:off x="838200" y="1825625"/>
+                <a:ext cx="5823857" cy="4351338"/>
+              </a:xfrm>
+              <a:blipFill>
+                <a:blip r:embed="rId2"/>
+                <a:stretch>
+                  <a:fillRect l="-1961" t="-2326" r="-3050"/>
+                </a:stretch>
+              </a:blipFill>
+            </p:spPr>
+            <p:txBody>
+              <a:bodyPr/>
+              <a:lstStyle/>
+              <a:p>
+                <a:r>
+                  <a:rPr lang="en-US">
+                    <a:noFill/>
+                  </a:rPr>
+                  <a:t> </a:t>
+                </a:r>
+              </a:p>
+            </p:txBody>
+          </p:sp>
+        </mc:Fallback>
+      </mc:AlternateContent>
+      <p:pic>
+        <p:nvPicPr>
+          <p:cNvPr id="1026" name="Picture 2">
+            <a:extLst>
+              <a:ext uri="{FF2B5EF4-FFF2-40B4-BE49-F238E27FC236}">
+                <a16:creationId xmlns:a16="http://schemas.microsoft.com/office/drawing/2014/main" id="{456137CB-ABD7-A342-E56A-77C23D9BB07F}"/>
+              </a:ext>
+            </a:extLst>
+          </p:cNvPr>
+          <p:cNvPicPr>
+            <a:picLocks noChangeAspect="1" noChangeArrowheads="1"/>
+          </p:cNvPicPr>
+          <p:nvPr/>
+        </p:nvPicPr>
+        <p:blipFill>
+          <a:blip r:embed="rId3">
+            <a:extLst>
+              <a:ext uri="{28A0092B-C50C-407E-A947-70E740481C1C}">
+                <a14:useLocalDpi xmlns:a14="http://schemas.microsoft.com/office/drawing/2010/main" val="0"/>
+              </a:ext>
+            </a:extLst>
+          </a:blip>
+          <a:srcRect/>
+          <a:stretch>
+            <a:fillRect/>
+          </a:stretch>
+        </p:blipFill>
+        <p:spPr bwMode="auto">
+          <a:xfrm>
+            <a:off x="6875813" y="1872016"/>
+            <a:ext cx="4805198" cy="4304947"/>
+          </a:xfrm>
+          <a:prstGeom prst="rect">
+            <a:avLst/>
+          </a:prstGeom>
+          <a:noFill/>
+          <a:extLst>
+            <a:ext uri="{909E8E84-426E-40DD-AFC4-6F175D3DCCD1}">
+              <a14:hiddenFill xmlns:a14="http://schemas.microsoft.com/office/drawing/2010/main">
+                <a:solidFill>
+                  <a:srgbClr val="FFFFFF"/>
+                </a:solidFill>
+              </a14:hiddenFill>
+            </a:ext>
+          </a:extLst>
+        </p:spPr>
+      </p:pic>
+      <p:sp>
+        <p:nvSpPr>
+          <p:cNvPr id="4" name="TextBox 3">
+            <a:extLst>
+              <a:ext uri="{FF2B5EF4-FFF2-40B4-BE49-F238E27FC236}">
+                <a16:creationId xmlns:a16="http://schemas.microsoft.com/office/drawing/2014/main" id="{F92BC346-C9D9-CC2C-EB51-D650539E601D}"/>
+              </a:ext>
+            </a:extLst>
+          </p:cNvPr>
+          <p:cNvSpPr txBox="1"/>
+          <p:nvPr/>
+        </p:nvSpPr>
+        <p:spPr>
+          <a:xfrm>
+            <a:off x="7564582" y="6120615"/>
+            <a:ext cx="3999878" cy="369332"/>
+          </a:xfrm>
+          <a:prstGeom prst="rect">
+            <a:avLst/>
+          </a:prstGeom>
+          <a:noFill/>
+        </p:spPr>
+        <p:txBody>
+          <a:bodyPr wrap="none" rtlCol="0">
+            <a:spAutoFit/>
+          </a:bodyPr>
+          <a:lstStyle/>
+          <a:p>
+            <a:r>
+              <a:rPr lang="en-US" dirty="0">
+                <a:hlinkClick r:id="rId4"/>
+              </a:rPr>
+              <a:t>https://revbayes.github.io/tutorials/fbd/</a:t>
+            </a:r>
+            <a:endParaRPr lang="en-US" dirty="0"/>
           </a:p>
         </p:txBody>
       </p:sp>
@@ -3936,6 +6718,276 @@
     <p:extLst>
       <p:ext uri="{BB962C8B-B14F-4D97-AF65-F5344CB8AC3E}">
         <p14:creationId xmlns:p14="http://schemas.microsoft.com/office/powerpoint/2010/main" val="4011043297"/>
+      </p:ext>
+    </p:extLst>
+  </p:cSld>
+  <p:clrMapOvr>
+    <a:masterClrMapping/>
+  </p:clrMapOvr>
+</p:sld>
+</file>
+
+<file path=ppt/slides/slide20.xml><?xml version="1.0" encoding="utf-8"?>
+<p:sld xmlns:a="http://schemas.openxmlformats.org/drawingml/2006/main" xmlns:r="http://schemas.openxmlformats.org/officeDocument/2006/relationships" xmlns:p="http://schemas.openxmlformats.org/presentationml/2006/main">
+  <p:cSld>
+    <p:spTree>
+      <p:nvGrpSpPr>
+        <p:cNvPr id="1" name=""/>
+        <p:cNvGrpSpPr/>
+        <p:nvPr/>
+      </p:nvGrpSpPr>
+      <p:grpSpPr>
+        <a:xfrm>
+          <a:off x="0" y="0"/>
+          <a:ext cx="0" cy="0"/>
+          <a:chOff x="0" y="0"/>
+          <a:chExt cx="0" cy="0"/>
+        </a:xfrm>
+      </p:grpSpPr>
+      <p:pic>
+        <p:nvPicPr>
+          <p:cNvPr id="5" name="Picture 4">
+            <a:extLst>
+              <a:ext uri="{FF2B5EF4-FFF2-40B4-BE49-F238E27FC236}">
+                <a16:creationId xmlns:a16="http://schemas.microsoft.com/office/drawing/2014/main" id="{F644DF28-78B8-2FC8-7681-64C95C1278BF}"/>
+              </a:ext>
+            </a:extLst>
+          </p:cNvPr>
+          <p:cNvPicPr>
+            <a:picLocks noChangeAspect="1"/>
+          </p:cNvPicPr>
+          <p:nvPr/>
+        </p:nvPicPr>
+        <p:blipFill>
+          <a:blip r:embed="rId2"/>
+          <a:stretch>
+            <a:fillRect/>
+          </a:stretch>
+        </p:blipFill>
+        <p:spPr>
+          <a:xfrm>
+            <a:off x="2426528" y="913502"/>
+            <a:ext cx="7338943" cy="5030995"/>
+          </a:xfrm>
+          <a:prstGeom prst="rect">
+            <a:avLst/>
+          </a:prstGeom>
+        </p:spPr>
+      </p:pic>
+    </p:spTree>
+    <p:extLst>
+      <p:ext uri="{BB962C8B-B14F-4D97-AF65-F5344CB8AC3E}">
+        <p14:creationId xmlns:p14="http://schemas.microsoft.com/office/powerpoint/2010/main" val="2159158369"/>
+      </p:ext>
+    </p:extLst>
+  </p:cSld>
+  <p:clrMapOvr>
+    <a:masterClrMapping/>
+  </p:clrMapOvr>
+</p:sld>
+</file>
+
+<file path=ppt/slides/slide21.xml><?xml version="1.0" encoding="utf-8"?>
+<p:sld xmlns:a="http://schemas.openxmlformats.org/drawingml/2006/main" xmlns:r="http://schemas.openxmlformats.org/officeDocument/2006/relationships" xmlns:p="http://schemas.openxmlformats.org/presentationml/2006/main">
+  <p:cSld>
+    <p:spTree>
+      <p:nvGrpSpPr>
+        <p:cNvPr id="1" name=""/>
+        <p:cNvGrpSpPr/>
+        <p:nvPr/>
+      </p:nvGrpSpPr>
+      <p:grpSpPr>
+        <a:xfrm>
+          <a:off x="0" y="0"/>
+          <a:ext cx="0" cy="0"/>
+          <a:chOff x="0" y="0"/>
+          <a:chExt cx="0" cy="0"/>
+        </a:xfrm>
+      </p:grpSpPr>
+      <p:pic>
+        <p:nvPicPr>
+          <p:cNvPr id="3" name="Picture 2">
+            <a:extLst>
+              <a:ext uri="{FF2B5EF4-FFF2-40B4-BE49-F238E27FC236}">
+                <a16:creationId xmlns:a16="http://schemas.microsoft.com/office/drawing/2014/main" id="{36F7540D-0BB7-09E0-BF9B-6CCAD42DE3BF}"/>
+              </a:ext>
+            </a:extLst>
+          </p:cNvPr>
+          <p:cNvPicPr>
+            <a:picLocks noChangeAspect="1"/>
+          </p:cNvPicPr>
+          <p:nvPr/>
+        </p:nvPicPr>
+        <p:blipFill>
+          <a:blip r:embed="rId2"/>
+          <a:stretch>
+            <a:fillRect/>
+          </a:stretch>
+        </p:blipFill>
+        <p:spPr>
+          <a:xfrm>
+            <a:off x="2426528" y="913502"/>
+            <a:ext cx="7338943" cy="5030995"/>
+          </a:xfrm>
+          <a:prstGeom prst="rect">
+            <a:avLst/>
+          </a:prstGeom>
+        </p:spPr>
+      </p:pic>
+    </p:spTree>
+    <p:extLst>
+      <p:ext uri="{BB962C8B-B14F-4D97-AF65-F5344CB8AC3E}">
+        <p14:creationId xmlns:p14="http://schemas.microsoft.com/office/powerpoint/2010/main" val="4037416088"/>
+      </p:ext>
+    </p:extLst>
+  </p:cSld>
+  <p:clrMapOvr>
+    <a:masterClrMapping/>
+  </p:clrMapOvr>
+</p:sld>
+</file>
+
+<file path=ppt/slides/slide22.xml><?xml version="1.0" encoding="utf-8"?>
+<p:sld xmlns:a="http://schemas.openxmlformats.org/drawingml/2006/main" xmlns:r="http://schemas.openxmlformats.org/officeDocument/2006/relationships" xmlns:p="http://schemas.openxmlformats.org/presentationml/2006/main">
+  <p:cSld>
+    <p:spTree>
+      <p:nvGrpSpPr>
+        <p:cNvPr id="1" name=""/>
+        <p:cNvGrpSpPr/>
+        <p:nvPr/>
+      </p:nvGrpSpPr>
+      <p:grpSpPr>
+        <a:xfrm>
+          <a:off x="0" y="0"/>
+          <a:ext cx="0" cy="0"/>
+          <a:chOff x="0" y="0"/>
+          <a:chExt cx="0" cy="0"/>
+        </a:xfrm>
+      </p:grpSpPr>
+      <p:pic>
+        <p:nvPicPr>
+          <p:cNvPr id="4" name="Picture 3">
+            <a:extLst>
+              <a:ext uri="{FF2B5EF4-FFF2-40B4-BE49-F238E27FC236}">
+                <a16:creationId xmlns:a16="http://schemas.microsoft.com/office/drawing/2014/main" id="{B8229A5A-3659-4D63-595F-BAA5375DD9EE}"/>
+              </a:ext>
+            </a:extLst>
+          </p:cNvPr>
+          <p:cNvPicPr>
+            <a:picLocks noChangeAspect="1"/>
+          </p:cNvPicPr>
+          <p:nvPr/>
+        </p:nvPicPr>
+        <p:blipFill>
+          <a:blip r:embed="rId2"/>
+          <a:stretch>
+            <a:fillRect/>
+          </a:stretch>
+        </p:blipFill>
+        <p:spPr>
+          <a:xfrm>
+            <a:off x="2426528" y="913502"/>
+            <a:ext cx="7338943" cy="5030995"/>
+          </a:xfrm>
+          <a:prstGeom prst="rect">
+            <a:avLst/>
+          </a:prstGeom>
+        </p:spPr>
+      </p:pic>
+    </p:spTree>
+    <p:extLst>
+      <p:ext uri="{BB962C8B-B14F-4D97-AF65-F5344CB8AC3E}">
+        <p14:creationId xmlns:p14="http://schemas.microsoft.com/office/powerpoint/2010/main" val="29928223"/>
+      </p:ext>
+    </p:extLst>
+  </p:cSld>
+  <p:clrMapOvr>
+    <a:masterClrMapping/>
+  </p:clrMapOvr>
+</p:sld>
+</file>
+
+<file path=ppt/slides/slide23.xml><?xml version="1.0" encoding="utf-8"?>
+<p:sld xmlns:a="http://schemas.openxmlformats.org/drawingml/2006/main" xmlns:r="http://schemas.openxmlformats.org/officeDocument/2006/relationships" xmlns:p="http://schemas.openxmlformats.org/presentationml/2006/main">
+  <p:cSld>
+    <p:spTree>
+      <p:nvGrpSpPr>
+        <p:cNvPr id="1" name=""/>
+        <p:cNvGrpSpPr/>
+        <p:nvPr/>
+      </p:nvGrpSpPr>
+      <p:grpSpPr>
+        <a:xfrm>
+          <a:off x="0" y="0"/>
+          <a:ext cx="0" cy="0"/>
+          <a:chOff x="0" y="0"/>
+          <a:chExt cx="0" cy="0"/>
+        </a:xfrm>
+      </p:grpSpPr>
+      <p:pic>
+        <p:nvPicPr>
+          <p:cNvPr id="3" name="Picture 2">
+            <a:extLst>
+              <a:ext uri="{FF2B5EF4-FFF2-40B4-BE49-F238E27FC236}">
+                <a16:creationId xmlns:a16="http://schemas.microsoft.com/office/drawing/2014/main" id="{4A9B164D-9409-779B-B1AE-49F8E7793F97}"/>
+              </a:ext>
+            </a:extLst>
+          </p:cNvPr>
+          <p:cNvPicPr>
+            <a:picLocks noChangeAspect="1"/>
+          </p:cNvPicPr>
+          <p:nvPr/>
+        </p:nvPicPr>
+        <p:blipFill>
+          <a:blip r:embed="rId2"/>
+          <a:stretch>
+            <a:fillRect/>
+          </a:stretch>
+        </p:blipFill>
+        <p:spPr>
+          <a:xfrm>
+            <a:off x="2426529" y="913503"/>
+            <a:ext cx="7338942" cy="5030994"/>
+          </a:xfrm>
+          <a:prstGeom prst="rect">
+            <a:avLst/>
+          </a:prstGeom>
+        </p:spPr>
+      </p:pic>
+    </p:spTree>
+    <p:extLst>
+      <p:ext uri="{BB962C8B-B14F-4D97-AF65-F5344CB8AC3E}">
+        <p14:creationId xmlns:p14="http://schemas.microsoft.com/office/powerpoint/2010/main" val="3927947365"/>
+      </p:ext>
+    </p:extLst>
+  </p:cSld>
+  <p:clrMapOvr>
+    <a:masterClrMapping/>
+  </p:clrMapOvr>
+</p:sld>
+</file>
+
+<file path=ppt/slides/slide24.xml><?xml version="1.0" encoding="utf-8"?>
+<p:sld xmlns:a="http://schemas.openxmlformats.org/drawingml/2006/main" xmlns:r="http://schemas.openxmlformats.org/officeDocument/2006/relationships" xmlns:p="http://schemas.openxmlformats.org/presentationml/2006/main">
+  <p:cSld>
+    <p:spTree>
+      <p:nvGrpSpPr>
+        <p:cNvPr id="1" name=""/>
+        <p:cNvGrpSpPr/>
+        <p:nvPr/>
+      </p:nvGrpSpPr>
+      <p:grpSpPr>
+        <a:xfrm>
+          <a:off x="0" y="0"/>
+          <a:ext cx="0" cy="0"/>
+          <a:chOff x="0" y="0"/>
+          <a:chExt cx="0" cy="0"/>
+        </a:xfrm>
+      </p:grpSpPr>
+    </p:spTree>
+    <p:extLst>
+      <p:ext uri="{BB962C8B-B14F-4D97-AF65-F5344CB8AC3E}">
+        <p14:creationId xmlns:p14="http://schemas.microsoft.com/office/powerpoint/2010/main" val="3659664716"/>
       </p:ext>
     </p:extLst>
   </p:cSld>
@@ -3990,28 +7042,354 @@
           </a:p>
         </p:txBody>
       </p:sp>
-      <p:sp>
-        <p:nvSpPr>
-          <p:cNvPr id="3" name="Content Placeholder 2">
-            <a:extLst>
-              <a:ext uri="{FF2B5EF4-FFF2-40B4-BE49-F238E27FC236}">
-                <a16:creationId xmlns:a16="http://schemas.microsoft.com/office/drawing/2014/main" id="{475DDA16-E056-11C4-C165-670A52BEDD49}"/>
-              </a:ext>
-            </a:extLst>
-          </p:cNvPr>
-          <p:cNvSpPr>
-            <a:spLocks noGrp="1"/>
-          </p:cNvSpPr>
-          <p:nvPr>
-            <p:ph idx="1"/>
-          </p:nvPr>
-        </p:nvSpPr>
-        <p:spPr/>
-        <p:txBody>
-          <a:bodyPr/>
-          <a:lstStyle/>
-          <a:p>
-            <a:endParaRPr lang="en-US"/>
+      <mc:AlternateContent xmlns:mc="http://schemas.openxmlformats.org/markup-compatibility/2006">
+        <mc:Choice xmlns:a14="http://schemas.microsoft.com/office/drawing/2010/main" Requires="a14">
+          <p:sp>
+            <p:nvSpPr>
+              <p:cNvPr id="3" name="Content Placeholder 2">
+                <a:extLst>
+                  <a:ext uri="{FF2B5EF4-FFF2-40B4-BE49-F238E27FC236}">
+                    <a16:creationId xmlns:a16="http://schemas.microsoft.com/office/drawing/2014/main" id="{475DDA16-E056-11C4-C165-670A52BEDD49}"/>
+                  </a:ext>
+                </a:extLst>
+              </p:cNvPr>
+              <p:cNvSpPr>
+                <a:spLocks noGrp="1"/>
+              </p:cNvSpPr>
+              <p:nvPr>
+                <p:ph idx="1"/>
+              </p:nvPr>
+            </p:nvSpPr>
+            <p:spPr>
+              <a:xfrm>
+                <a:off x="5723906" y="1825625"/>
+                <a:ext cx="5629893" cy="4351338"/>
+              </a:xfrm>
+            </p:spPr>
+            <p:txBody>
+              <a:bodyPr/>
+              <a:lstStyle/>
+              <a:p>
+                <a:r>
+                  <a:rPr lang="en-US" dirty="0"/>
+                  <a:t>Lineage has rates </a:t>
+                </a:r>
+                <a14:m>
+                  <m:oMath xmlns:m="http://schemas.openxmlformats.org/officeDocument/2006/math">
+                    <m:sSub>
+                      <m:sSubPr>
+                        <m:ctrlPr>
+                          <a:rPr lang="pt-BR" b="0" i="1" smtClean="0">
+                            <a:latin typeface="Cambria Math" panose="02040503050406030204" pitchFamily="18" charset="0"/>
+                            <a:ea typeface="Cambria Math" panose="02040503050406030204" pitchFamily="18" charset="0"/>
+                          </a:rPr>
+                        </m:ctrlPr>
+                      </m:sSubPr>
+                      <m:e>
+                        <m:r>
+                          <a:rPr lang="pt-BR" b="0" i="1" smtClean="0">
+                            <a:latin typeface="Cambria Math" panose="02040503050406030204" pitchFamily="18" charset="0"/>
+                            <a:ea typeface="Cambria Math" panose="02040503050406030204" pitchFamily="18" charset="0"/>
+                          </a:rPr>
+                          <m:t>(</m:t>
+                        </m:r>
+                        <m:r>
+                          <a:rPr lang="pt-BR" i="1">
+                            <a:latin typeface="Cambria Math" panose="02040503050406030204" pitchFamily="18" charset="0"/>
+                            <a:ea typeface="Cambria Math" panose="02040503050406030204" pitchFamily="18" charset="0"/>
+                          </a:rPr>
+                          <m:t>𝜆</m:t>
+                        </m:r>
+                      </m:e>
+                      <m:sub>
+                        <m:r>
+                          <a:rPr lang="pt-BR" b="0" i="1" smtClean="0">
+                            <a:latin typeface="Cambria Math" panose="02040503050406030204" pitchFamily="18" charset="0"/>
+                            <a:ea typeface="Cambria Math" panose="02040503050406030204" pitchFamily="18" charset="0"/>
+                          </a:rPr>
+                          <m:t>0</m:t>
+                        </m:r>
+                      </m:sub>
+                    </m:sSub>
+                    <m:r>
+                      <a:rPr lang="pt-BR" b="0" i="1" smtClean="0">
+                        <a:latin typeface="Cambria Math" panose="02040503050406030204" pitchFamily="18" charset="0"/>
+                        <a:ea typeface="Cambria Math" panose="02040503050406030204" pitchFamily="18" charset="0"/>
+                      </a:rPr>
+                      <m:t>, </m:t>
+                    </m:r>
+                    <m:sSub>
+                      <m:sSubPr>
+                        <m:ctrlPr>
+                          <a:rPr lang="pt-BR" b="0" i="1" smtClean="0">
+                            <a:latin typeface="Cambria Math" panose="02040503050406030204" pitchFamily="18" charset="0"/>
+                            <a:ea typeface="Cambria Math" panose="02040503050406030204" pitchFamily="18" charset="0"/>
+                          </a:rPr>
+                        </m:ctrlPr>
+                      </m:sSubPr>
+                      <m:e>
+                        <m:r>
+                          <a:rPr lang="pt-BR" b="0" i="1" smtClean="0">
+                            <a:latin typeface="Cambria Math" panose="02040503050406030204" pitchFamily="18" charset="0"/>
+                            <a:ea typeface="Cambria Math" panose="02040503050406030204" pitchFamily="18" charset="0"/>
+                          </a:rPr>
+                          <m:t>𝜇</m:t>
+                        </m:r>
+                      </m:e>
+                      <m:sub>
+                        <m:r>
+                          <a:rPr lang="pt-BR" b="0" i="1" smtClean="0">
+                            <a:latin typeface="Cambria Math" panose="02040503050406030204" pitchFamily="18" charset="0"/>
+                            <a:ea typeface="Cambria Math" panose="02040503050406030204" pitchFamily="18" charset="0"/>
+                          </a:rPr>
+                          <m:t>0</m:t>
+                        </m:r>
+                      </m:sub>
+                    </m:sSub>
+                    <m:r>
+                      <a:rPr lang="pt-BR" b="0" i="1" smtClean="0">
+                        <a:latin typeface="Cambria Math" panose="02040503050406030204" pitchFamily="18" charset="0"/>
+                        <a:ea typeface="Cambria Math" panose="02040503050406030204" pitchFamily="18" charset="0"/>
+                      </a:rPr>
+                      <m:t>)</m:t>
+                    </m:r>
+                  </m:oMath>
+                </a14:m>
+                <a:r>
+                  <a:rPr lang="en-US" dirty="0"/>
+                  <a:t> or </a:t>
+                </a:r>
+                <a14:m>
+                  <m:oMath xmlns:m="http://schemas.openxmlformats.org/officeDocument/2006/math">
+                    <m:sSub>
+                      <m:sSubPr>
+                        <m:ctrlPr>
+                          <a:rPr lang="pt-BR" i="1">
+                            <a:latin typeface="Cambria Math" panose="02040503050406030204" pitchFamily="18" charset="0"/>
+                            <a:ea typeface="Cambria Math" panose="02040503050406030204" pitchFamily="18" charset="0"/>
+                          </a:rPr>
+                        </m:ctrlPr>
+                      </m:sSubPr>
+                      <m:e>
+                        <m:r>
+                          <a:rPr lang="pt-BR" i="1">
+                            <a:latin typeface="Cambria Math" panose="02040503050406030204" pitchFamily="18" charset="0"/>
+                            <a:ea typeface="Cambria Math" panose="02040503050406030204" pitchFamily="18" charset="0"/>
+                          </a:rPr>
+                          <m:t>(</m:t>
+                        </m:r>
+                        <m:r>
+                          <a:rPr lang="pt-BR" i="1">
+                            <a:latin typeface="Cambria Math" panose="02040503050406030204" pitchFamily="18" charset="0"/>
+                            <a:ea typeface="Cambria Math" panose="02040503050406030204" pitchFamily="18" charset="0"/>
+                          </a:rPr>
+                          <m:t>𝜆</m:t>
+                        </m:r>
+                      </m:e>
+                      <m:sub>
+                        <m:r>
+                          <a:rPr lang="pt-BR" b="0" i="1" smtClean="0">
+                            <a:latin typeface="Cambria Math" panose="02040503050406030204" pitchFamily="18" charset="0"/>
+                            <a:ea typeface="Cambria Math" panose="02040503050406030204" pitchFamily="18" charset="0"/>
+                          </a:rPr>
+                          <m:t>1</m:t>
+                        </m:r>
+                      </m:sub>
+                    </m:sSub>
+                    <m:r>
+                      <a:rPr lang="pt-BR" i="1">
+                        <a:latin typeface="Cambria Math" panose="02040503050406030204" pitchFamily="18" charset="0"/>
+                        <a:ea typeface="Cambria Math" panose="02040503050406030204" pitchFamily="18" charset="0"/>
+                      </a:rPr>
+                      <m:t>, </m:t>
+                    </m:r>
+                    <m:sSub>
+                      <m:sSubPr>
+                        <m:ctrlPr>
+                          <a:rPr lang="pt-BR" i="1">
+                            <a:latin typeface="Cambria Math" panose="02040503050406030204" pitchFamily="18" charset="0"/>
+                            <a:ea typeface="Cambria Math" panose="02040503050406030204" pitchFamily="18" charset="0"/>
+                          </a:rPr>
+                        </m:ctrlPr>
+                      </m:sSubPr>
+                      <m:e>
+                        <m:r>
+                          <a:rPr lang="pt-BR" i="1">
+                            <a:latin typeface="Cambria Math" panose="02040503050406030204" pitchFamily="18" charset="0"/>
+                            <a:ea typeface="Cambria Math" panose="02040503050406030204" pitchFamily="18" charset="0"/>
+                          </a:rPr>
+                          <m:t>𝜇</m:t>
+                        </m:r>
+                      </m:e>
+                      <m:sub>
+                        <m:r>
+                          <a:rPr lang="pt-BR" b="0" i="1" smtClean="0">
+                            <a:latin typeface="Cambria Math" panose="02040503050406030204" pitchFamily="18" charset="0"/>
+                            <a:ea typeface="Cambria Math" panose="02040503050406030204" pitchFamily="18" charset="0"/>
+                          </a:rPr>
+                          <m:t>1</m:t>
+                        </m:r>
+                      </m:sub>
+                    </m:sSub>
+                    <m:r>
+                      <a:rPr lang="pt-BR" i="1">
+                        <a:latin typeface="Cambria Math" panose="02040503050406030204" pitchFamily="18" charset="0"/>
+                        <a:ea typeface="Cambria Math" panose="02040503050406030204" pitchFamily="18" charset="0"/>
+                      </a:rPr>
+                      <m:t>)</m:t>
+                    </m:r>
+                  </m:oMath>
+                </a14:m>
+                <a:r>
+                  <a:rPr lang="en-US" dirty="0"/>
+                  <a:t> depending on a binary trait</a:t>
+                </a:r>
+              </a:p>
+              <a:p>
+                <a:endParaRPr lang="en-US" dirty="0"/>
+              </a:p>
+              <a:p>
+                <a:r>
+                  <a:rPr lang="en-US" dirty="0"/>
+                  <a:t>Good at estimating speciation, bad at extinction</a:t>
+                </a:r>
+              </a:p>
+              <a:p>
+                <a:endParaRPr lang="en-US" dirty="0"/>
+              </a:p>
+              <a:p>
+                <a:r>
+                  <a:rPr lang="en-US" dirty="0"/>
+                  <a:t>Frequently identifies a neutral trait as affecting rates</a:t>
+                </a:r>
+              </a:p>
+            </p:txBody>
+          </p:sp>
+        </mc:Choice>
+        <mc:Fallback>
+          <p:sp>
+            <p:nvSpPr>
+              <p:cNvPr id="3" name="Content Placeholder 2">
+                <a:extLst>
+                  <a:ext uri="{FF2B5EF4-FFF2-40B4-BE49-F238E27FC236}">
+                    <a16:creationId xmlns:a16="http://schemas.microsoft.com/office/drawing/2014/main" id="{475DDA16-E056-11C4-C165-670A52BEDD49}"/>
+                  </a:ext>
+                </a:extLst>
+              </p:cNvPr>
+              <p:cNvSpPr>
+                <a:spLocks noGrp="1" noRot="1" noChangeAspect="1" noMove="1" noResize="1" noEditPoints="1" noAdjustHandles="1" noChangeArrowheads="1" noChangeShapeType="1" noTextEdit="1"/>
+              </p:cNvSpPr>
+              <p:nvPr>
+                <p:ph idx="1"/>
+              </p:nvPr>
+            </p:nvSpPr>
+            <p:spPr>
+              <a:xfrm>
+                <a:off x="5723906" y="1825625"/>
+                <a:ext cx="5629893" cy="4351338"/>
+              </a:xfrm>
+              <a:blipFill>
+                <a:blip r:embed="rId3"/>
+                <a:stretch>
+                  <a:fillRect l="-1802" t="-2326" r="-676"/>
+                </a:stretch>
+              </a:blipFill>
+            </p:spPr>
+            <p:txBody>
+              <a:bodyPr/>
+              <a:lstStyle/>
+              <a:p>
+                <a:r>
+                  <a:rPr lang="en-US">
+                    <a:noFill/>
+                  </a:rPr>
+                  <a:t> </a:t>
+                </a:r>
+              </a:p>
+            </p:txBody>
+          </p:sp>
+        </mc:Fallback>
+      </mc:AlternateContent>
+      <p:pic>
+        <p:nvPicPr>
+          <p:cNvPr id="11" name="Picture 2">
+            <a:extLst>
+              <a:ext uri="{FF2B5EF4-FFF2-40B4-BE49-F238E27FC236}">
+                <a16:creationId xmlns:a16="http://schemas.microsoft.com/office/drawing/2014/main" id="{95387646-416E-ECF1-5B9A-454776526325}"/>
+              </a:ext>
+            </a:extLst>
+          </p:cNvPr>
+          <p:cNvPicPr>
+            <a:picLocks noChangeAspect="1" noChangeArrowheads="1"/>
+          </p:cNvPicPr>
+          <p:nvPr/>
+        </p:nvPicPr>
+        <p:blipFill rotWithShape="1">
+          <a:blip r:embed="rId4">
+            <a:extLst>
+              <a:ext uri="{28A0092B-C50C-407E-A947-70E740481C1C}">
+                <a14:useLocalDpi xmlns:a14="http://schemas.microsoft.com/office/drawing/2010/main" val="0"/>
+              </a:ext>
+            </a:extLst>
+          </a:blip>
+          <a:srcRect l="18589"/>
+          <a:stretch/>
+        </p:blipFill>
+        <p:spPr bwMode="auto">
+          <a:xfrm>
+            <a:off x="838200" y="1670166"/>
+            <a:ext cx="4484339" cy="4506797"/>
+          </a:xfrm>
+          <a:prstGeom prst="rect">
+            <a:avLst/>
+          </a:prstGeom>
+          <a:noFill/>
+          <a:extLst>
+            <a:ext uri="{909E8E84-426E-40DD-AFC4-6F175D3DCCD1}">
+              <a14:hiddenFill xmlns:a14="http://schemas.microsoft.com/office/drawing/2010/main">
+                <a:solidFill>
+                  <a:srgbClr val="FFFFFF"/>
+                </a:solidFill>
+              </a14:hiddenFill>
+            </a:ext>
+          </a:extLst>
+        </p:spPr>
+      </p:pic>
+      <p:sp>
+        <p:nvSpPr>
+          <p:cNvPr id="13" name="TextBox 12">
+            <a:extLst>
+              <a:ext uri="{FF2B5EF4-FFF2-40B4-BE49-F238E27FC236}">
+                <a16:creationId xmlns:a16="http://schemas.microsoft.com/office/drawing/2014/main" id="{76C6E56E-93AA-7F0B-9692-B27B14CF105E}"/>
+              </a:ext>
+            </a:extLst>
+          </p:cNvPr>
+          <p:cNvSpPr txBox="1"/>
+          <p:nvPr/>
+        </p:nvSpPr>
+        <p:spPr>
+          <a:xfrm>
+            <a:off x="566057" y="6099504"/>
+            <a:ext cx="6096000" cy="369332"/>
+          </a:xfrm>
+          <a:prstGeom prst="rect">
+            <a:avLst/>
+          </a:prstGeom>
+          <a:noFill/>
+        </p:spPr>
+        <p:txBody>
+          <a:bodyPr wrap="square">
+            <a:spAutoFit/>
+          </a:bodyPr>
+          <a:lstStyle/>
+          <a:p>
+            <a:r>
+              <a:rPr lang="en-US" dirty="0">
+                <a:hlinkClick r:id="rId5"/>
+              </a:rPr>
+              <a:t>https://revbayes.github.io/tutorials/sse/bisse-intro</a:t>
+            </a:r>
+            <a:endParaRPr lang="en-US" dirty="0"/>
           </a:p>
         </p:txBody>
       </p:sp>
@@ -4025,6 +7403,81 @@
   <p:clrMapOvr>
     <a:masterClrMapping/>
   </p:clrMapOvr>
+  <p:timing>
+    <p:tnLst>
+      <p:par>
+        <p:cTn id="1" dur="indefinite" restart="never" nodeType="tmRoot">
+          <p:childTnLst>
+            <p:seq concurrent="1" nextAc="seek">
+              <p:cTn id="2" dur="indefinite" nodeType="mainSeq">
+                <p:childTnLst>
+                  <p:par>
+                    <p:cTn id="3" fill="hold">
+                      <p:stCondLst>
+                        <p:cond delay="indefinite"/>
+                      </p:stCondLst>
+                      <p:childTnLst>
+                        <p:par>
+                          <p:cTn id="4" fill="hold">
+                            <p:stCondLst>
+                              <p:cond delay="0"/>
+                            </p:stCondLst>
+                            <p:childTnLst>
+                              <p:par>
+                                <p:cTn id="5" presetID="1" presetClass="entr" presetSubtype="0" fill="hold" nodeType="clickEffect">
+                                  <p:stCondLst>
+                                    <p:cond delay="0"/>
+                                  </p:stCondLst>
+                                  <p:childTnLst>
+                                    <p:set>
+                                      <p:cBhvr>
+                                        <p:cTn id="6" dur="1" fill="hold">
+                                          <p:stCondLst>
+                                            <p:cond delay="0"/>
+                                          </p:stCondLst>
+                                        </p:cTn>
+                                        <p:tgtEl>
+                                          <p:spTgt spid="11"/>
+                                        </p:tgtEl>
+                                        <p:attrNameLst>
+                                          <p:attrName>style.visibility</p:attrName>
+                                        </p:attrNameLst>
+                                      </p:cBhvr>
+                                      <p:to>
+                                        <p:strVal val="visible"/>
+                                      </p:to>
+                                    </p:set>
+                                  </p:childTnLst>
+                                </p:cTn>
+                              </p:par>
+                            </p:childTnLst>
+                          </p:cTn>
+                        </p:par>
+                      </p:childTnLst>
+                    </p:cTn>
+                  </p:par>
+                </p:childTnLst>
+              </p:cTn>
+              <p:prevCondLst>
+                <p:cond evt="onPrev" delay="0">
+                  <p:tgtEl>
+                    <p:sldTgt/>
+                  </p:tgtEl>
+                </p:cond>
+              </p:prevCondLst>
+              <p:nextCondLst>
+                <p:cond evt="onNext" delay="0">
+                  <p:tgtEl>
+                    <p:sldTgt/>
+                  </p:tgtEl>
+                </p:cond>
+              </p:nextCondLst>
+            </p:seq>
+          </p:childTnLst>
+        </p:cTn>
+      </p:par>
+    </p:tnLst>
+  </p:timing>
 </p:sld>
 </file>
 
@@ -4061,14 +7514,27 @@
             <p:ph type="title"/>
           </p:nvPr>
         </p:nvSpPr>
-        <p:spPr/>
+        <p:spPr>
+          <a:xfrm>
+            <a:off x="838199" y="365125"/>
+            <a:ext cx="11078029" cy="1325563"/>
+          </a:xfrm>
+        </p:spPr>
         <p:txBody>
           <a:bodyPr/>
           <a:lstStyle/>
           <a:p>
             <a:r>
               <a:rPr lang="en-US" dirty="0"/>
-              <a:t>Research goals</a:t>
+              <a:t>Research questions: for </a:t>
+            </a:r>
+            <a:r>
+              <a:rPr lang="en-US" dirty="0" err="1"/>
+              <a:t>BiSSE</a:t>
+            </a:r>
+            <a:r>
+              <a:rPr lang="en-US" dirty="0"/>
+              <a:t>, does fossil data…</a:t>
             </a:r>
           </a:p>
         </p:txBody>
@@ -4089,12 +7555,109 @@
             <p:ph idx="1"/>
           </p:nvPr>
         </p:nvSpPr>
-        <p:spPr/>
+        <p:spPr>
+          <a:xfrm>
+            <a:off x="838198" y="2377168"/>
+            <a:ext cx="4673599" cy="2891518"/>
+          </a:xfrm>
+        </p:spPr>
         <p:txBody>
           <a:bodyPr/>
           <a:lstStyle/>
           <a:p>
-            <a:endParaRPr lang="en-US"/>
+            <a:r>
+              <a:rPr lang="en-US" dirty="0"/>
+              <a:t>…improve extinction rate estimates?</a:t>
+            </a:r>
+          </a:p>
+          <a:p>
+            <a:endParaRPr lang="en-US" dirty="0"/>
+          </a:p>
+          <a:p>
+            <a:r>
+              <a:rPr lang="en-US" dirty="0"/>
+              <a:t>…lower the rate of false positives?</a:t>
+            </a:r>
+          </a:p>
+        </p:txBody>
+      </p:sp>
+      <p:pic>
+        <p:nvPicPr>
+          <p:cNvPr id="3078" name="Picture 6">
+            <a:extLst>
+              <a:ext uri="{FF2B5EF4-FFF2-40B4-BE49-F238E27FC236}">
+                <a16:creationId xmlns:a16="http://schemas.microsoft.com/office/drawing/2014/main" id="{2E457A7D-73E6-5012-F5CF-2DBBDA702052}"/>
+              </a:ext>
+            </a:extLst>
+          </p:cNvPr>
+          <p:cNvPicPr>
+            <a:picLocks noChangeAspect="1" noChangeArrowheads="1"/>
+          </p:cNvPicPr>
+          <p:nvPr/>
+        </p:nvPicPr>
+        <p:blipFill rotWithShape="1">
+          <a:blip r:embed="rId3">
+            <a:extLst>
+              <a:ext uri="{28A0092B-C50C-407E-A947-70E740481C1C}">
+                <a14:useLocalDpi xmlns:a14="http://schemas.microsoft.com/office/drawing/2010/main" val="0"/>
+              </a:ext>
+            </a:extLst>
+          </a:blip>
+          <a:srcRect l="51087" t="3668" b="48173"/>
+          <a:stretch/>
+        </p:blipFill>
+        <p:spPr bwMode="auto">
+          <a:xfrm>
+            <a:off x="5936343" y="1349855"/>
+            <a:ext cx="4673600" cy="4720620"/>
+          </a:xfrm>
+          <a:prstGeom prst="rect">
+            <a:avLst/>
+          </a:prstGeom>
+          <a:noFill/>
+          <a:extLst>
+            <a:ext uri="{909E8E84-426E-40DD-AFC4-6F175D3DCCD1}">
+              <a14:hiddenFill xmlns:a14="http://schemas.microsoft.com/office/drawing/2010/main">
+                <a:solidFill>
+                  <a:srgbClr val="FFFFFF"/>
+                </a:solidFill>
+              </a14:hiddenFill>
+            </a:ext>
+          </a:extLst>
+        </p:spPr>
+      </p:pic>
+      <p:sp>
+        <p:nvSpPr>
+          <p:cNvPr id="10" name="TextBox 9">
+            <a:extLst>
+              <a:ext uri="{FF2B5EF4-FFF2-40B4-BE49-F238E27FC236}">
+                <a16:creationId xmlns:a16="http://schemas.microsoft.com/office/drawing/2014/main" id="{DFEE63FA-A0B5-5541-3E1B-4DC11C5FF1AF}"/>
+              </a:ext>
+            </a:extLst>
+          </p:cNvPr>
+          <p:cNvSpPr txBox="1"/>
+          <p:nvPr/>
+        </p:nvSpPr>
+        <p:spPr>
+          <a:xfrm>
+            <a:off x="7066455" y="6070475"/>
+            <a:ext cx="2797754" cy="369332"/>
+          </a:xfrm>
+          <a:prstGeom prst="rect">
+            <a:avLst/>
+          </a:prstGeom>
+          <a:noFill/>
+        </p:spPr>
+        <p:txBody>
+          <a:bodyPr wrap="none" rtlCol="0">
+            <a:spAutoFit/>
+          </a:bodyPr>
+          <a:lstStyle/>
+          <a:p>
+            <a:r>
+              <a:rPr lang="en-US" dirty="0"/>
+              <a:t>Figure 4b in Maddison 2007</a:t>
+            </a:r>
           </a:p>
         </p:txBody>
       </p:sp>
@@ -4133,7 +7696,7 @@
           <p:cNvPr id="2" name="Title 1">
             <a:extLst>
               <a:ext uri="{FF2B5EF4-FFF2-40B4-BE49-F238E27FC236}">
-                <a16:creationId xmlns:a16="http://schemas.microsoft.com/office/drawing/2014/main" id="{2C4E137A-1485-DF5A-946F-2CF5F0233026}"/>
+                <a16:creationId xmlns:a16="http://schemas.microsoft.com/office/drawing/2014/main" id="{D5908A73-7489-EFC9-2D65-78AC3EED5B9D}"/>
               </a:ext>
             </a:extLst>
           </p:cNvPr>
@@ -4151,45 +7714,287 @@
           <a:p>
             <a:r>
               <a:rPr lang="en-US" dirty="0"/>
-              <a:t>Simulation: </a:t>
-            </a:r>
-            <a:r>
-              <a:rPr lang="en-US" dirty="0" err="1"/>
-              <a:t>paleobuddy</a:t>
-            </a:r>
+              <a:t>Simulation</a:t>
+            </a:r>
+          </a:p>
+        </p:txBody>
+      </p:sp>
+      <p:pic>
+        <p:nvPicPr>
+          <p:cNvPr id="5" name="Content Placeholder 4">
+            <a:extLst>
+              <a:ext uri="{FF2B5EF4-FFF2-40B4-BE49-F238E27FC236}">
+                <a16:creationId xmlns:a16="http://schemas.microsoft.com/office/drawing/2014/main" id="{E3917E78-08FF-2012-0752-4D6DFF9F4539}"/>
+              </a:ext>
+            </a:extLst>
+          </p:cNvPr>
+          <p:cNvPicPr>
+            <a:picLocks noGrp="1" noChangeAspect="1"/>
+          </p:cNvPicPr>
+          <p:nvPr>
+            <p:ph idx="1"/>
+          </p:nvPr>
+        </p:nvPicPr>
+        <p:blipFill rotWithShape="1">
+          <a:blip r:embed="rId3"/>
+          <a:srcRect l="9770" t="4410" r="42420" b="60234"/>
+          <a:stretch/>
+        </p:blipFill>
+        <p:spPr>
+          <a:xfrm>
+            <a:off x="5762172" y="791028"/>
+            <a:ext cx="6040681" cy="3904343"/>
+          </a:xfrm>
+        </p:spPr>
+      </p:pic>
+      <p:sp>
+        <p:nvSpPr>
+          <p:cNvPr id="7" name="Content Placeholder 2">
+            <a:extLst>
+              <a:ext uri="{FF2B5EF4-FFF2-40B4-BE49-F238E27FC236}">
+                <a16:creationId xmlns:a16="http://schemas.microsoft.com/office/drawing/2014/main" id="{3A953E7D-F114-B168-3429-F227D02F3074}"/>
+              </a:ext>
+            </a:extLst>
+          </p:cNvPr>
+          <p:cNvSpPr txBox="1">
+            <a:spLocks/>
+          </p:cNvSpPr>
+          <p:nvPr/>
+        </p:nvSpPr>
+        <p:spPr>
+          <a:xfrm>
+            <a:off x="838201" y="1825625"/>
+            <a:ext cx="5054600" cy="4351338"/>
+          </a:xfrm>
+          <a:prstGeom prst="rect">
+            <a:avLst/>
+          </a:prstGeom>
+        </p:spPr>
+        <p:txBody>
+          <a:bodyPr vert="horz" lIns="91440" tIns="45720" rIns="91440" bIns="45720" rtlCol="0">
+            <a:normAutofit/>
+          </a:bodyPr>
+          <a:lstStyle>
+            <a:lvl1pPr marL="228600" indent="-228600" algn="l" defTabSz="914400" rtl="0" eaLnBrk="1" latinLnBrk="0" hangingPunct="1">
+              <a:lnSpc>
+                <a:spcPct val="90000"/>
+              </a:lnSpc>
+              <a:spcBef>
+                <a:spcPts val="1000"/>
+              </a:spcBef>
+              <a:buFont typeface="Arial" panose="020B0604020202020204" pitchFamily="34" charset="0"/>
+              <a:buChar char="•"/>
+              <a:defRPr sz="2800" kern="1200">
+                <a:solidFill>
+                  <a:schemeClr val="tx1"/>
+                </a:solidFill>
+                <a:latin typeface="+mn-lt"/>
+                <a:ea typeface="+mn-ea"/>
+                <a:cs typeface="+mn-cs"/>
+              </a:defRPr>
+            </a:lvl1pPr>
+            <a:lvl2pPr marL="685800" indent="-228600" algn="l" defTabSz="914400" rtl="0" eaLnBrk="1" latinLnBrk="0" hangingPunct="1">
+              <a:lnSpc>
+                <a:spcPct val="90000"/>
+              </a:lnSpc>
+              <a:spcBef>
+                <a:spcPts val="500"/>
+              </a:spcBef>
+              <a:buFont typeface="Arial" panose="020B0604020202020204" pitchFamily="34" charset="0"/>
+              <a:buChar char="•"/>
+              <a:defRPr sz="2400" kern="1200">
+                <a:solidFill>
+                  <a:schemeClr val="tx1"/>
+                </a:solidFill>
+                <a:latin typeface="+mn-lt"/>
+                <a:ea typeface="+mn-ea"/>
+                <a:cs typeface="+mn-cs"/>
+              </a:defRPr>
+            </a:lvl2pPr>
+            <a:lvl3pPr marL="1143000" indent="-228600" algn="l" defTabSz="914400" rtl="0" eaLnBrk="1" latinLnBrk="0" hangingPunct="1">
+              <a:lnSpc>
+                <a:spcPct val="90000"/>
+              </a:lnSpc>
+              <a:spcBef>
+                <a:spcPts val="500"/>
+              </a:spcBef>
+              <a:buFont typeface="Arial" panose="020B0604020202020204" pitchFamily="34" charset="0"/>
+              <a:buChar char="•"/>
+              <a:defRPr sz="2000" kern="1200">
+                <a:solidFill>
+                  <a:schemeClr val="tx1"/>
+                </a:solidFill>
+                <a:latin typeface="+mn-lt"/>
+                <a:ea typeface="+mn-ea"/>
+                <a:cs typeface="+mn-cs"/>
+              </a:defRPr>
+            </a:lvl3pPr>
+            <a:lvl4pPr marL="1600200" indent="-228600" algn="l" defTabSz="914400" rtl="0" eaLnBrk="1" latinLnBrk="0" hangingPunct="1">
+              <a:lnSpc>
+                <a:spcPct val="90000"/>
+              </a:lnSpc>
+              <a:spcBef>
+                <a:spcPts val="500"/>
+              </a:spcBef>
+              <a:buFont typeface="Arial" panose="020B0604020202020204" pitchFamily="34" charset="0"/>
+              <a:buChar char="•"/>
+              <a:defRPr sz="1800" kern="1200">
+                <a:solidFill>
+                  <a:schemeClr val="tx1"/>
+                </a:solidFill>
+                <a:latin typeface="+mn-lt"/>
+                <a:ea typeface="+mn-ea"/>
+                <a:cs typeface="+mn-cs"/>
+              </a:defRPr>
+            </a:lvl4pPr>
+            <a:lvl5pPr marL="2057400" indent="-228600" algn="l" defTabSz="914400" rtl="0" eaLnBrk="1" latinLnBrk="0" hangingPunct="1">
+              <a:lnSpc>
+                <a:spcPct val="90000"/>
+              </a:lnSpc>
+              <a:spcBef>
+                <a:spcPts val="500"/>
+              </a:spcBef>
+              <a:buFont typeface="Arial" panose="020B0604020202020204" pitchFamily="34" charset="0"/>
+              <a:buChar char="•"/>
+              <a:defRPr sz="1800" kern="1200">
+                <a:solidFill>
+                  <a:schemeClr val="tx1"/>
+                </a:solidFill>
+                <a:latin typeface="+mn-lt"/>
+                <a:ea typeface="+mn-ea"/>
+                <a:cs typeface="+mn-cs"/>
+              </a:defRPr>
+            </a:lvl5pPr>
+            <a:lvl6pPr marL="2514600" indent="-228600" algn="l" defTabSz="914400" rtl="0" eaLnBrk="1" latinLnBrk="0" hangingPunct="1">
+              <a:lnSpc>
+                <a:spcPct val="90000"/>
+              </a:lnSpc>
+              <a:spcBef>
+                <a:spcPts val="500"/>
+              </a:spcBef>
+              <a:buFont typeface="Arial" panose="020B0604020202020204" pitchFamily="34" charset="0"/>
+              <a:buChar char="•"/>
+              <a:defRPr sz="1800" kern="1200">
+                <a:solidFill>
+                  <a:schemeClr val="tx1"/>
+                </a:solidFill>
+                <a:latin typeface="+mn-lt"/>
+                <a:ea typeface="+mn-ea"/>
+                <a:cs typeface="+mn-cs"/>
+              </a:defRPr>
+            </a:lvl6pPr>
+            <a:lvl7pPr marL="2971800" indent="-228600" algn="l" defTabSz="914400" rtl="0" eaLnBrk="1" latinLnBrk="0" hangingPunct="1">
+              <a:lnSpc>
+                <a:spcPct val="90000"/>
+              </a:lnSpc>
+              <a:spcBef>
+                <a:spcPts val="500"/>
+              </a:spcBef>
+              <a:buFont typeface="Arial" panose="020B0604020202020204" pitchFamily="34" charset="0"/>
+              <a:buChar char="•"/>
+              <a:defRPr sz="1800" kern="1200">
+                <a:solidFill>
+                  <a:schemeClr val="tx1"/>
+                </a:solidFill>
+                <a:latin typeface="+mn-lt"/>
+                <a:ea typeface="+mn-ea"/>
+                <a:cs typeface="+mn-cs"/>
+              </a:defRPr>
+            </a:lvl7pPr>
+            <a:lvl8pPr marL="3429000" indent="-228600" algn="l" defTabSz="914400" rtl="0" eaLnBrk="1" latinLnBrk="0" hangingPunct="1">
+              <a:lnSpc>
+                <a:spcPct val="90000"/>
+              </a:lnSpc>
+              <a:spcBef>
+                <a:spcPts val="500"/>
+              </a:spcBef>
+              <a:buFont typeface="Arial" panose="020B0604020202020204" pitchFamily="34" charset="0"/>
+              <a:buChar char="•"/>
+              <a:defRPr sz="1800" kern="1200">
+                <a:solidFill>
+                  <a:schemeClr val="tx1"/>
+                </a:solidFill>
+                <a:latin typeface="+mn-lt"/>
+                <a:ea typeface="+mn-ea"/>
+                <a:cs typeface="+mn-cs"/>
+              </a:defRPr>
+            </a:lvl8pPr>
+            <a:lvl9pPr marL="3886200" indent="-228600" algn="l" defTabSz="914400" rtl="0" eaLnBrk="1" latinLnBrk="0" hangingPunct="1">
+              <a:lnSpc>
+                <a:spcPct val="90000"/>
+              </a:lnSpc>
+              <a:spcBef>
+                <a:spcPts val="500"/>
+              </a:spcBef>
+              <a:buFont typeface="Arial" panose="020B0604020202020204" pitchFamily="34" charset="0"/>
+              <a:buChar char="•"/>
+              <a:defRPr sz="1800" kern="1200">
+                <a:solidFill>
+                  <a:schemeClr val="tx1"/>
+                </a:solidFill>
+                <a:latin typeface="+mn-lt"/>
+                <a:ea typeface="+mn-ea"/>
+                <a:cs typeface="+mn-cs"/>
+              </a:defRPr>
+            </a:lvl9pPr>
+          </a:lstStyle>
+          <a:p>
+            <a:r>
+              <a:rPr lang="en-US" dirty="0"/>
+              <a:t>100 trees, 100 extant tips each</a:t>
+            </a:r>
+          </a:p>
+          <a:p>
             <a:endParaRPr lang="en-US" dirty="0"/>
           </a:p>
-        </p:txBody>
-      </p:sp>
-      <p:sp>
-        <p:nvSpPr>
-          <p:cNvPr id="3" name="Content Placeholder 2">
-            <a:extLst>
-              <a:ext uri="{FF2B5EF4-FFF2-40B4-BE49-F238E27FC236}">
-                <a16:creationId xmlns:a16="http://schemas.microsoft.com/office/drawing/2014/main" id="{8E751B94-AB85-869F-CF1A-978914209DD7}"/>
-              </a:ext>
-            </a:extLst>
-          </p:cNvPr>
-          <p:cNvSpPr>
-            <a:spLocks noGrp="1"/>
-          </p:cNvSpPr>
-          <p:nvPr>
-            <p:ph idx="1"/>
-          </p:nvPr>
-        </p:nvSpPr>
-        <p:spPr/>
-        <p:txBody>
-          <a:bodyPr/>
-          <a:lstStyle/>
-          <a:p>
-            <a:endParaRPr lang="en-US"/>
-          </a:p>
-        </p:txBody>
-      </p:sp>
+          <a:p>
+            <a:r>
+              <a:rPr lang="en-US" dirty="0"/>
+              <a:t>Keep track of which fossils are sampled ancestors and which are tips</a:t>
+            </a:r>
+          </a:p>
+          <a:p>
+            <a:endParaRPr lang="en-US" dirty="0"/>
+          </a:p>
+          <a:p>
+            <a:endParaRPr lang="en-US" dirty="0"/>
+          </a:p>
+        </p:txBody>
+      </p:sp>
+      <p:pic>
+        <p:nvPicPr>
+          <p:cNvPr id="9" name="Picture 8">
+            <a:extLst>
+              <a:ext uri="{FF2B5EF4-FFF2-40B4-BE49-F238E27FC236}">
+                <a16:creationId xmlns:a16="http://schemas.microsoft.com/office/drawing/2014/main" id="{A13C2DFF-B620-4EB4-D523-780979DF635E}"/>
+              </a:ext>
+            </a:extLst>
+          </p:cNvPr>
+          <p:cNvPicPr>
+            <a:picLocks noChangeAspect="1"/>
+          </p:cNvPicPr>
+          <p:nvPr/>
+        </p:nvPicPr>
+        <p:blipFill>
+          <a:blip r:embed="rId4"/>
+          <a:stretch>
+            <a:fillRect/>
+          </a:stretch>
+        </p:blipFill>
+        <p:spPr>
+          <a:xfrm>
+            <a:off x="972459" y="4830308"/>
+            <a:ext cx="7518400" cy="1371600"/>
+          </a:xfrm>
+          <a:prstGeom prst="rect">
+            <a:avLst/>
+          </a:prstGeom>
+        </p:spPr>
+      </p:pic>
     </p:spTree>
     <p:extLst>
       <p:ext uri="{BB962C8B-B14F-4D97-AF65-F5344CB8AC3E}">
-        <p14:creationId xmlns:p14="http://schemas.microsoft.com/office/powerpoint/2010/main" val="3904530626"/>
+        <p14:creationId xmlns:p14="http://schemas.microsoft.com/office/powerpoint/2010/main" val="3609420222"/>
       </p:ext>
     </p:extLst>
   </p:cSld>
@@ -4221,7 +8026,7 @@
           <p:cNvPr id="2" name="Title 1">
             <a:extLst>
               <a:ext uri="{FF2B5EF4-FFF2-40B4-BE49-F238E27FC236}">
-                <a16:creationId xmlns:a16="http://schemas.microsoft.com/office/drawing/2014/main" id="{D5908A73-7489-EFC9-2D65-78AC3EED5B9D}"/>
+                <a16:creationId xmlns:a16="http://schemas.microsoft.com/office/drawing/2014/main" id="{AC5D3A81-433F-D707-A496-FD523801F7EE}"/>
               </a:ext>
             </a:extLst>
           </p:cNvPr>
@@ -4239,7 +8044,7 @@
           <a:p>
             <a:r>
               <a:rPr lang="en-US" dirty="0"/>
-              <a:t>Simulation: pipeline</a:t>
+              <a:t>Analysis</a:t>
             </a:r>
           </a:p>
         </p:txBody>
@@ -4249,7 +8054,7 @@
           <p:cNvPr id="3" name="Content Placeholder 2">
             <a:extLst>
               <a:ext uri="{FF2B5EF4-FFF2-40B4-BE49-F238E27FC236}">
-                <a16:creationId xmlns:a16="http://schemas.microsoft.com/office/drawing/2014/main" id="{7AF9DD91-79E4-9550-04CD-0B332DFEB48C}"/>
+                <a16:creationId xmlns:a16="http://schemas.microsoft.com/office/drawing/2014/main" id="{235CD890-A3EB-AD79-BA49-9CB79F0D8FBD}"/>
               </a:ext>
             </a:extLst>
           </p:cNvPr>
@@ -4260,19 +8065,192 @@
             <p:ph idx="1"/>
           </p:nvPr>
         </p:nvSpPr>
-        <p:spPr/>
+        <p:spPr>
+          <a:xfrm>
+            <a:off x="838200" y="1825625"/>
+            <a:ext cx="7101114" cy="4351338"/>
+          </a:xfrm>
+        </p:spPr>
         <p:txBody>
           <a:bodyPr/>
           <a:lstStyle/>
           <a:p>
+            <a:r>
+              <a:rPr lang="en-US" dirty="0"/>
+              <a:t>3 models (</a:t>
+            </a:r>
+            <a:r>
+              <a:rPr lang="en-US" dirty="0" err="1"/>
+              <a:t>fbd</a:t>
+            </a:r>
+            <a:r>
+              <a:rPr lang="en-US" dirty="0"/>
+              <a:t>, </a:t>
+            </a:r>
+            <a:r>
+              <a:rPr lang="en-US" dirty="0" err="1"/>
+              <a:t>bisse</a:t>
+            </a:r>
+            <a:r>
+              <a:rPr lang="en-US" dirty="0"/>
+              <a:t>, </a:t>
+            </a:r>
+            <a:r>
+              <a:rPr lang="en-US" dirty="0" err="1"/>
+              <a:t>fbd+bisse</a:t>
+            </a:r>
+            <a:r>
+              <a:rPr lang="en-US" dirty="0"/>
+              <a:t>)</a:t>
+            </a:r>
+          </a:p>
+          <a:p>
+            <a:endParaRPr lang="en-US" dirty="0"/>
+          </a:p>
+          <a:p>
+            <a:r>
+              <a:rPr lang="en-US" dirty="0"/>
+              <a:t>4 scenarios (S1-S4)</a:t>
+            </a:r>
+          </a:p>
+          <a:p>
+            <a:endParaRPr lang="en-US" dirty="0"/>
+          </a:p>
+          <a:p>
+            <a:r>
+              <a:rPr lang="en-US" dirty="0"/>
+              <a:t>3 fossil sampling values (0.01-0.05-0.1)</a:t>
+            </a:r>
+          </a:p>
+          <a:p>
+            <a:endParaRPr lang="en-US" dirty="0"/>
+          </a:p>
+          <a:p>
+            <a:r>
+              <a:rPr lang="en-US" dirty="0"/>
+              <a:t>4 types of traits (real, neutral low-mid-high transition rates)</a:t>
+            </a:r>
+          </a:p>
+        </p:txBody>
+      </p:sp>
+      <p:sp>
+        <p:nvSpPr>
+          <p:cNvPr id="4" name="Right Brace 3">
+            <a:extLst>
+              <a:ext uri="{FF2B5EF4-FFF2-40B4-BE49-F238E27FC236}">
+                <a16:creationId xmlns:a16="http://schemas.microsoft.com/office/drawing/2014/main" id="{33639349-8ECA-B1EA-3F98-27DD52749EC6}"/>
+              </a:ext>
+            </a:extLst>
+          </p:cNvPr>
+          <p:cNvSpPr/>
+          <p:nvPr/>
+        </p:nvSpPr>
+        <p:spPr>
+          <a:xfrm>
+            <a:off x="6966857" y="1898195"/>
+            <a:ext cx="1088571" cy="3701143"/>
+          </a:xfrm>
+          <a:prstGeom prst="rightBrace">
+            <a:avLst/>
+          </a:prstGeom>
+          <a:ln w="57150">
+            <a:solidFill>
+              <a:schemeClr val="accent2"/>
+            </a:solidFill>
+          </a:ln>
+        </p:spPr>
+        <p:style>
+          <a:lnRef idx="1">
+            <a:schemeClr val="accent1"/>
+          </a:lnRef>
+          <a:fillRef idx="0">
+            <a:schemeClr val="accent1"/>
+          </a:fillRef>
+          <a:effectRef idx="0">
+            <a:schemeClr val="accent1"/>
+          </a:effectRef>
+          <a:fontRef idx="minor">
+            <a:schemeClr val="tx1"/>
+          </a:fontRef>
+        </p:style>
+        <p:txBody>
+          <a:bodyPr rtlCol="0" anchor="ctr"/>
+          <a:lstStyle/>
+          <a:p>
+            <a:pPr algn="ctr"/>
             <a:endParaRPr lang="en-US"/>
           </a:p>
         </p:txBody>
       </p:sp>
+      <p:sp>
+        <p:nvSpPr>
+          <p:cNvPr id="5" name="TextBox 4">
+            <a:extLst>
+              <a:ext uri="{FF2B5EF4-FFF2-40B4-BE49-F238E27FC236}">
+                <a16:creationId xmlns:a16="http://schemas.microsoft.com/office/drawing/2014/main" id="{09979934-AC6E-78C0-BFC6-4F8E84A3CB5D}"/>
+              </a:ext>
+            </a:extLst>
+          </p:cNvPr>
+          <p:cNvSpPr txBox="1"/>
+          <p:nvPr/>
+        </p:nvSpPr>
+        <p:spPr>
+          <a:xfrm>
+            <a:off x="8055428" y="3345543"/>
+            <a:ext cx="2757715" cy="954107"/>
+          </a:xfrm>
+          <a:prstGeom prst="rect">
+            <a:avLst/>
+          </a:prstGeom>
+          <a:noFill/>
+        </p:spPr>
+        <p:txBody>
+          <a:bodyPr wrap="square" rtlCol="0">
+            <a:spAutoFit/>
+          </a:bodyPr>
+          <a:lstStyle/>
+          <a:p>
+            <a:r>
+              <a:rPr lang="en-US" sz="2800" dirty="0"/>
+              <a:t>76 combinations, 100 reps each</a:t>
+            </a:r>
+          </a:p>
+        </p:txBody>
+      </p:sp>
+      <p:pic>
+        <p:nvPicPr>
+          <p:cNvPr id="6" name="Picture 5">
+            <a:extLst>
+              <a:ext uri="{FF2B5EF4-FFF2-40B4-BE49-F238E27FC236}">
+                <a16:creationId xmlns:a16="http://schemas.microsoft.com/office/drawing/2014/main" id="{5653E286-115D-A1EE-175A-11A72BCCDAB6}"/>
+              </a:ext>
+            </a:extLst>
+          </p:cNvPr>
+          <p:cNvPicPr>
+            <a:picLocks noChangeAspect="1"/>
+          </p:cNvPicPr>
+          <p:nvPr/>
+        </p:nvPicPr>
+        <p:blipFill>
+          <a:blip r:embed="rId3"/>
+          <a:stretch>
+            <a:fillRect/>
+          </a:stretch>
+        </p:blipFill>
+        <p:spPr>
+          <a:xfrm>
+            <a:off x="9775371" y="148771"/>
+            <a:ext cx="2075543" cy="2075543"/>
+          </a:xfrm>
+          <a:prstGeom prst="rect">
+            <a:avLst/>
+          </a:prstGeom>
+        </p:spPr>
+      </p:pic>
     </p:spTree>
     <p:extLst>
       <p:ext uri="{BB962C8B-B14F-4D97-AF65-F5344CB8AC3E}">
-        <p14:creationId xmlns:p14="http://schemas.microsoft.com/office/powerpoint/2010/main" val="3609420222"/>
+        <p14:creationId xmlns:p14="http://schemas.microsoft.com/office/powerpoint/2010/main" val="3625391734"/>
       </p:ext>
     </p:extLst>
   </p:cSld>
@@ -4304,7 +8282,7 @@
           <p:cNvPr id="2" name="Title 1">
             <a:extLst>
               <a:ext uri="{FF2B5EF4-FFF2-40B4-BE49-F238E27FC236}">
-                <a16:creationId xmlns:a16="http://schemas.microsoft.com/office/drawing/2014/main" id="{A2B2F12D-892A-F45A-2EE3-3278BD293647}"/>
+                <a16:creationId xmlns:a16="http://schemas.microsoft.com/office/drawing/2014/main" id="{3E2561E7-2B19-8D15-F676-2E9170DBA630}"/>
               </a:ext>
             </a:extLst>
           </p:cNvPr>
@@ -4322,45 +8300,135 @@
           <a:p>
             <a:r>
               <a:rPr lang="en-US" dirty="0"/>
-              <a:t>Analysis: </a:t>
-            </a:r>
-            <a:r>
-              <a:rPr lang="en-US" dirty="0" err="1"/>
-              <a:t>revbayes</a:t>
-            </a:r>
-            <a:endParaRPr lang="en-US" dirty="0"/>
-          </a:p>
-        </p:txBody>
-      </p:sp>
-      <p:sp>
-        <p:nvSpPr>
-          <p:cNvPr id="3" name="Content Placeholder 2">
-            <a:extLst>
-              <a:ext uri="{FF2B5EF4-FFF2-40B4-BE49-F238E27FC236}">
-                <a16:creationId xmlns:a16="http://schemas.microsoft.com/office/drawing/2014/main" id="{AC51E9A3-73F9-F4F3-1C2D-10B9469F0BAC}"/>
-              </a:ext>
-            </a:extLst>
-          </p:cNvPr>
-          <p:cNvSpPr>
-            <a:spLocks noGrp="1"/>
-          </p:cNvSpPr>
-          <p:nvPr>
-            <p:ph idx="1"/>
-          </p:nvPr>
-        </p:nvSpPr>
-        <p:spPr/>
-        <p:txBody>
-          <a:bodyPr/>
-          <a:lstStyle/>
-          <a:p>
-            <a:endParaRPr lang="en-US"/>
-          </a:p>
-        </p:txBody>
-      </p:sp>
+              <a:t>Results: replicating Maddison (2017)</a:t>
+            </a:r>
+          </a:p>
+        </p:txBody>
+      </p:sp>
+      <p:pic>
+        <p:nvPicPr>
+          <p:cNvPr id="4" name="Picture 6">
+            <a:extLst>
+              <a:ext uri="{FF2B5EF4-FFF2-40B4-BE49-F238E27FC236}">
+                <a16:creationId xmlns:a16="http://schemas.microsoft.com/office/drawing/2014/main" id="{2B9746B6-1B0F-6F07-E593-D87CF7E8C45D}"/>
+              </a:ext>
+            </a:extLst>
+          </p:cNvPr>
+          <p:cNvPicPr>
+            <a:picLocks noChangeAspect="1" noChangeArrowheads="1"/>
+          </p:cNvPicPr>
+          <p:nvPr/>
+        </p:nvPicPr>
+        <p:blipFill rotWithShape="1">
+          <a:blip r:embed="rId2">
+            <a:extLst>
+              <a:ext uri="{28A0092B-C50C-407E-A947-70E740481C1C}">
+                <a14:useLocalDpi xmlns:a14="http://schemas.microsoft.com/office/drawing/2010/main" val="0"/>
+              </a:ext>
+            </a:extLst>
+          </a:blip>
+          <a:srcRect t="3200" r="48468" b="48681"/>
+          <a:stretch/>
+        </p:blipFill>
+        <p:spPr bwMode="auto">
+          <a:xfrm>
+            <a:off x="838200" y="1843313"/>
+            <a:ext cx="4606018" cy="4412344"/>
+          </a:xfrm>
+          <a:prstGeom prst="rect">
+            <a:avLst/>
+          </a:prstGeom>
+          <a:noFill/>
+          <a:extLst>
+            <a:ext uri="{909E8E84-426E-40DD-AFC4-6F175D3DCCD1}">
+              <a14:hiddenFill xmlns:a14="http://schemas.microsoft.com/office/drawing/2010/main">
+                <a:solidFill>
+                  <a:srgbClr val="FFFFFF"/>
+                </a:solidFill>
+              </a14:hiddenFill>
+            </a:ext>
+          </a:extLst>
+        </p:spPr>
+      </p:pic>
+      <p:cxnSp>
+        <p:nvCxnSpPr>
+          <p:cNvPr id="8" name="Straight Arrow Connector 7">
+            <a:extLst>
+              <a:ext uri="{FF2B5EF4-FFF2-40B4-BE49-F238E27FC236}">
+                <a16:creationId xmlns:a16="http://schemas.microsoft.com/office/drawing/2014/main" id="{F8CB42FC-1752-F30F-D9B3-CD83A780A8AC}"/>
+              </a:ext>
+            </a:extLst>
+          </p:cNvPr>
+          <p:cNvCxnSpPr>
+            <a:cxnSpLocks/>
+            <a:stCxn id="4" idx="3"/>
+          </p:cNvCxnSpPr>
+          <p:nvPr/>
+        </p:nvCxnSpPr>
+        <p:spPr>
+          <a:xfrm>
+            <a:off x="5444218" y="4049485"/>
+            <a:ext cx="1642382" cy="0"/>
+          </a:xfrm>
+          <a:prstGeom prst="straightConnector1">
+            <a:avLst/>
+          </a:prstGeom>
+          <a:ln w="57150">
+            <a:solidFill>
+              <a:schemeClr val="accent2"/>
+            </a:solidFill>
+            <a:tailEnd type="triangle"/>
+          </a:ln>
+        </p:spPr>
+        <p:style>
+          <a:lnRef idx="1">
+            <a:schemeClr val="accent1"/>
+          </a:lnRef>
+          <a:fillRef idx="0">
+            <a:schemeClr val="accent1"/>
+          </a:fillRef>
+          <a:effectRef idx="0">
+            <a:schemeClr val="accent1"/>
+          </a:effectRef>
+          <a:fontRef idx="minor">
+            <a:schemeClr val="tx1"/>
+          </a:fontRef>
+        </p:style>
+      </p:cxnSp>
+      <p:pic>
+        <p:nvPicPr>
+          <p:cNvPr id="10" name="Picture 9">
+            <a:extLst>
+              <a:ext uri="{FF2B5EF4-FFF2-40B4-BE49-F238E27FC236}">
+                <a16:creationId xmlns:a16="http://schemas.microsoft.com/office/drawing/2014/main" id="{AC28E49E-3A1A-0D61-220A-756FE6C92CEC}"/>
+              </a:ext>
+            </a:extLst>
+          </p:cNvPr>
+          <p:cNvPicPr>
+            <a:picLocks noChangeAspect="1"/>
+          </p:cNvPicPr>
+          <p:nvPr/>
+        </p:nvPicPr>
+        <p:blipFill>
+          <a:blip r:embed="rId3"/>
+          <a:stretch>
+            <a:fillRect/>
+          </a:stretch>
+        </p:blipFill>
+        <p:spPr>
+          <a:xfrm>
+            <a:off x="7173686" y="1631105"/>
+            <a:ext cx="4180114" cy="4836760"/>
+          </a:xfrm>
+          <a:prstGeom prst="rect">
+            <a:avLst/>
+          </a:prstGeom>
+        </p:spPr>
+      </p:pic>
     </p:spTree>
     <p:extLst>
       <p:ext uri="{BB962C8B-B14F-4D97-AF65-F5344CB8AC3E}">
-        <p14:creationId xmlns:p14="http://schemas.microsoft.com/office/powerpoint/2010/main" val="4019330328"/>
+        <p14:creationId xmlns:p14="http://schemas.microsoft.com/office/powerpoint/2010/main" val="4206811666"/>
       </p:ext>
     </p:extLst>
   </p:cSld>
@@ -4392,7 +8460,7 @@
           <p:cNvPr id="2" name="Title 1">
             <a:extLst>
               <a:ext uri="{FF2B5EF4-FFF2-40B4-BE49-F238E27FC236}">
-                <a16:creationId xmlns:a16="http://schemas.microsoft.com/office/drawing/2014/main" id="{AC5D3A81-433F-D707-A496-FD523801F7EE}"/>
+                <a16:creationId xmlns:a16="http://schemas.microsoft.com/office/drawing/2014/main" id="{3E2561E7-2B19-8D15-F676-2E9170DBA630}"/>
               </a:ext>
             </a:extLst>
           </p:cNvPr>
@@ -4410,40 +8478,135 @@
           <a:p>
             <a:r>
               <a:rPr lang="en-US" dirty="0"/>
-              <a:t>Analysis: pipeline</a:t>
-            </a:r>
-          </a:p>
-        </p:txBody>
-      </p:sp>
-      <p:sp>
-        <p:nvSpPr>
-          <p:cNvPr id="3" name="Content Placeholder 2">
-            <a:extLst>
-              <a:ext uri="{FF2B5EF4-FFF2-40B4-BE49-F238E27FC236}">
-                <a16:creationId xmlns:a16="http://schemas.microsoft.com/office/drawing/2014/main" id="{235CD890-A3EB-AD79-BA49-9CB79F0D8FBD}"/>
-              </a:ext>
-            </a:extLst>
-          </p:cNvPr>
-          <p:cNvSpPr>
-            <a:spLocks noGrp="1"/>
-          </p:cNvSpPr>
-          <p:nvPr>
-            <p:ph idx="1"/>
-          </p:nvPr>
-        </p:nvSpPr>
-        <p:spPr/>
-        <p:txBody>
-          <a:bodyPr/>
-          <a:lstStyle/>
-          <a:p>
-            <a:endParaRPr lang="en-US"/>
-          </a:p>
-        </p:txBody>
-      </p:sp>
+              <a:t>Results: replicating Maddison (2017)</a:t>
+            </a:r>
+          </a:p>
+        </p:txBody>
+      </p:sp>
+      <p:cxnSp>
+        <p:nvCxnSpPr>
+          <p:cNvPr id="8" name="Straight Arrow Connector 7">
+            <a:extLst>
+              <a:ext uri="{FF2B5EF4-FFF2-40B4-BE49-F238E27FC236}">
+                <a16:creationId xmlns:a16="http://schemas.microsoft.com/office/drawing/2014/main" id="{F8CB42FC-1752-F30F-D9B3-CD83A780A8AC}"/>
+              </a:ext>
+            </a:extLst>
+          </p:cNvPr>
+          <p:cNvCxnSpPr>
+            <a:cxnSpLocks/>
+            <a:stCxn id="3" idx="3"/>
+          </p:cNvCxnSpPr>
+          <p:nvPr/>
+        </p:nvCxnSpPr>
+        <p:spPr>
+          <a:xfrm>
+            <a:off x="5444218" y="3864595"/>
+            <a:ext cx="1709964" cy="0"/>
+          </a:xfrm>
+          <a:prstGeom prst="straightConnector1">
+            <a:avLst/>
+          </a:prstGeom>
+          <a:ln w="57150">
+            <a:solidFill>
+              <a:schemeClr val="accent2"/>
+            </a:solidFill>
+            <a:tailEnd type="triangle"/>
+          </a:ln>
+        </p:spPr>
+        <p:style>
+          <a:lnRef idx="1">
+            <a:schemeClr val="accent1"/>
+          </a:lnRef>
+          <a:fillRef idx="0">
+            <a:schemeClr val="accent1"/>
+          </a:fillRef>
+          <a:effectRef idx="0">
+            <a:schemeClr val="accent1"/>
+          </a:effectRef>
+          <a:fontRef idx="minor">
+            <a:schemeClr val="tx1"/>
+          </a:fontRef>
+        </p:style>
+      </p:cxnSp>
+      <p:pic>
+        <p:nvPicPr>
+          <p:cNvPr id="3" name="Picture 6">
+            <a:extLst>
+              <a:ext uri="{FF2B5EF4-FFF2-40B4-BE49-F238E27FC236}">
+                <a16:creationId xmlns:a16="http://schemas.microsoft.com/office/drawing/2014/main" id="{983684D4-B9AE-14CC-1606-F7D0516B7364}"/>
+              </a:ext>
+            </a:extLst>
+          </p:cNvPr>
+          <p:cNvPicPr>
+            <a:picLocks noChangeAspect="1" noChangeArrowheads="1"/>
+          </p:cNvPicPr>
+          <p:nvPr/>
+        </p:nvPicPr>
+        <p:blipFill rotWithShape="1">
+          <a:blip r:embed="rId2">
+            <a:extLst>
+              <a:ext uri="{28A0092B-C50C-407E-A947-70E740481C1C}">
+                <a14:useLocalDpi xmlns:a14="http://schemas.microsoft.com/office/drawing/2010/main" val="0"/>
+              </a:ext>
+            </a:extLst>
+          </a:blip>
+          <a:srcRect l="51087" t="3668" b="48173"/>
+          <a:stretch/>
+        </p:blipFill>
+        <p:spPr bwMode="auto">
+          <a:xfrm>
+            <a:off x="770618" y="1504285"/>
+            <a:ext cx="4673600" cy="4720620"/>
+          </a:xfrm>
+          <a:prstGeom prst="rect">
+            <a:avLst/>
+          </a:prstGeom>
+          <a:noFill/>
+          <a:extLst>
+            <a:ext uri="{909E8E84-426E-40DD-AFC4-6F175D3DCCD1}">
+              <a14:hiddenFill xmlns:a14="http://schemas.microsoft.com/office/drawing/2010/main">
+                <a:solidFill>
+                  <a:srgbClr val="FFFFFF"/>
+                </a:solidFill>
+              </a14:hiddenFill>
+            </a:ext>
+          </a:extLst>
+        </p:spPr>
+      </p:pic>
+      <p:pic>
+        <p:nvPicPr>
+          <p:cNvPr id="12" name="Picture 11">
+            <a:extLst>
+              <a:ext uri="{FF2B5EF4-FFF2-40B4-BE49-F238E27FC236}">
+                <a16:creationId xmlns:a16="http://schemas.microsoft.com/office/drawing/2014/main" id="{F90A4F14-0FE2-E992-D427-A85E8A340F2F}"/>
+              </a:ext>
+            </a:extLst>
+          </p:cNvPr>
+          <p:cNvPicPr>
+            <a:picLocks noChangeAspect="1"/>
+          </p:cNvPicPr>
+          <p:nvPr/>
+        </p:nvPicPr>
+        <p:blipFill>
+          <a:blip r:embed="rId3"/>
+          <a:stretch>
+            <a:fillRect/>
+          </a:stretch>
+        </p:blipFill>
+        <p:spPr>
+          <a:xfrm>
+            <a:off x="7154182" y="1318684"/>
+            <a:ext cx="4400548" cy="5091822"/>
+          </a:xfrm>
+          <a:prstGeom prst="rect">
+            <a:avLst/>
+          </a:prstGeom>
+        </p:spPr>
+      </p:pic>
     </p:spTree>
     <p:extLst>
       <p:ext uri="{BB962C8B-B14F-4D97-AF65-F5344CB8AC3E}">
-        <p14:creationId xmlns:p14="http://schemas.microsoft.com/office/powerpoint/2010/main" val="3625391734"/>
+        <p14:creationId xmlns:p14="http://schemas.microsoft.com/office/powerpoint/2010/main" val="1334659000"/>
       </p:ext>
     </p:extLst>
   </p:cSld>
@@ -4498,35 +8661,129 @@
           </a:p>
         </p:txBody>
       </p:sp>
-      <p:sp>
-        <p:nvSpPr>
-          <p:cNvPr id="3" name="Content Placeholder 2">
-            <a:extLst>
-              <a:ext uri="{FF2B5EF4-FFF2-40B4-BE49-F238E27FC236}">
-                <a16:creationId xmlns:a16="http://schemas.microsoft.com/office/drawing/2014/main" id="{8CDA4EB8-42BE-D10D-3335-6D1D9951885C}"/>
-              </a:ext>
-            </a:extLst>
-          </p:cNvPr>
-          <p:cNvSpPr>
-            <a:spLocks noGrp="1"/>
-          </p:cNvSpPr>
-          <p:nvPr>
-            <p:ph idx="1"/>
-          </p:nvPr>
-        </p:nvSpPr>
-        <p:spPr/>
-        <p:txBody>
-          <a:bodyPr/>
-          <a:lstStyle/>
-          <a:p>
-            <a:endParaRPr lang="en-US"/>
-          </a:p>
-        </p:txBody>
-      </p:sp>
+      <p:cxnSp>
+        <p:nvCxnSpPr>
+          <p:cNvPr id="8" name="Straight Arrow Connector 7">
+            <a:extLst>
+              <a:ext uri="{FF2B5EF4-FFF2-40B4-BE49-F238E27FC236}">
+                <a16:creationId xmlns:a16="http://schemas.microsoft.com/office/drawing/2014/main" id="{F8CB42FC-1752-F30F-D9B3-CD83A780A8AC}"/>
+              </a:ext>
+            </a:extLst>
+          </p:cNvPr>
+          <p:cNvCxnSpPr>
+            <a:cxnSpLocks/>
+          </p:cNvCxnSpPr>
+          <p:nvPr/>
+        </p:nvCxnSpPr>
+        <p:spPr>
+          <a:xfrm>
+            <a:off x="5444218" y="4049485"/>
+            <a:ext cx="1642382" cy="0"/>
+          </a:xfrm>
+          <a:prstGeom prst="straightConnector1">
+            <a:avLst/>
+          </a:prstGeom>
+          <a:ln w="57150">
+            <a:solidFill>
+              <a:schemeClr val="accent2"/>
+            </a:solidFill>
+            <a:tailEnd type="triangle"/>
+          </a:ln>
+        </p:spPr>
+        <p:style>
+          <a:lnRef idx="1">
+            <a:schemeClr val="accent1"/>
+          </a:lnRef>
+          <a:fillRef idx="0">
+            <a:schemeClr val="accent1"/>
+          </a:fillRef>
+          <a:effectRef idx="0">
+            <a:schemeClr val="accent1"/>
+          </a:effectRef>
+          <a:fontRef idx="minor">
+            <a:schemeClr val="tx1"/>
+          </a:fontRef>
+        </p:style>
+      </p:cxnSp>
+      <p:pic>
+        <p:nvPicPr>
+          <p:cNvPr id="3" name="Picture 2">
+            <a:extLst>
+              <a:ext uri="{FF2B5EF4-FFF2-40B4-BE49-F238E27FC236}">
+                <a16:creationId xmlns:a16="http://schemas.microsoft.com/office/drawing/2014/main" id="{6AFF5C92-5F2E-4396-E472-F26CABEBD461}"/>
+              </a:ext>
+            </a:extLst>
+          </p:cNvPr>
+          <p:cNvPicPr>
+            <a:picLocks noChangeAspect="1" noChangeArrowheads="1"/>
+          </p:cNvPicPr>
+          <p:nvPr/>
+        </p:nvPicPr>
+        <p:blipFill rotWithShape="1">
+          <a:blip r:embed="rId2">
+            <a:extLst>
+              <a:ext uri="{28A0092B-C50C-407E-A947-70E740481C1C}">
+                <a14:useLocalDpi xmlns:a14="http://schemas.microsoft.com/office/drawing/2010/main" val="0"/>
+              </a:ext>
+            </a:extLst>
+          </a:blip>
+          <a:srcRect l="25465" t="52275" r="25248" b="1693"/>
+          <a:stretch/>
+        </p:blipFill>
+        <p:spPr bwMode="auto">
+          <a:xfrm>
+            <a:off x="838200" y="1842857"/>
+            <a:ext cx="4606018" cy="4413256"/>
+          </a:xfrm>
+          <a:prstGeom prst="rect">
+            <a:avLst/>
+          </a:prstGeom>
+          <a:noFill/>
+          <a:extLst>
+            <a:ext uri="{909E8E84-426E-40DD-AFC4-6F175D3DCCD1}">
+              <a14:hiddenFill xmlns:a14="http://schemas.microsoft.com/office/drawing/2010/main">
+                <a:solidFill>
+                  <a:srgbClr val="FFFFFF"/>
+                </a:solidFill>
+              </a14:hiddenFill>
+            </a:ext>
+          </a:extLst>
+        </p:spPr>
+      </p:pic>
+      <p:pic>
+        <p:nvPicPr>
+          <p:cNvPr id="10" name="Picture 9">
+            <a:extLst>
+              <a:ext uri="{FF2B5EF4-FFF2-40B4-BE49-F238E27FC236}">
+                <a16:creationId xmlns:a16="http://schemas.microsoft.com/office/drawing/2014/main" id="{6D697348-9D9C-EA4D-0477-5AD937E82164}"/>
+              </a:ext>
+            </a:extLst>
+          </p:cNvPr>
+          <p:cNvPicPr>
+            <a:picLocks noChangeAspect="1"/>
+          </p:cNvPicPr>
+          <p:nvPr/>
+        </p:nvPicPr>
+        <p:blipFill>
+          <a:blip r:embed="rId3"/>
+          <a:stretch>
+            <a:fillRect/>
+          </a:stretch>
+        </p:blipFill>
+        <p:spPr>
+          <a:xfrm>
+            <a:off x="7116536" y="1589987"/>
+            <a:ext cx="4237264" cy="4902888"/>
+          </a:xfrm>
+          <a:prstGeom prst="rect">
+            <a:avLst/>
+          </a:prstGeom>
+        </p:spPr>
+      </p:pic>
     </p:spTree>
     <p:extLst>
       <p:ext uri="{BB962C8B-B14F-4D97-AF65-F5344CB8AC3E}">
-        <p14:creationId xmlns:p14="http://schemas.microsoft.com/office/powerpoint/2010/main" val="4206811666"/>
+        <p14:creationId xmlns:p14="http://schemas.microsoft.com/office/powerpoint/2010/main" val="1167054475"/>
       </p:ext>
     </p:extLst>
   </p:cSld>
@@ -4829,4 +9086,299 @@
     </a:ext>
   </a:extLst>
 </a:theme>
+</file>
+
+<file path=ppt/theme/theme2.xml><?xml version="1.0" encoding="utf-8"?>
+<a:theme xmlns:a="http://schemas.openxmlformats.org/drawingml/2006/main" name="Office Theme">
+  <a:themeElements>
+    <a:clrScheme name="Office">
+      <a:dk1>
+        <a:sysClr val="windowText" lastClr="000000"/>
+      </a:dk1>
+      <a:lt1>
+        <a:sysClr val="window" lastClr="FFFFFF"/>
+      </a:lt1>
+      <a:dk2>
+        <a:srgbClr val="44546A"/>
+      </a:dk2>
+      <a:lt2>
+        <a:srgbClr val="E7E6E6"/>
+      </a:lt2>
+      <a:accent1>
+        <a:srgbClr val="4472C4"/>
+      </a:accent1>
+      <a:accent2>
+        <a:srgbClr val="ED7D31"/>
+      </a:accent2>
+      <a:accent3>
+        <a:srgbClr val="A5A5A5"/>
+      </a:accent3>
+      <a:accent4>
+        <a:srgbClr val="FFC000"/>
+      </a:accent4>
+      <a:accent5>
+        <a:srgbClr val="5B9BD5"/>
+      </a:accent5>
+      <a:accent6>
+        <a:srgbClr val="70AD47"/>
+      </a:accent6>
+      <a:hlink>
+        <a:srgbClr val="0563C1"/>
+      </a:hlink>
+      <a:folHlink>
+        <a:srgbClr val="954F72"/>
+      </a:folHlink>
+    </a:clrScheme>
+    <a:fontScheme name="Office">
+      <a:majorFont>
+        <a:latin typeface="Calibri Light" panose="020F0302020204030204"/>
+        <a:ea typeface=""/>
+        <a:cs typeface=""/>
+        <a:font script="Jpan" typeface="游ゴシック Light"/>
+        <a:font script="Hang" typeface="맑은 고딕"/>
+        <a:font script="Hans" typeface="等线 Light"/>
+        <a:font script="Hant" typeface="新細明體"/>
+        <a:font script="Arab" typeface="Times New Roman"/>
+        <a:font script="Hebr" typeface="Times New Roman"/>
+        <a:font script="Thai" typeface="Angsana New"/>
+        <a:font script="Ethi" typeface="Nyala"/>
+        <a:font script="Beng" typeface="Vrinda"/>
+        <a:font script="Gujr" typeface="Shruti"/>
+        <a:font script="Khmr" typeface="MoolBoran"/>
+        <a:font script="Knda" typeface="Tunga"/>
+        <a:font script="Guru" typeface="Raavi"/>
+        <a:font script="Cans" typeface="Euphemia"/>
+        <a:font script="Cher" typeface="Plantagenet Cherokee"/>
+        <a:font script="Yiii" typeface="Microsoft Yi Baiti"/>
+        <a:font script="Tibt" typeface="Microsoft Himalaya"/>
+        <a:font script="Thaa" typeface="MV Boli"/>
+        <a:font script="Deva" typeface="Mangal"/>
+        <a:font script="Telu" typeface="Gautami"/>
+        <a:font script="Taml" typeface="Latha"/>
+        <a:font script="Syrc" typeface="Estrangelo Edessa"/>
+        <a:font script="Orya" typeface="Kalinga"/>
+        <a:font script="Mlym" typeface="Kartika"/>
+        <a:font script="Laoo" typeface="DokChampa"/>
+        <a:font script="Sinh" typeface="Iskoola Pota"/>
+        <a:font script="Mong" typeface="Mongolian Baiti"/>
+        <a:font script="Viet" typeface="Times New Roman"/>
+        <a:font script="Uigh" typeface="Microsoft Uighur"/>
+        <a:font script="Geor" typeface="Sylfaen"/>
+        <a:font script="Armn" typeface="Arial"/>
+        <a:font script="Bugi" typeface="Leelawadee UI"/>
+        <a:font script="Bopo" typeface="Microsoft JhengHei"/>
+        <a:font script="Java" typeface="Javanese Text"/>
+        <a:font script="Lisu" typeface="Segoe UI"/>
+        <a:font script="Mymr" typeface="Myanmar Text"/>
+        <a:font script="Nkoo" typeface="Ebrima"/>
+        <a:font script="Olck" typeface="Nirmala UI"/>
+        <a:font script="Osma" typeface="Ebrima"/>
+        <a:font script="Phag" typeface="Phagspa"/>
+        <a:font script="Syrn" typeface="Estrangelo Edessa"/>
+        <a:font script="Syrj" typeface="Estrangelo Edessa"/>
+        <a:font script="Syre" typeface="Estrangelo Edessa"/>
+        <a:font script="Sora" typeface="Nirmala UI"/>
+        <a:font script="Tale" typeface="Microsoft Tai Le"/>
+        <a:font script="Talu" typeface="Microsoft New Tai Lue"/>
+        <a:font script="Tfng" typeface="Ebrima"/>
+      </a:majorFont>
+      <a:minorFont>
+        <a:latin typeface="Calibri" panose="020F0502020204030204"/>
+        <a:ea typeface=""/>
+        <a:cs typeface=""/>
+        <a:font script="Jpan" typeface="游ゴシック"/>
+        <a:font script="Hang" typeface="맑은 고딕"/>
+        <a:font script="Hans" typeface="等线"/>
+        <a:font script="Hant" typeface="新細明體"/>
+        <a:font script="Arab" typeface="Arial"/>
+        <a:font script="Hebr" typeface="Arial"/>
+        <a:font script="Thai" typeface="Cordia New"/>
+        <a:font script="Ethi" typeface="Nyala"/>
+        <a:font script="Beng" typeface="Vrinda"/>
+        <a:font script="Gujr" typeface="Shruti"/>
+        <a:font script="Khmr" typeface="DaunPenh"/>
+        <a:font script="Knda" typeface="Tunga"/>
+        <a:font script="Guru" typeface="Raavi"/>
+        <a:font script="Cans" typeface="Euphemia"/>
+        <a:font script="Cher" typeface="Plantagenet Cherokee"/>
+        <a:font script="Yiii" typeface="Microsoft Yi Baiti"/>
+        <a:font script="Tibt" typeface="Microsoft Himalaya"/>
+        <a:font script="Thaa" typeface="MV Boli"/>
+        <a:font script="Deva" typeface="Mangal"/>
+        <a:font script="Telu" typeface="Gautami"/>
+        <a:font script="Taml" typeface="Latha"/>
+        <a:font script="Syrc" typeface="Estrangelo Edessa"/>
+        <a:font script="Orya" typeface="Kalinga"/>
+        <a:font script="Mlym" typeface="Kartika"/>
+        <a:font script="Laoo" typeface="DokChampa"/>
+        <a:font script="Sinh" typeface="Iskoola Pota"/>
+        <a:font script="Mong" typeface="Mongolian Baiti"/>
+        <a:font script="Viet" typeface="Arial"/>
+        <a:font script="Uigh" typeface="Microsoft Uighur"/>
+        <a:font script="Geor" typeface="Sylfaen"/>
+        <a:font script="Armn" typeface="Arial"/>
+        <a:font script="Bugi" typeface="Leelawadee UI"/>
+        <a:font script="Bopo" typeface="Microsoft JhengHei"/>
+        <a:font script="Java" typeface="Javanese Text"/>
+        <a:font script="Lisu" typeface="Segoe UI"/>
+        <a:font script="Mymr" typeface="Myanmar Text"/>
+        <a:font script="Nkoo" typeface="Ebrima"/>
+        <a:font script="Olck" typeface="Nirmala UI"/>
+        <a:font script="Osma" typeface="Ebrima"/>
+        <a:font script="Phag" typeface="Phagspa"/>
+        <a:font script="Syrn" typeface="Estrangelo Edessa"/>
+        <a:font script="Syrj" typeface="Estrangelo Edessa"/>
+        <a:font script="Syre" typeface="Estrangelo Edessa"/>
+        <a:font script="Sora" typeface="Nirmala UI"/>
+        <a:font script="Tale" typeface="Microsoft Tai Le"/>
+        <a:font script="Talu" typeface="Microsoft New Tai Lue"/>
+        <a:font script="Tfng" typeface="Ebrima"/>
+      </a:minorFont>
+    </a:fontScheme>
+    <a:fmtScheme name="Office">
+      <a:fillStyleLst>
+        <a:solidFill>
+          <a:schemeClr val="phClr"/>
+        </a:solidFill>
+        <a:gradFill rotWithShape="1">
+          <a:gsLst>
+            <a:gs pos="0">
+              <a:schemeClr val="phClr">
+                <a:lumMod val="110000"/>
+                <a:satMod val="105000"/>
+                <a:tint val="67000"/>
+              </a:schemeClr>
+            </a:gs>
+            <a:gs pos="50000">
+              <a:schemeClr val="phClr">
+                <a:lumMod val="105000"/>
+                <a:satMod val="103000"/>
+                <a:tint val="73000"/>
+              </a:schemeClr>
+            </a:gs>
+            <a:gs pos="100000">
+              <a:schemeClr val="phClr">
+                <a:lumMod val="105000"/>
+                <a:satMod val="109000"/>
+                <a:tint val="81000"/>
+              </a:schemeClr>
+            </a:gs>
+          </a:gsLst>
+          <a:lin ang="5400000" scaled="0"/>
+        </a:gradFill>
+        <a:gradFill rotWithShape="1">
+          <a:gsLst>
+            <a:gs pos="0">
+              <a:schemeClr val="phClr">
+                <a:satMod val="103000"/>
+                <a:lumMod val="102000"/>
+                <a:tint val="94000"/>
+              </a:schemeClr>
+            </a:gs>
+            <a:gs pos="50000">
+              <a:schemeClr val="phClr">
+                <a:satMod val="110000"/>
+                <a:lumMod val="100000"/>
+                <a:shade val="100000"/>
+              </a:schemeClr>
+            </a:gs>
+            <a:gs pos="100000">
+              <a:schemeClr val="phClr">
+                <a:lumMod val="99000"/>
+                <a:satMod val="120000"/>
+                <a:shade val="78000"/>
+              </a:schemeClr>
+            </a:gs>
+          </a:gsLst>
+          <a:lin ang="5400000" scaled="0"/>
+        </a:gradFill>
+      </a:fillStyleLst>
+      <a:lnStyleLst>
+        <a:ln w="6350" cap="flat" cmpd="sng" algn="ctr">
+          <a:solidFill>
+            <a:schemeClr val="phClr"/>
+          </a:solidFill>
+          <a:prstDash val="solid"/>
+          <a:miter lim="800000"/>
+        </a:ln>
+        <a:ln w="12700" cap="flat" cmpd="sng" algn="ctr">
+          <a:solidFill>
+            <a:schemeClr val="phClr"/>
+          </a:solidFill>
+          <a:prstDash val="solid"/>
+          <a:miter lim="800000"/>
+        </a:ln>
+        <a:ln w="19050" cap="flat" cmpd="sng" algn="ctr">
+          <a:solidFill>
+            <a:schemeClr val="phClr"/>
+          </a:solidFill>
+          <a:prstDash val="solid"/>
+          <a:miter lim="800000"/>
+        </a:ln>
+      </a:lnStyleLst>
+      <a:effectStyleLst>
+        <a:effectStyle>
+          <a:effectLst/>
+        </a:effectStyle>
+        <a:effectStyle>
+          <a:effectLst/>
+        </a:effectStyle>
+        <a:effectStyle>
+          <a:effectLst>
+            <a:outerShdw blurRad="57150" dist="19050" dir="5400000" algn="ctr" rotWithShape="0">
+              <a:srgbClr val="000000">
+                <a:alpha val="63000"/>
+              </a:srgbClr>
+            </a:outerShdw>
+          </a:effectLst>
+        </a:effectStyle>
+      </a:effectStyleLst>
+      <a:bgFillStyleLst>
+        <a:solidFill>
+          <a:schemeClr val="phClr"/>
+        </a:solidFill>
+        <a:solidFill>
+          <a:schemeClr val="phClr">
+            <a:tint val="95000"/>
+            <a:satMod val="170000"/>
+          </a:schemeClr>
+        </a:solidFill>
+        <a:gradFill rotWithShape="1">
+          <a:gsLst>
+            <a:gs pos="0">
+              <a:schemeClr val="phClr">
+                <a:tint val="93000"/>
+                <a:satMod val="150000"/>
+                <a:shade val="98000"/>
+                <a:lumMod val="102000"/>
+              </a:schemeClr>
+            </a:gs>
+            <a:gs pos="50000">
+              <a:schemeClr val="phClr">
+                <a:tint val="98000"/>
+                <a:satMod val="130000"/>
+                <a:shade val="90000"/>
+                <a:lumMod val="103000"/>
+              </a:schemeClr>
+            </a:gs>
+            <a:gs pos="100000">
+              <a:schemeClr val="phClr">
+                <a:shade val="63000"/>
+                <a:satMod val="120000"/>
+              </a:schemeClr>
+            </a:gs>
+          </a:gsLst>
+          <a:lin ang="5400000" scaled="0"/>
+        </a:gradFill>
+      </a:bgFillStyleLst>
+    </a:fmtScheme>
+  </a:themeElements>
+  <a:objectDefaults/>
+  <a:extraClrSchemeLst/>
+  <a:extLst>
+    <a:ext uri="{05A4C25C-085E-4340-85A3-A5531E510DB2}">
+      <thm15:themeFamily xmlns:thm15="http://schemas.microsoft.com/office/thememl/2012/main" name="Office Theme" id="{62F939B6-93AF-4DB8-9C6B-D6C7DFDC589F}" vid="{4A3C46E8-61CC-4603-A589-7422A47A8E4A}"/>
+    </a:ext>
+  </a:extLst>
+</a:theme>
 </file>